--- a/docs/LEGISLATIVE DATA ANALYZER.pptx
+++ b/docs/LEGISLATIVE DATA ANALYZER.pptx
@@ -9,8 +9,9 @@
     <p:sldId id="257" r:id="rId3"/>
     <p:sldId id="258" r:id="rId4"/>
     <p:sldId id="260" r:id="rId5"/>
-    <p:sldId id="259" r:id="rId6"/>
-    <p:sldId id="261" r:id="rId7"/>
+    <p:sldId id="262" r:id="rId6"/>
+    <p:sldId id="259" r:id="rId7"/>
+    <p:sldId id="261" r:id="rId8"/>
   </p:sldIdLst>
   <p:sldSz cx="12192000" cy="6858000"/>
   <p:notesSz cx="6858000" cy="9144000"/>
@@ -6163,8 +6164,8 @@
               <a:t> </a:t>
             </a:r>
             <a:r>
-              <a:rPr lang="en-US" dirty="0" err="1" smtClean="0"/>
-              <a:t>patel</a:t>
+              <a:rPr lang="en-US" dirty="0" smtClean="0"/>
+              <a:t>KUMAR</a:t>
             </a:r>
             <a:r>
               <a:rPr lang="en-US" dirty="0" smtClean="0"/>
@@ -6191,6 +6192,13 @@
   <p:clrMapOvr>
     <a:masterClrMapping/>
   </p:clrMapOvr>
+  <p:timing>
+    <p:tnLst>
+      <p:par>
+        <p:cTn id="1" dur="indefinite" restart="never" nodeType="tmRoot"/>
+      </p:par>
+    </p:tnLst>
+  </p:timing>
 </p:sld>
 </file>
 
@@ -6331,6 +6339,13 @@
   <p:clrMapOvr>
     <a:masterClrMapping/>
   </p:clrMapOvr>
+  <p:timing>
+    <p:tnLst>
+      <p:par>
+        <p:cTn id="1" dur="indefinite" restart="never" nodeType="tmRoot"/>
+      </p:par>
+    </p:tnLst>
+  </p:timing>
 </p:sld>
 </file>
 
@@ -6449,6 +6464,13 @@
   <p:clrMapOvr>
     <a:masterClrMapping/>
   </p:clrMapOvr>
+  <p:timing>
+    <p:tnLst>
+      <p:par>
+        <p:cTn id="1" dur="indefinite" restart="never" nodeType="tmRoot"/>
+      </p:par>
+    </p:tnLst>
+  </p:timing>
 </p:sld>
 </file>
 
@@ -6548,6 +6570,13 @@
   <p:clrMapOvr>
     <a:masterClrMapping/>
   </p:clrMapOvr>
+  <p:timing>
+    <p:tnLst>
+      <p:par>
+        <p:cTn id="1" dur="indefinite" restart="never" nodeType="tmRoot"/>
+      </p:par>
+    </p:tnLst>
+  </p:timing>
 </p:sld>
 </file>
 
@@ -6586,7 +6615,7 @@
             <a:pPr algn="ctr"/>
             <a:r>
               <a:rPr lang="en-US" dirty="0" smtClean="0"/>
-              <a:t>The environment that we used</a:t>
+              <a:t>Workflow</a:t>
             </a:r>
             <a:endParaRPr lang="en-US" dirty="0"/>
           </a:p>
@@ -6602,118 +6631,87 @@
             <p:ph idx="1"/>
           </p:nvPr>
         </p:nvSpPr>
-        <p:spPr/>
+        <p:spPr>
+          <a:xfrm>
+            <a:off x="1103312" y="2052918"/>
+            <a:ext cx="10270704" cy="4195481"/>
+          </a:xfrm>
+        </p:spPr>
         <p:txBody>
           <a:bodyPr>
             <a:normAutofit/>
           </a:bodyPr>
           <a:lstStyle/>
           <a:p>
-            <a:r>
-              <a:rPr lang="en-US" dirty="0" smtClean="0"/>
-              <a:t>Sqlite3</a:t>
-            </a:r>
-          </a:p>
-          <a:p>
-            <a:r>
-              <a:rPr lang="en-US" dirty="0" smtClean="0"/>
-              <a:t>Python </a:t>
-            </a:r>
-            <a:r>
-              <a:rPr lang="en-US" dirty="0" smtClean="0"/>
-              <a:t>v3.4</a:t>
-            </a:r>
-          </a:p>
-          <a:p>
-            <a:pPr lvl="1"/>
-            <a:r>
-              <a:rPr lang="en-US" dirty="0" smtClean="0"/>
-              <a:t>Httplib2</a:t>
-            </a:r>
-          </a:p>
-          <a:p>
-            <a:pPr lvl="1"/>
-            <a:r>
-              <a:rPr lang="en-US" dirty="0" err="1" smtClean="0"/>
-              <a:t>Gc</a:t>
-            </a:r>
-            <a:endParaRPr lang="en-US" dirty="0"/>
-          </a:p>
-          <a:p>
-            <a:pPr lvl="1"/>
-            <a:r>
-              <a:rPr lang="en-US" dirty="0" smtClean="0"/>
-              <a:t>Sys</a:t>
-            </a:r>
-          </a:p>
-          <a:p>
-            <a:pPr lvl="1"/>
-            <a:r>
-              <a:rPr lang="en-US" dirty="0" err="1" smtClean="0"/>
-              <a:t>Ttk</a:t>
-            </a:r>
-            <a:r>
-              <a:rPr lang="en-US" dirty="0" smtClean="0"/>
-              <a:t>, </a:t>
-            </a:r>
-            <a:r>
-              <a:rPr lang="en-US" dirty="0" err="1" smtClean="0"/>
-              <a:t>Tkinter</a:t>
-            </a:r>
-            <a:endParaRPr lang="en-US" dirty="0" smtClean="0"/>
-          </a:p>
-          <a:p>
-            <a:pPr lvl="1"/>
-            <a:r>
-              <a:rPr lang="en-US" dirty="0" smtClean="0"/>
-              <a:t>Re</a:t>
-            </a:r>
-          </a:p>
-          <a:p>
-            <a:pPr lvl="1"/>
-            <a:r>
-              <a:rPr lang="en-US" dirty="0" err="1" smtClean="0"/>
-              <a:t>Datatime</a:t>
-            </a:r>
-            <a:endParaRPr lang="en-US" dirty="0" smtClean="0"/>
-          </a:p>
-          <a:p>
-            <a:pPr lvl="1"/>
-            <a:r>
-              <a:rPr lang="en-US" dirty="0" err="1" smtClean="0"/>
-              <a:t>Os</a:t>
-            </a:r>
-            <a:endParaRPr lang="en-US" dirty="0" smtClean="0"/>
-          </a:p>
-          <a:p>
-            <a:pPr lvl="1"/>
-            <a:r>
-              <a:rPr lang="en-US" dirty="0" smtClean="0"/>
-              <a:t>Peewee</a:t>
-            </a:r>
-          </a:p>
-          <a:p>
-            <a:pPr marL="457200" lvl="1" indent="0">
-              <a:buNone/>
+            <a:pPr marL="457200" indent="-457200">
+              <a:buFont typeface="+mj-lt"/>
+              <a:buAutoNum type="arabicPeriod"/>
             </a:pPr>
-            <a:endParaRPr lang="en-US" dirty="0" smtClean="0"/>
-          </a:p>
-          <a:p>
-            <a:pPr lvl="1"/>
-            <a:endParaRPr lang="en-US" dirty="0"/>
+            <a:r>
+              <a:rPr lang="en-US" sz="2800" dirty="0" smtClean="0"/>
+              <a:t>Data gets pulled from the API</a:t>
+            </a:r>
+          </a:p>
+          <a:p>
+            <a:pPr marL="457200" indent="-457200">
+              <a:buFont typeface="+mj-lt"/>
+              <a:buAutoNum type="arabicPeriod"/>
+            </a:pPr>
+            <a:r>
+              <a:rPr lang="en-US" sz="2800" dirty="0" smtClean="0"/>
+              <a:t>Data gets saved into a dictionary</a:t>
+            </a:r>
+          </a:p>
+          <a:p>
+            <a:pPr marL="457200" indent="-457200">
+              <a:buFont typeface="+mj-lt"/>
+              <a:buAutoNum type="arabicPeriod"/>
+            </a:pPr>
+            <a:r>
+              <a:rPr lang="en-US" sz="2800" dirty="0" smtClean="0"/>
+              <a:t>Dictionary gets imported into a Sqlite3 database</a:t>
+            </a:r>
+          </a:p>
+          <a:p>
+            <a:pPr marL="457200" indent="-457200">
+              <a:buFont typeface="+mj-lt"/>
+              <a:buAutoNum type="arabicPeriod"/>
+            </a:pPr>
+            <a:r>
+              <a:rPr lang="en-US" sz="2800" dirty="0" smtClean="0"/>
+              <a:t>Run the queries on the data</a:t>
+            </a:r>
+          </a:p>
+          <a:p>
+            <a:pPr marL="457200" indent="-457200">
+              <a:buFont typeface="+mj-lt"/>
+              <a:buAutoNum type="arabicPeriod"/>
+            </a:pPr>
+            <a:r>
+              <a:rPr lang="en-US" sz="2800" dirty="0" smtClean="0"/>
+              <a:t>Return the result on the UI</a:t>
+            </a:r>
+            <a:endParaRPr lang="en-US" sz="2800" dirty="0"/>
           </a:p>
         </p:txBody>
       </p:sp>
     </p:spTree>
     <p:extLst>
       <p:ext uri="{BB962C8B-B14F-4D97-AF65-F5344CB8AC3E}">
-        <p14:creationId xmlns:p14="http://schemas.microsoft.com/office/powerpoint/2010/main" val="3613328842"/>
+        <p14:creationId xmlns:p14="http://schemas.microsoft.com/office/powerpoint/2010/main" val="2704460584"/>
       </p:ext>
     </p:extLst>
   </p:cSld>
   <p:clrMapOvr>
     <a:masterClrMapping/>
   </p:clrMapOvr>
+  <p:timing>
+    <p:tnLst>
+      <p:par>
+        <p:cTn id="1" dur="indefinite" restart="never" nodeType="tmRoot"/>
+      </p:par>
+    </p:tnLst>
+  </p:timing>
 </p:sld>
 </file>
 
@@ -6744,6 +6742,175 @@
             <p:ph type="title"/>
           </p:nvPr>
         </p:nvSpPr>
+        <p:spPr/>
+        <p:txBody>
+          <a:bodyPr/>
+          <a:lstStyle/>
+          <a:p>
+            <a:pPr algn="ctr"/>
+            <a:r>
+              <a:rPr lang="en-US" dirty="0" smtClean="0"/>
+              <a:t>The environment that we used</a:t>
+            </a:r>
+            <a:endParaRPr lang="en-US" dirty="0"/>
+          </a:p>
+        </p:txBody>
+      </p:sp>
+      <p:sp>
+        <p:nvSpPr>
+          <p:cNvPr id="3" name="Content Placeholder 2"/>
+          <p:cNvSpPr>
+            <a:spLocks noGrp="1"/>
+          </p:cNvSpPr>
+          <p:nvPr>
+            <p:ph idx="1"/>
+          </p:nvPr>
+        </p:nvSpPr>
+        <p:spPr/>
+        <p:txBody>
+          <a:bodyPr>
+            <a:normAutofit/>
+          </a:bodyPr>
+          <a:lstStyle/>
+          <a:p>
+            <a:r>
+              <a:rPr lang="en-US" dirty="0" smtClean="0"/>
+              <a:t>Sqlite3</a:t>
+            </a:r>
+          </a:p>
+          <a:p>
+            <a:r>
+              <a:rPr lang="en-US" dirty="0" smtClean="0"/>
+              <a:t>Python v3.4</a:t>
+            </a:r>
+          </a:p>
+          <a:p>
+            <a:pPr lvl="1"/>
+            <a:r>
+              <a:rPr lang="en-US" dirty="0" smtClean="0"/>
+              <a:t>Httplib2</a:t>
+            </a:r>
+          </a:p>
+          <a:p>
+            <a:pPr lvl="1"/>
+            <a:r>
+              <a:rPr lang="en-US" dirty="0" err="1" smtClean="0"/>
+              <a:t>Gc</a:t>
+            </a:r>
+            <a:endParaRPr lang="en-US" dirty="0"/>
+          </a:p>
+          <a:p>
+            <a:pPr lvl="1"/>
+            <a:r>
+              <a:rPr lang="en-US" dirty="0" smtClean="0"/>
+              <a:t>Sys</a:t>
+            </a:r>
+          </a:p>
+          <a:p>
+            <a:pPr lvl="1"/>
+            <a:r>
+              <a:rPr lang="en-US" dirty="0" err="1" smtClean="0"/>
+              <a:t>Ttk</a:t>
+            </a:r>
+            <a:r>
+              <a:rPr lang="en-US" dirty="0" smtClean="0"/>
+              <a:t>, </a:t>
+            </a:r>
+            <a:r>
+              <a:rPr lang="en-US" dirty="0" err="1" smtClean="0"/>
+              <a:t>Tkinter</a:t>
+            </a:r>
+            <a:endParaRPr lang="en-US" dirty="0" smtClean="0"/>
+          </a:p>
+          <a:p>
+            <a:pPr lvl="1"/>
+            <a:r>
+              <a:rPr lang="en-US" dirty="0" smtClean="0"/>
+              <a:t>Re</a:t>
+            </a:r>
+          </a:p>
+          <a:p>
+            <a:pPr lvl="1"/>
+            <a:r>
+              <a:rPr lang="en-US" dirty="0" err="1" smtClean="0"/>
+              <a:t>Datatime</a:t>
+            </a:r>
+            <a:endParaRPr lang="en-US" dirty="0" smtClean="0"/>
+          </a:p>
+          <a:p>
+            <a:pPr lvl="1"/>
+            <a:r>
+              <a:rPr lang="en-US" dirty="0" err="1" smtClean="0"/>
+              <a:t>Os</a:t>
+            </a:r>
+            <a:endParaRPr lang="en-US" dirty="0" smtClean="0"/>
+          </a:p>
+          <a:p>
+            <a:pPr lvl="1"/>
+            <a:r>
+              <a:rPr lang="en-US" dirty="0" smtClean="0"/>
+              <a:t>Peewee</a:t>
+            </a:r>
+          </a:p>
+          <a:p>
+            <a:pPr marL="457200" lvl="1" indent="0">
+              <a:buNone/>
+            </a:pPr>
+            <a:endParaRPr lang="en-US" dirty="0" smtClean="0"/>
+          </a:p>
+          <a:p>
+            <a:pPr lvl="1"/>
+            <a:endParaRPr lang="en-US" dirty="0"/>
+          </a:p>
+        </p:txBody>
+      </p:sp>
+    </p:spTree>
+    <p:extLst>
+      <p:ext uri="{BB962C8B-B14F-4D97-AF65-F5344CB8AC3E}">
+        <p14:creationId xmlns:p14="http://schemas.microsoft.com/office/powerpoint/2010/main" val="3613328842"/>
+      </p:ext>
+    </p:extLst>
+  </p:cSld>
+  <p:clrMapOvr>
+    <a:masterClrMapping/>
+  </p:clrMapOvr>
+  <p:timing>
+    <p:tnLst>
+      <p:par>
+        <p:cTn id="1" dur="indefinite" restart="never" nodeType="tmRoot"/>
+      </p:par>
+    </p:tnLst>
+  </p:timing>
+</p:sld>
+</file>
+
+<file path=ppt/slides/slide7.xml><?xml version="1.0" encoding="utf-8"?>
+<p:sld xmlns:a="http://schemas.openxmlformats.org/drawingml/2006/main" xmlns:r="http://schemas.openxmlformats.org/officeDocument/2006/relationships" xmlns:p="http://schemas.openxmlformats.org/presentationml/2006/main">
+  <p:cSld>
+    <p:spTree>
+      <p:nvGrpSpPr>
+        <p:cNvPr id="1" name=""/>
+        <p:cNvGrpSpPr/>
+        <p:nvPr/>
+      </p:nvGrpSpPr>
+      <p:grpSpPr>
+        <a:xfrm>
+          <a:off x="0" y="0"/>
+          <a:ext cx="0" cy="0"/>
+          <a:chOff x="0" y="0"/>
+          <a:chExt cx="0" cy="0"/>
+        </a:xfrm>
+      </p:grpSpPr>
+      <p:sp>
+        <p:nvSpPr>
+          <p:cNvPr id="2" name="Title 1"/>
+          <p:cNvSpPr>
+            <a:spLocks noGrp="1"/>
+          </p:cNvSpPr>
+          <p:nvPr>
+            <p:ph type="title"/>
+          </p:nvPr>
+        </p:nvSpPr>
         <p:spPr>
           <a:xfrm>
             <a:off x="1560511" y="1432431"/>
@@ -6780,6 +6947,13 @@
   <p:clrMapOvr>
     <a:masterClrMapping/>
   </p:clrMapOvr>
+  <p:timing>
+    <p:tnLst>
+      <p:par>
+        <p:cTn id="1" dur="indefinite" restart="never" nodeType="tmRoot"/>
+      </p:par>
+    </p:tnLst>
+  </p:timing>
 </p:sld>
 </file>
 

--- a/docs/LEGISLATIVE DATA ANALYZER.pptx
+++ b/docs/LEGISLATIVE DATA ANALYZER.pptx
@@ -6161,15 +6161,7 @@
             </a:r>
             <a:r>
               <a:rPr lang="en-US" dirty="0" smtClean="0"/>
-              <a:t> </a:t>
-            </a:r>
-            <a:r>
-              <a:rPr lang="en-US" dirty="0" smtClean="0"/>
-              <a:t>KUMAR</a:t>
-            </a:r>
-            <a:r>
-              <a:rPr lang="en-US" dirty="0" smtClean="0"/>
-              <a:t> </a:t>
+              <a:t> KUMAR </a:t>
             </a:r>
             <a:r>
               <a:rPr lang="en-US" dirty="0"/>
@@ -6532,7 +6524,7 @@
           <a:p>
             <a:r>
               <a:rPr lang="en-US" sz="2400" dirty="0" smtClean="0"/>
-              <a:t>Average Time Before Meeting: Find out how long does it take to introduce a legislation and discuss it on a meeting</a:t>
+              <a:t>Average Time Before Meeting: Find out how long does it take to discuss each legislation type after it is introduced</a:t>
             </a:r>
           </a:p>
           <a:p>
@@ -6552,7 +6544,7 @@
             </a:r>
             <a:r>
               <a:rPr lang="en-US" sz="2400" dirty="0" smtClean="0"/>
-              <a:t>ype of File: Find out the total number of each legislation type and their statuses</a:t>
+              <a:t>ype of File: Find out the total number files by each legislation type and their statuses</a:t>
             </a:r>
           </a:p>
           <a:p>
@@ -6769,7 +6761,7 @@
         <p:spPr/>
         <p:txBody>
           <a:bodyPr>
-            <a:normAutofit/>
+            <a:normAutofit fontScale="92500" lnSpcReduction="20000"/>
           </a:bodyPr>
           <a:lstStyle/>
           <a:p>
@@ -6777,6 +6769,35 @@
               <a:rPr lang="en-US" dirty="0" smtClean="0"/>
               <a:t>Sqlite3</a:t>
             </a:r>
+          </a:p>
+          <a:p>
+            <a:r>
+              <a:rPr lang="en-US" dirty="0" err="1"/>
+              <a:t>Github</a:t>
+            </a:r>
+            <a:r>
+              <a:rPr lang="en-US" dirty="0"/>
+              <a:t> : </a:t>
+            </a:r>
+            <a:r>
+              <a:rPr lang="en-US" u="sng" dirty="0">
+                <a:hlinkClick r:id="rId2"/>
+              </a:rPr>
+              <a:t>https://github.com/dogat-ruby/CityStay</a:t>
+            </a:r>
+            <a:r>
+              <a:rPr lang="en-US" dirty="0"/>
+              <a:t> project members contributed into </a:t>
+            </a:r>
+            <a:r>
+              <a:rPr lang="en-US"/>
+              <a:t>the </a:t>
+            </a:r>
+            <a:r>
+              <a:rPr lang="en-US" smtClean="0"/>
+              <a:t>project</a:t>
+            </a:r>
+            <a:endParaRPr lang="en-US" dirty="0" smtClean="0"/>
           </a:p>
           <a:p>
             <a:r>

--- a/docs/LEGISLATIVE DATA ANALYZER.pptx
+++ b/docs/LEGISLATIVE DATA ANALYZER.pptx
@@ -2,16 +2,17 @@
 <file path=ppt/presentation.xml><?xml version="1.0" encoding="utf-8"?>
 <p:presentation xmlns:a="http://schemas.openxmlformats.org/drawingml/2006/main" xmlns:r="http://schemas.openxmlformats.org/officeDocument/2006/relationships" xmlns:p="http://schemas.openxmlformats.org/presentationml/2006/main" autoCompressPictures="0">
   <p:sldMasterIdLst>
-    <p:sldMasterId id="2147483648" r:id="rId1"/>
+    <p:sldMasterId id="2147483665" r:id="rId5"/>
   </p:sldMasterIdLst>
   <p:sldIdLst>
-    <p:sldId id="256" r:id="rId2"/>
-    <p:sldId id="257" r:id="rId3"/>
-    <p:sldId id="258" r:id="rId4"/>
-    <p:sldId id="260" r:id="rId5"/>
-    <p:sldId id="262" r:id="rId6"/>
-    <p:sldId id="259" r:id="rId7"/>
-    <p:sldId id="261" r:id="rId8"/>
+    <p:sldId id="256" r:id="rId6"/>
+    <p:sldId id="257" r:id="rId7"/>
+    <p:sldId id="258" r:id="rId8"/>
+    <p:sldId id="259" r:id="rId9"/>
+    <p:sldId id="260" r:id="rId10"/>
+    <p:sldId id="261" r:id="rId11"/>
+    <p:sldId id="262" r:id="rId12"/>
+    <p:sldId id="263" r:id="rId13"/>
   </p:sldIdLst>
   <p:sldSz cx="12192000" cy="6858000"/>
   <p:notesSz cx="6858000" cy="9144000"/>
@@ -19,8 +20,8 @@
     <a:defPPr>
       <a:defRPr lang="en-US"/>
     </a:defPPr>
-    <a:lvl1pPr marL="0" algn="l" defTabSz="457200" rtl="0" eaLnBrk="1" latinLnBrk="0" hangingPunct="1">
-      <a:defRPr sz="1800" kern="1200">
+    <a:lvl1pPr algn="l" defTabSz="457200" eaLnBrk="1" hangingPunct="1" latinLnBrk="0" marL="0" rtl="0">
+      <a:defRPr kern="1200" sz="1800">
         <a:solidFill>
           <a:schemeClr val="tx1"/>
         </a:solidFill>
@@ -29,8 +30,8 @@
         <a:cs typeface="+mn-cs"/>
       </a:defRPr>
     </a:lvl1pPr>
-    <a:lvl2pPr marL="457200" algn="l" defTabSz="457200" rtl="0" eaLnBrk="1" latinLnBrk="0" hangingPunct="1">
-      <a:defRPr sz="1800" kern="1200">
+    <a:lvl2pPr algn="l" defTabSz="457200" eaLnBrk="1" hangingPunct="1" latinLnBrk="0" marL="457200" rtl="0">
+      <a:defRPr kern="1200" sz="1800">
         <a:solidFill>
           <a:schemeClr val="tx1"/>
         </a:solidFill>
@@ -39,8 +40,8 @@
         <a:cs typeface="+mn-cs"/>
       </a:defRPr>
     </a:lvl2pPr>
-    <a:lvl3pPr marL="914400" algn="l" defTabSz="457200" rtl="0" eaLnBrk="1" latinLnBrk="0" hangingPunct="1">
-      <a:defRPr sz="1800" kern="1200">
+    <a:lvl3pPr algn="l" defTabSz="457200" eaLnBrk="1" hangingPunct="1" latinLnBrk="0" marL="914400" rtl="0">
+      <a:defRPr kern="1200" sz="1800">
         <a:solidFill>
           <a:schemeClr val="tx1"/>
         </a:solidFill>
@@ -49,8 +50,8 @@
         <a:cs typeface="+mn-cs"/>
       </a:defRPr>
     </a:lvl3pPr>
-    <a:lvl4pPr marL="1371600" algn="l" defTabSz="457200" rtl="0" eaLnBrk="1" latinLnBrk="0" hangingPunct="1">
-      <a:defRPr sz="1800" kern="1200">
+    <a:lvl4pPr algn="l" defTabSz="457200" eaLnBrk="1" hangingPunct="1" latinLnBrk="0" marL="1371600" rtl="0">
+      <a:defRPr kern="1200" sz="1800">
         <a:solidFill>
           <a:schemeClr val="tx1"/>
         </a:solidFill>
@@ -59,8 +60,8 @@
         <a:cs typeface="+mn-cs"/>
       </a:defRPr>
     </a:lvl4pPr>
-    <a:lvl5pPr marL="1828800" algn="l" defTabSz="457200" rtl="0" eaLnBrk="1" latinLnBrk="0" hangingPunct="1">
-      <a:defRPr sz="1800" kern="1200">
+    <a:lvl5pPr algn="l" defTabSz="457200" eaLnBrk="1" hangingPunct="1" latinLnBrk="0" marL="1828800" rtl="0">
+      <a:defRPr kern="1200" sz="1800">
         <a:solidFill>
           <a:schemeClr val="tx1"/>
         </a:solidFill>
@@ -69,8 +70,8 @@
         <a:cs typeface="+mn-cs"/>
       </a:defRPr>
     </a:lvl5pPr>
-    <a:lvl6pPr marL="2286000" algn="l" defTabSz="457200" rtl="0" eaLnBrk="1" latinLnBrk="0" hangingPunct="1">
-      <a:defRPr sz="1800" kern="1200">
+    <a:lvl6pPr algn="l" defTabSz="457200" eaLnBrk="1" hangingPunct="1" latinLnBrk="0" marL="2286000" rtl="0">
+      <a:defRPr kern="1200" sz="1800">
         <a:solidFill>
           <a:schemeClr val="tx1"/>
         </a:solidFill>
@@ -79,8 +80,8 @@
         <a:cs typeface="+mn-cs"/>
       </a:defRPr>
     </a:lvl6pPr>
-    <a:lvl7pPr marL="2743200" algn="l" defTabSz="457200" rtl="0" eaLnBrk="1" latinLnBrk="0" hangingPunct="1">
-      <a:defRPr sz="1800" kern="1200">
+    <a:lvl7pPr algn="l" defTabSz="457200" eaLnBrk="1" hangingPunct="1" latinLnBrk="0" marL="2743200" rtl="0">
+      <a:defRPr kern="1200" sz="1800">
         <a:solidFill>
           <a:schemeClr val="tx1"/>
         </a:solidFill>
@@ -89,8 +90,8 @@
         <a:cs typeface="+mn-cs"/>
       </a:defRPr>
     </a:lvl7pPr>
-    <a:lvl8pPr marL="3200400" algn="l" defTabSz="457200" rtl="0" eaLnBrk="1" latinLnBrk="0" hangingPunct="1">
-      <a:defRPr sz="1800" kern="1200">
+    <a:lvl8pPr algn="l" defTabSz="457200" eaLnBrk="1" hangingPunct="1" latinLnBrk="0" marL="3200400" rtl="0">
+      <a:defRPr kern="1200" sz="1800">
         <a:solidFill>
           <a:schemeClr val="tx1"/>
         </a:solidFill>
@@ -99,8 +100,8 @@
         <a:cs typeface="+mn-cs"/>
       </a:defRPr>
     </a:lvl8pPr>
-    <a:lvl9pPr marL="3657600" algn="l" defTabSz="457200" rtl="0" eaLnBrk="1" latinLnBrk="0" hangingPunct="1">
-      <a:defRPr sz="1800" kern="1200">
+    <a:lvl9pPr algn="l" defTabSz="457200" eaLnBrk="1" hangingPunct="1" latinLnBrk="0" marL="3657600" rtl="0">
+      <a:defRPr kern="1200" sz="1800">
         <a:solidFill>
           <a:schemeClr val="tx1"/>
         </a:solidFill>
@@ -119,7 +120,7 @@
 </file>
 
 <file path=ppt/slideLayouts/slideLayout1.xml><?xml version="1.0" encoding="utf-8"?>
-<p:sldLayout xmlns:a="http://schemas.openxmlformats.org/drawingml/2006/main" xmlns:r="http://schemas.openxmlformats.org/officeDocument/2006/relationships" xmlns:p="http://schemas.openxmlformats.org/presentationml/2006/main" type="title" preserve="1">
+<p:sldLayout xmlns:a="http://schemas.openxmlformats.org/drawingml/2006/main" xmlns:r="http://schemas.openxmlformats.org/officeDocument/2006/relationships" xmlns:p="http://schemas.openxmlformats.org/presentationml/2006/main" preserve="1" type="title">
   <p:cSld name="Title Slide">
     <p:spTree>
       <p:nvGrpSpPr>
@@ -152,7 +153,7 @@
           </a:xfrm>
         </p:spPr>
         <p:txBody>
-          <a:bodyPr anchor="b"/>
+          <a:bodyPr anchor="b" numCol="1"/>
           <a:lstStyle>
             <a:lvl1pPr>
               <a:defRPr sz="7200"/>
@@ -163,7 +164,7 @@
               <a:rPr lang="en-US" smtClean="0"/>
               <a:t>Click to edit Master title style</a:t>
             </a:r>
-            <a:endParaRPr lang="en-US" dirty="0"/>
+            <a:endParaRPr dirty="0" lang="en-US"/>
           </a:p>
         </p:txBody>
       </p:sp>
@@ -174,7 +175,7 @@
             <a:spLocks noGrp="1"/>
           </p:cNvSpPr>
           <p:nvPr>
-            <p:ph type="subTitle" idx="1"/>
+            <p:ph idx="1" type="subTitle"/>
           </p:nvPr>
         </p:nvSpPr>
         <p:spPr>
@@ -184,9 +185,9 @@
           </a:xfrm>
         </p:spPr>
         <p:txBody>
-          <a:bodyPr anchor="t"/>
+          <a:bodyPr anchor="t" numCol="1"/>
           <a:lstStyle>
-            <a:lvl1pPr marL="0" indent="0" algn="l">
+            <a:lvl1pPr algn="l" indent="0" marL="0">
               <a:buNone/>
               <a:defRPr cap="all">
                 <a:solidFill>
@@ -197,7 +198,7 @@
                 </a:solidFill>
               </a:defRPr>
             </a:lvl1pPr>
-            <a:lvl2pPr marL="457200" indent="0" algn="ctr">
+            <a:lvl2pPr algn="ctr" indent="0" marL="457200">
               <a:buNone/>
               <a:defRPr>
                 <a:solidFill>
@@ -207,7 +208,7 @@
                 </a:solidFill>
               </a:defRPr>
             </a:lvl2pPr>
-            <a:lvl3pPr marL="914400" indent="0" algn="ctr">
+            <a:lvl3pPr algn="ctr" indent="0" marL="914400">
               <a:buNone/>
               <a:defRPr>
                 <a:solidFill>
@@ -217,7 +218,7 @@
                 </a:solidFill>
               </a:defRPr>
             </a:lvl3pPr>
-            <a:lvl4pPr marL="1371600" indent="0" algn="ctr">
+            <a:lvl4pPr algn="ctr" indent="0" marL="1371600">
               <a:buNone/>
               <a:defRPr>
                 <a:solidFill>
@@ -227,7 +228,7 @@
                 </a:solidFill>
               </a:defRPr>
             </a:lvl4pPr>
-            <a:lvl5pPr marL="1828800" indent="0" algn="ctr">
+            <a:lvl5pPr algn="ctr" indent="0" marL="1828800">
               <a:buNone/>
               <a:defRPr>
                 <a:solidFill>
@@ -237,7 +238,7 @@
                 </a:solidFill>
               </a:defRPr>
             </a:lvl5pPr>
-            <a:lvl6pPr marL="2286000" indent="0" algn="ctr">
+            <a:lvl6pPr algn="ctr" indent="0" marL="2286000">
               <a:buNone/>
               <a:defRPr>
                 <a:solidFill>
@@ -247,7 +248,7 @@
                 </a:solidFill>
               </a:defRPr>
             </a:lvl6pPr>
-            <a:lvl7pPr marL="2743200" indent="0" algn="ctr">
+            <a:lvl7pPr algn="ctr" indent="0" marL="2743200">
               <a:buNone/>
               <a:defRPr>
                 <a:solidFill>
@@ -257,7 +258,7 @@
                 </a:solidFill>
               </a:defRPr>
             </a:lvl7pPr>
-            <a:lvl8pPr marL="3200400" indent="0" algn="ctr">
+            <a:lvl8pPr algn="ctr" indent="0" marL="3200400">
               <a:buNone/>
               <a:defRPr>
                 <a:solidFill>
@@ -267,7 +268,7 @@
                 </a:solidFill>
               </a:defRPr>
             </a:lvl8pPr>
-            <a:lvl9pPr marL="3657600" indent="0" algn="ctr">
+            <a:lvl9pPr algn="ctr" indent="0" marL="3657600">
               <a:buNone/>
               <a:defRPr>
                 <a:solidFill>
@@ -283,7 +284,7 @@
               <a:rPr lang="en-US" smtClean="0"/>
               <a:t>Click to edit Master subtitle style</a:t>
             </a:r>
-            <a:endParaRPr lang="en-US" dirty="0"/>
+            <a:endParaRPr dirty="0" lang="en-US"/>
           </a:p>
         </p:txBody>
       </p:sp>
@@ -294,19 +295,19 @@
             <a:spLocks noGrp="1"/>
           </p:cNvSpPr>
           <p:nvPr>
-            <p:ph type="dt" sz="half" idx="10"/>
+            <p:ph idx="10" sz="half" type="dt"/>
           </p:nvPr>
         </p:nvSpPr>
         <p:spPr/>
         <p:txBody>
-          <a:bodyPr/>
+          <a:bodyPr numCol="1"/>
           <a:lstStyle/>
           <a:p>
             <a:fld id="{4AAD347D-5ACD-4C99-B74B-A9C85AD731AF}" type="datetimeFigureOut">
-              <a:rPr lang="en-US" dirty="0"/>
+              <a:rPr dirty="0" lang="en-US"/>
               <a:t>10/31/2015</a:t>
             </a:fld>
-            <a:endParaRPr lang="en-US" dirty="0"/>
+            <a:endParaRPr dirty="0" lang="en-US"/>
           </a:p>
         </p:txBody>
       </p:sp>
@@ -317,15 +318,15 @@
             <a:spLocks noGrp="1"/>
           </p:cNvSpPr>
           <p:nvPr>
-            <p:ph type="ftr" sz="quarter" idx="11"/>
+            <p:ph idx="11" sz="quarter" type="ftr"/>
           </p:nvPr>
         </p:nvSpPr>
         <p:spPr/>
         <p:txBody>
-          <a:bodyPr/>
-          <a:lstStyle/>
-          <a:p>
-            <a:endParaRPr lang="en-US" dirty="0"/>
+          <a:bodyPr numCol="1"/>
+          <a:lstStyle/>
+          <a:p>
+            <a:endParaRPr dirty="0" lang="en-US"/>
           </a:p>
         </p:txBody>
       </p:sp>
@@ -336,19 +337,19 @@
             <a:spLocks noGrp="1"/>
           </p:cNvSpPr>
           <p:nvPr>
-            <p:ph type="sldNum" sz="quarter" idx="12"/>
+            <p:ph idx="12" sz="quarter" type="sldNum"/>
           </p:nvPr>
         </p:nvSpPr>
         <p:spPr/>
         <p:txBody>
-          <a:bodyPr/>
+          <a:bodyPr numCol="1"/>
           <a:lstStyle/>
           <a:p>
             <a:fld id="{D57F1E4F-1CFF-5643-939E-02111984F565}" type="slidenum">
-              <a:rPr lang="en-US" dirty="0"/>
+              <a:rPr dirty="0" lang="en-US"/>
               <a:t>‹#›</a:t>
             </a:fld>
-            <a:endParaRPr lang="en-US" dirty="0"/>
+            <a:endParaRPr dirty="0" lang="en-US"/>
           </a:p>
         </p:txBody>
       </p:sp>
@@ -394,12 +395,12 @@
           </a:xfrm>
         </p:spPr>
         <p:txBody>
-          <a:bodyPr anchor="b">
+          <a:bodyPr anchor="b" numCol="1">
             <a:normAutofit/>
           </a:bodyPr>
           <a:lstStyle>
             <a:lvl1pPr algn="l">
-              <a:defRPr sz="2400" b="0"/>
+              <a:defRPr b="0" sz="2400"/>
             </a:lvl1pPr>
           </a:lstStyle>
           <a:p>
@@ -407,7 +408,7 @@
               <a:rPr lang="en-US" smtClean="0"/>
               <a:t>Click to edit Master title style</a:t>
             </a:r>
-            <a:endParaRPr lang="en-US" dirty="0"/>
+            <a:endParaRPr dirty="0" lang="en-US"/>
           </a:p>
         </p:txBody>
       </p:sp>
@@ -415,10 +416,10 @@
         <p:nvSpPr>
           <p:cNvPr id="3" name="Picture Placeholder 2"/>
           <p:cNvSpPr>
-            <a:spLocks noGrp="1" noChangeAspect="1"/>
-          </p:cNvSpPr>
-          <p:nvPr>
-            <p:ph type="pic" idx="1"/>
+            <a:spLocks noChangeAspect="1" noGrp="1"/>
+          </p:cNvSpPr>
+          <p:nvPr>
+            <p:ph idx="1" type="pic"/>
           </p:nvPr>
         </p:nvSpPr>
         <p:spPr>
@@ -428,11 +429,11 @@
           </a:xfrm>
           <a:prstGeom prst="roundRect">
             <a:avLst>
-              <a:gd name="adj" fmla="val 1858"/>
+              <a:gd fmla="val 1858" name="adj"/>
             </a:avLst>
           </a:prstGeom>
           <a:effectLst>
-            <a:outerShdw blurRad="50800" dist="50800" dir="5400000" algn="tl" rotWithShape="0">
+            <a:outerShdw algn="tl" blurRad="50800" dir="5400000" dist="50800" rotWithShape="0">
               <a:srgbClr val="000000">
                 <a:alpha val="43000"/>
               </a:srgbClr>
@@ -440,43 +441,43 @@
           </a:effectLst>
         </p:spPr>
         <p:txBody>
-          <a:bodyPr anchor="t">
+          <a:bodyPr anchor="t" numCol="1">
             <a:normAutofit/>
           </a:bodyPr>
           <a:lstStyle>
-            <a:lvl1pPr marL="0" indent="0" algn="ctr">
+            <a:lvl1pPr algn="ctr" indent="0" marL="0">
               <a:buNone/>
               <a:defRPr sz="1600"/>
             </a:lvl1pPr>
-            <a:lvl2pPr marL="457200" indent="0">
+            <a:lvl2pPr indent="0" marL="457200">
               <a:buNone/>
               <a:defRPr sz="1600"/>
             </a:lvl2pPr>
-            <a:lvl3pPr marL="914400" indent="0">
+            <a:lvl3pPr indent="0" marL="914400">
               <a:buNone/>
               <a:defRPr sz="1600"/>
             </a:lvl3pPr>
-            <a:lvl4pPr marL="1371600" indent="0">
+            <a:lvl4pPr indent="0" marL="1371600">
               <a:buNone/>
               <a:defRPr sz="1600"/>
             </a:lvl4pPr>
-            <a:lvl5pPr marL="1828800" indent="0">
+            <a:lvl5pPr indent="0" marL="1828800">
               <a:buNone/>
               <a:defRPr sz="1600"/>
             </a:lvl5pPr>
-            <a:lvl6pPr marL="2286000" indent="0">
+            <a:lvl6pPr indent="0" marL="2286000">
               <a:buNone/>
               <a:defRPr sz="1600"/>
             </a:lvl6pPr>
-            <a:lvl7pPr marL="2743200" indent="0">
+            <a:lvl7pPr indent="0" marL="2743200">
               <a:buNone/>
               <a:defRPr sz="1600"/>
             </a:lvl7pPr>
-            <a:lvl8pPr marL="3200400" indent="0">
+            <a:lvl8pPr indent="0" marL="3200400">
               <a:buNone/>
               <a:defRPr sz="1600"/>
             </a:lvl8pPr>
-            <a:lvl9pPr marL="3657600" indent="0">
+            <a:lvl9pPr indent="0" marL="3657600">
               <a:buNone/>
               <a:defRPr sz="1600"/>
             </a:lvl9pPr>
@@ -486,7 +487,7 @@
               <a:rPr lang="en-US" smtClean="0"/>
               <a:t>Click icon to add picture</a:t>
             </a:r>
-            <a:endParaRPr lang="en-US" dirty="0"/>
+            <a:endParaRPr dirty="0" lang="en-US"/>
           </a:p>
         </p:txBody>
       </p:sp>
@@ -497,7 +498,7 @@
             <a:spLocks noGrp="1"/>
           </p:cNvSpPr>
           <p:nvPr>
-            <p:ph type="body" sz="half" idx="2"/>
+            <p:ph idx="2" sz="half" type="body"/>
           </p:nvPr>
         </p:nvSpPr>
         <p:spPr>
@@ -507,43 +508,43 @@
           </a:xfrm>
         </p:spPr>
         <p:txBody>
-          <a:bodyPr>
+          <a:bodyPr numCol="1">
             <a:normAutofit/>
           </a:bodyPr>
           <a:lstStyle>
-            <a:lvl1pPr marL="0" indent="0">
+            <a:lvl1pPr indent="0" marL="0">
               <a:buNone/>
               <a:defRPr sz="1200"/>
             </a:lvl1pPr>
-            <a:lvl2pPr marL="457200" indent="0">
+            <a:lvl2pPr indent="0" marL="457200">
               <a:buNone/>
               <a:defRPr sz="1200"/>
             </a:lvl2pPr>
-            <a:lvl3pPr marL="914400" indent="0">
+            <a:lvl3pPr indent="0" marL="914400">
               <a:buNone/>
               <a:defRPr sz="1000"/>
             </a:lvl3pPr>
-            <a:lvl4pPr marL="1371600" indent="0">
+            <a:lvl4pPr indent="0" marL="1371600">
               <a:buNone/>
               <a:defRPr sz="900"/>
             </a:lvl4pPr>
-            <a:lvl5pPr marL="1828800" indent="0">
+            <a:lvl5pPr indent="0" marL="1828800">
               <a:buNone/>
               <a:defRPr sz="900"/>
             </a:lvl5pPr>
-            <a:lvl6pPr marL="2286000" indent="0">
+            <a:lvl6pPr indent="0" marL="2286000">
               <a:buNone/>
               <a:defRPr sz="900"/>
             </a:lvl6pPr>
-            <a:lvl7pPr marL="2743200" indent="0">
+            <a:lvl7pPr indent="0" marL="2743200">
               <a:buNone/>
               <a:defRPr sz="900"/>
             </a:lvl7pPr>
-            <a:lvl8pPr marL="3200400" indent="0">
+            <a:lvl8pPr indent="0" marL="3200400">
               <a:buNone/>
               <a:defRPr sz="900"/>
             </a:lvl8pPr>
-            <a:lvl9pPr marL="3657600" indent="0">
+            <a:lvl9pPr indent="0" marL="3657600">
               <a:buNone/>
               <a:defRPr sz="900"/>
             </a:lvl9pPr>
@@ -564,19 +565,19 @@
             <a:spLocks noGrp="1"/>
           </p:cNvSpPr>
           <p:nvPr>
-            <p:ph type="dt" sz="half" idx="10"/>
+            <p:ph idx="10" sz="half" type="dt"/>
           </p:nvPr>
         </p:nvSpPr>
         <p:spPr/>
         <p:txBody>
-          <a:bodyPr/>
+          <a:bodyPr numCol="1"/>
           <a:lstStyle/>
           <a:p>
             <a:fld id="{4509A250-FF31-4206-8172-F9D3106AACB1}" type="datetimeFigureOut">
-              <a:rPr lang="en-US" dirty="0"/>
+              <a:rPr dirty="0" lang="en-US"/>
               <a:t>10/31/2015</a:t>
             </a:fld>
-            <a:endParaRPr lang="en-US" dirty="0"/>
+            <a:endParaRPr dirty="0" lang="en-US"/>
           </a:p>
         </p:txBody>
       </p:sp>
@@ -587,15 +588,15 @@
             <a:spLocks noGrp="1"/>
           </p:cNvSpPr>
           <p:nvPr>
-            <p:ph type="ftr" sz="quarter" idx="11"/>
+            <p:ph idx="11" sz="quarter" type="ftr"/>
           </p:nvPr>
         </p:nvSpPr>
         <p:spPr/>
         <p:txBody>
-          <a:bodyPr/>
-          <a:lstStyle/>
-          <a:p>
-            <a:endParaRPr lang="en-US" dirty="0"/>
+          <a:bodyPr numCol="1"/>
+          <a:lstStyle/>
+          <a:p>
+            <a:endParaRPr dirty="0" lang="en-US"/>
           </a:p>
         </p:txBody>
       </p:sp>
@@ -606,19 +607,19 @@
             <a:spLocks noGrp="1"/>
           </p:cNvSpPr>
           <p:nvPr>
-            <p:ph type="sldNum" sz="quarter" idx="12"/>
+            <p:ph idx="12" sz="quarter" type="sldNum"/>
           </p:nvPr>
         </p:nvSpPr>
         <p:spPr/>
         <p:txBody>
-          <a:bodyPr/>
+          <a:bodyPr numCol="1"/>
           <a:lstStyle/>
           <a:p>
             <a:fld id="{D57F1E4F-1CFF-5643-939E-02111984F565}" type="slidenum">
-              <a:rPr lang="en-US" dirty="0"/>
+              <a:rPr dirty="0" lang="en-US"/>
               <a:t>‹#›</a:t>
             </a:fld>
-            <a:endParaRPr lang="en-US" dirty="0"/>
+            <a:endParaRPr dirty="0" lang="en-US"/>
           </a:p>
         </p:txBody>
       </p:sp>
@@ -664,7 +665,7 @@
           </a:xfrm>
         </p:spPr>
         <p:txBody>
-          <a:bodyPr/>
+          <a:bodyPr numCol="1"/>
           <a:lstStyle>
             <a:lvl1pPr>
               <a:defRPr sz="4800"/>
@@ -675,7 +676,7 @@
               <a:rPr lang="en-US" smtClean="0"/>
               <a:t>Click to edit Master title style</a:t>
             </a:r>
-            <a:endParaRPr lang="en-US" dirty="0"/>
+            <a:endParaRPr dirty="0" lang="en-US"/>
           </a:p>
         </p:txBody>
       </p:sp>
@@ -686,7 +687,7 @@
             <a:spLocks noGrp="1"/>
           </p:cNvSpPr>
           <p:nvPr>
-            <p:ph type="body" sz="half" idx="2"/>
+            <p:ph idx="2" sz="half" type="body"/>
           </p:nvPr>
         </p:nvSpPr>
         <p:spPr>
@@ -696,43 +697,43 @@
           </a:xfrm>
         </p:spPr>
         <p:txBody>
-          <a:bodyPr anchor="ctr">
+          <a:bodyPr anchor="ctr" numCol="1">
             <a:normAutofit/>
           </a:bodyPr>
           <a:lstStyle>
-            <a:lvl1pPr marL="0" indent="0">
+            <a:lvl1pPr indent="0" marL="0">
               <a:buNone/>
               <a:defRPr sz="1800"/>
             </a:lvl1pPr>
-            <a:lvl2pPr marL="457200" indent="0">
+            <a:lvl2pPr indent="0" marL="457200">
               <a:buNone/>
               <a:defRPr sz="1200"/>
             </a:lvl2pPr>
-            <a:lvl3pPr marL="914400" indent="0">
+            <a:lvl3pPr indent="0" marL="914400">
               <a:buNone/>
               <a:defRPr sz="1000"/>
             </a:lvl3pPr>
-            <a:lvl4pPr marL="1371600" indent="0">
+            <a:lvl4pPr indent="0" marL="1371600">
               <a:buNone/>
               <a:defRPr sz="900"/>
             </a:lvl4pPr>
-            <a:lvl5pPr marL="1828800" indent="0">
+            <a:lvl5pPr indent="0" marL="1828800">
               <a:buNone/>
               <a:defRPr sz="900"/>
             </a:lvl5pPr>
-            <a:lvl6pPr marL="2286000" indent="0">
+            <a:lvl6pPr indent="0" marL="2286000">
               <a:buNone/>
               <a:defRPr sz="900"/>
             </a:lvl6pPr>
-            <a:lvl7pPr marL="2743200" indent="0">
+            <a:lvl7pPr indent="0" marL="2743200">
               <a:buNone/>
               <a:defRPr sz="900"/>
             </a:lvl7pPr>
-            <a:lvl8pPr marL="3200400" indent="0">
+            <a:lvl8pPr indent="0" marL="3200400">
               <a:buNone/>
               <a:defRPr sz="900"/>
             </a:lvl8pPr>
-            <a:lvl9pPr marL="3657600" indent="0">
+            <a:lvl9pPr indent="0" marL="3657600">
               <a:buNone/>
               <a:defRPr sz="900"/>
             </a:lvl9pPr>
@@ -753,19 +754,19 @@
             <a:spLocks noGrp="1"/>
           </p:cNvSpPr>
           <p:nvPr>
-            <p:ph type="dt" sz="half" idx="10"/>
+            <p:ph idx="10" sz="half" type="dt"/>
           </p:nvPr>
         </p:nvSpPr>
         <p:spPr/>
         <p:txBody>
-          <a:bodyPr/>
+          <a:bodyPr numCol="1"/>
           <a:lstStyle/>
           <a:p>
             <a:fld id="{4509A250-FF31-4206-8172-F9D3106AACB1}" type="datetimeFigureOut">
-              <a:rPr lang="en-US" dirty="0"/>
+              <a:rPr dirty="0" lang="en-US"/>
               <a:t>10/31/2015</a:t>
             </a:fld>
-            <a:endParaRPr lang="en-US" dirty="0"/>
+            <a:endParaRPr dirty="0" lang="en-US"/>
           </a:p>
         </p:txBody>
       </p:sp>
@@ -776,15 +777,15 @@
             <a:spLocks noGrp="1"/>
           </p:cNvSpPr>
           <p:nvPr>
-            <p:ph type="ftr" sz="quarter" idx="11"/>
+            <p:ph idx="11" sz="quarter" type="ftr"/>
           </p:nvPr>
         </p:nvSpPr>
         <p:spPr/>
         <p:txBody>
-          <a:bodyPr/>
-          <a:lstStyle/>
-          <a:p>
-            <a:endParaRPr lang="en-US" dirty="0"/>
+          <a:bodyPr numCol="1"/>
+          <a:lstStyle/>
+          <a:p>
+            <a:endParaRPr dirty="0" lang="en-US"/>
           </a:p>
         </p:txBody>
       </p:sp>
@@ -795,19 +796,19 @@
             <a:spLocks noGrp="1"/>
           </p:cNvSpPr>
           <p:nvPr>
-            <p:ph type="sldNum" sz="quarter" idx="12"/>
+            <p:ph idx="12" sz="quarter" type="sldNum"/>
           </p:nvPr>
         </p:nvSpPr>
         <p:spPr/>
         <p:txBody>
-          <a:bodyPr/>
+          <a:bodyPr numCol="1"/>
           <a:lstStyle/>
           <a:p>
             <a:fld id="{D57F1E4F-1CFF-5643-939E-02111984F565}" type="slidenum">
-              <a:rPr lang="en-US" dirty="0"/>
+              <a:rPr dirty="0" lang="en-US"/>
               <a:t>‹#›</a:t>
             </a:fld>
-            <a:endParaRPr lang="en-US" dirty="0"/>
+            <a:endParaRPr dirty="0" lang="en-US"/>
           </a:p>
         </p:txBody>
       </p:sp>
@@ -853,7 +854,7 @@
           </a:xfrm>
         </p:spPr>
         <p:txBody>
-          <a:bodyPr/>
+          <a:bodyPr numCol="1"/>
           <a:lstStyle>
             <a:lvl1pPr>
               <a:defRPr sz="4800"/>
@@ -864,7 +865,7 @@
               <a:rPr lang="en-US" smtClean="0"/>
               <a:t>Click to edit Master title style</a:t>
             </a:r>
-            <a:endParaRPr lang="en-US" dirty="0"/>
+            <a:endParaRPr dirty="0" lang="en-US"/>
           </a:p>
         </p:txBody>
       </p:sp>
@@ -875,7 +876,7 @@
             <a:spLocks noGrp="1"/>
           </p:cNvSpPr>
           <p:nvPr>
-            <p:ph type="body" sz="half" idx="14"/>
+            <p:ph idx="14" sz="half" type="body"/>
           </p:nvPr>
         </p:nvSpPr>
         <p:spPr>
@@ -885,13 +886,13 @@
           </a:xfrm>
         </p:spPr>
         <p:txBody>
-          <a:bodyPr vert="horz" lIns="91440" tIns="45720" rIns="91440" bIns="45720" rtlCol="0" anchor="t">
+          <a:bodyPr anchor="t" bIns="45720" lIns="91440" numCol="1" rIns="91440" rtlCol="0" tIns="45720" vert="horz">
             <a:normAutofit/>
           </a:bodyPr>
           <a:lstStyle>
-            <a:lvl1pPr marL="0" indent="0">
-              <a:buNone/>
-              <a:defRPr lang="en-US" sz="1400" b="0" i="0" kern="1200" cap="small" dirty="0">
+            <a:lvl1pPr indent="0" marL="0">
+              <a:buNone/>
+              <a:defRPr b="0" cap="small" dirty="0" i="0" kern="1200" lang="en-US" sz="1400">
                 <a:solidFill>
                   <a:schemeClr val="bg2">
                     <a:lumMod val="40000"/>
@@ -903,41 +904,41 @@
                 <a:cs typeface="+mj-cs"/>
               </a:defRPr>
             </a:lvl1pPr>
-            <a:lvl2pPr marL="457200" indent="0">
+            <a:lvl2pPr indent="0" marL="457200">
               <a:buNone/>
               <a:defRPr sz="1200"/>
             </a:lvl2pPr>
-            <a:lvl3pPr marL="914400" indent="0">
+            <a:lvl3pPr indent="0" marL="914400">
               <a:buNone/>
               <a:defRPr sz="1000"/>
             </a:lvl3pPr>
-            <a:lvl4pPr marL="1371600" indent="0">
+            <a:lvl4pPr indent="0" marL="1371600">
               <a:buNone/>
               <a:defRPr sz="900"/>
             </a:lvl4pPr>
-            <a:lvl5pPr marL="1828800" indent="0">
+            <a:lvl5pPr indent="0" marL="1828800">
               <a:buNone/>
               <a:defRPr sz="900"/>
             </a:lvl5pPr>
-            <a:lvl6pPr marL="2286000" indent="0">
+            <a:lvl6pPr indent="0" marL="2286000">
               <a:buNone/>
               <a:defRPr sz="900"/>
             </a:lvl6pPr>
-            <a:lvl7pPr marL="2743200" indent="0">
+            <a:lvl7pPr indent="0" marL="2743200">
               <a:buNone/>
               <a:defRPr sz="900"/>
             </a:lvl7pPr>
-            <a:lvl8pPr marL="3200400" indent="0">
+            <a:lvl8pPr indent="0" marL="3200400">
               <a:buNone/>
               <a:defRPr sz="900"/>
             </a:lvl8pPr>
-            <a:lvl9pPr marL="3657600" indent="0">
+            <a:lvl9pPr indent="0" marL="3657600">
               <a:buNone/>
               <a:defRPr sz="900"/>
             </a:lvl9pPr>
           </a:lstStyle>
           <a:p>
-            <a:pPr marL="0" lvl="0" indent="0">
+            <a:pPr indent="0" lvl="0" marL="0">
               <a:buNone/>
             </a:pPr>
             <a:r>
@@ -954,7 +955,7 @@
             <a:spLocks noGrp="1"/>
           </p:cNvSpPr>
           <p:nvPr>
-            <p:ph type="body" sz="half" idx="2"/>
+            <p:ph idx="2" sz="half" type="body"/>
           </p:nvPr>
         </p:nvSpPr>
         <p:spPr>
@@ -964,43 +965,43 @@
           </a:xfrm>
         </p:spPr>
         <p:txBody>
-          <a:bodyPr anchor="ctr">
+          <a:bodyPr anchor="ctr" numCol="1">
             <a:normAutofit/>
           </a:bodyPr>
           <a:lstStyle>
-            <a:lvl1pPr marL="0" indent="0">
+            <a:lvl1pPr indent="0" marL="0">
               <a:buNone/>
               <a:defRPr sz="1800"/>
             </a:lvl1pPr>
-            <a:lvl2pPr marL="457200" indent="0">
+            <a:lvl2pPr indent="0" marL="457200">
               <a:buNone/>
               <a:defRPr sz="1200"/>
             </a:lvl2pPr>
-            <a:lvl3pPr marL="914400" indent="0">
+            <a:lvl3pPr indent="0" marL="914400">
               <a:buNone/>
               <a:defRPr sz="1000"/>
             </a:lvl3pPr>
-            <a:lvl4pPr marL="1371600" indent="0">
+            <a:lvl4pPr indent="0" marL="1371600">
               <a:buNone/>
               <a:defRPr sz="900"/>
             </a:lvl4pPr>
-            <a:lvl5pPr marL="1828800" indent="0">
+            <a:lvl5pPr indent="0" marL="1828800">
               <a:buNone/>
               <a:defRPr sz="900"/>
             </a:lvl5pPr>
-            <a:lvl6pPr marL="2286000" indent="0">
+            <a:lvl6pPr indent="0" marL="2286000">
               <a:buNone/>
               <a:defRPr sz="900"/>
             </a:lvl6pPr>
-            <a:lvl7pPr marL="2743200" indent="0">
+            <a:lvl7pPr indent="0" marL="2743200">
               <a:buNone/>
               <a:defRPr sz="900"/>
             </a:lvl7pPr>
-            <a:lvl8pPr marL="3200400" indent="0">
+            <a:lvl8pPr indent="0" marL="3200400">
               <a:buNone/>
               <a:defRPr sz="900"/>
             </a:lvl8pPr>
-            <a:lvl9pPr marL="3657600" indent="0">
+            <a:lvl9pPr indent="0" marL="3657600">
               <a:buNone/>
               <a:defRPr sz="900"/>
             </a:lvl9pPr>
@@ -1021,19 +1022,19 @@
             <a:spLocks noGrp="1"/>
           </p:cNvSpPr>
           <p:nvPr>
-            <p:ph type="dt" sz="half" idx="10"/>
+            <p:ph idx="10" sz="half" type="dt"/>
           </p:nvPr>
         </p:nvSpPr>
         <p:spPr/>
         <p:txBody>
-          <a:bodyPr/>
+          <a:bodyPr numCol="1"/>
           <a:lstStyle/>
           <a:p>
             <a:fld id="{4509A250-FF31-4206-8172-F9D3106AACB1}" type="datetimeFigureOut">
-              <a:rPr lang="en-US" dirty="0"/>
+              <a:rPr dirty="0" lang="en-US"/>
               <a:t>10/31/2015</a:t>
             </a:fld>
-            <a:endParaRPr lang="en-US" dirty="0"/>
+            <a:endParaRPr dirty="0" lang="en-US"/>
           </a:p>
         </p:txBody>
       </p:sp>
@@ -1044,15 +1045,15 @@
             <a:spLocks noGrp="1"/>
           </p:cNvSpPr>
           <p:nvPr>
-            <p:ph type="ftr" sz="quarter" idx="11"/>
+            <p:ph idx="11" sz="quarter" type="ftr"/>
           </p:nvPr>
         </p:nvSpPr>
         <p:spPr/>
         <p:txBody>
-          <a:bodyPr/>
-          <a:lstStyle/>
-          <a:p>
-            <a:endParaRPr lang="en-US" dirty="0"/>
+          <a:bodyPr numCol="1"/>
+          <a:lstStyle/>
+          <a:p>
+            <a:endParaRPr dirty="0" lang="en-US"/>
           </a:p>
         </p:txBody>
       </p:sp>
@@ -1063,19 +1064,19 @@
             <a:spLocks noGrp="1"/>
           </p:cNvSpPr>
           <p:nvPr>
-            <p:ph type="sldNum" sz="quarter" idx="12"/>
+            <p:ph idx="12" sz="quarter" type="sldNum"/>
           </p:nvPr>
         </p:nvSpPr>
         <p:spPr/>
         <p:txBody>
-          <a:bodyPr/>
+          <a:bodyPr numCol="1"/>
           <a:lstStyle/>
           <a:p>
             <a:fld id="{D57F1E4F-1CFF-5643-939E-02111984F565}" type="slidenum">
-              <a:rPr lang="en-US" dirty="0"/>
+              <a:rPr dirty="0" lang="en-US"/>
               <a:t>‹#›</a:t>
             </a:fld>
-            <a:endParaRPr lang="en-US" dirty="0"/>
+            <a:endParaRPr dirty="0" lang="en-US"/>
           </a:p>
         </p:txBody>
       </p:sp>
@@ -1096,7 +1097,7 @@
           <a:noFill/>
         </p:spPr>
         <p:txBody>
-          <a:bodyPr wrap="square" rtlCol="0">
+          <a:bodyPr numCol="1" rtlCol="0" wrap="square">
             <a:spAutoFit/>
           </a:bodyPr>
           <a:lstStyle>
@@ -1104,7 +1105,7 @@
               <a:defRPr lang="en-US"/>
             </a:defPPr>
             <a:lvl1pPr algn="r">
-              <a:defRPr sz="12200" b="0" i="0">
+              <a:defRPr b="0" i="0" sz="12200">
                 <a:solidFill>
                   <a:schemeClr val="bg2">
                     <a:lumMod val="40000"/>
@@ -1120,7 +1121,7 @@
           <a:p>
             <a:pPr lvl="0"/>
             <a:r>
-              <a:rPr lang="en-US" dirty="0"/>
+              <a:rPr dirty="0" lang="en-US"/>
               <a:t>“</a:t>
             </a:r>
           </a:p>
@@ -1143,7 +1144,7 @@
           <a:noFill/>
         </p:spPr>
         <p:txBody>
-          <a:bodyPr wrap="square" rtlCol="0">
+          <a:bodyPr numCol="1" rtlCol="0" wrap="square">
             <a:spAutoFit/>
           </a:bodyPr>
           <a:lstStyle>
@@ -1151,7 +1152,7 @@
               <a:defRPr lang="en-US"/>
             </a:defPPr>
             <a:lvl1pPr algn="r">
-              <a:defRPr sz="12200" b="0" i="0">
+              <a:defRPr b="0" i="0" sz="12200">
                 <a:solidFill>
                   <a:schemeClr val="bg2">
                     <a:lumMod val="40000"/>
@@ -1167,7 +1168,7 @@
           <a:p>
             <a:pPr lvl="0"/>
             <a:r>
-              <a:rPr lang="en-US" dirty="0"/>
+              <a:rPr dirty="0" lang="en-US"/>
               <a:t>”</a:t>
             </a:r>
           </a:p>
@@ -1215,10 +1216,10 @@
           </a:xfrm>
         </p:spPr>
         <p:txBody>
-          <a:bodyPr anchor="b"/>
+          <a:bodyPr anchor="b" numCol="1"/>
           <a:lstStyle>
             <a:lvl1pPr algn="l">
-              <a:defRPr sz="4000" b="0" cap="none"/>
+              <a:defRPr b="0" cap="none" sz="4000"/>
             </a:lvl1pPr>
           </a:lstStyle>
           <a:p>
@@ -1226,7 +1227,7 @@
               <a:rPr lang="en-US" smtClean="0"/>
               <a:t>Click to edit Master title style</a:t>
             </a:r>
-            <a:endParaRPr lang="en-US" dirty="0"/>
+            <a:endParaRPr dirty="0" lang="en-US"/>
           </a:p>
         </p:txBody>
       </p:sp>
@@ -1237,7 +1238,7 @@
             <a:spLocks noGrp="1"/>
           </p:cNvSpPr>
           <p:nvPr>
-            <p:ph type="body" idx="1"/>
+            <p:ph idx="1" type="body"/>
           </p:nvPr>
         </p:nvSpPr>
         <p:spPr>
@@ -1247,11 +1248,11 @@
           </a:xfrm>
         </p:spPr>
         <p:txBody>
-          <a:bodyPr anchor="t"/>
+          <a:bodyPr anchor="t" numCol="1"/>
           <a:lstStyle>
-            <a:lvl1pPr marL="0" indent="0" algn="l">
-              <a:buNone/>
-              <a:defRPr sz="2000" cap="none">
+            <a:lvl1pPr algn="l" indent="0" marL="0">
+              <a:buNone/>
+              <a:defRPr cap="none" sz="2000">
                 <a:solidFill>
                   <a:schemeClr val="bg2">
                     <a:lumMod val="40000"/>
@@ -1260,7 +1261,7 @@
                 </a:solidFill>
               </a:defRPr>
             </a:lvl1pPr>
-            <a:lvl2pPr marL="457200" indent="0">
+            <a:lvl2pPr indent="0" marL="457200">
               <a:buNone/>
               <a:defRPr sz="1800">
                 <a:solidFill>
@@ -1270,7 +1271,7 @@
                 </a:solidFill>
               </a:defRPr>
             </a:lvl2pPr>
-            <a:lvl3pPr marL="914400" indent="0">
+            <a:lvl3pPr indent="0" marL="914400">
               <a:buNone/>
               <a:defRPr sz="1600">
                 <a:solidFill>
@@ -1280,7 +1281,7 @@
                 </a:solidFill>
               </a:defRPr>
             </a:lvl3pPr>
-            <a:lvl4pPr marL="1371600" indent="0">
+            <a:lvl4pPr indent="0" marL="1371600">
               <a:buNone/>
               <a:defRPr sz="1400">
                 <a:solidFill>
@@ -1290,7 +1291,7 @@
                 </a:solidFill>
               </a:defRPr>
             </a:lvl4pPr>
-            <a:lvl5pPr marL="1828800" indent="0">
+            <a:lvl5pPr indent="0" marL="1828800">
               <a:buNone/>
               <a:defRPr sz="1400">
                 <a:solidFill>
@@ -1300,7 +1301,7 @@
                 </a:solidFill>
               </a:defRPr>
             </a:lvl5pPr>
-            <a:lvl6pPr marL="2286000" indent="0">
+            <a:lvl6pPr indent="0" marL="2286000">
               <a:buNone/>
               <a:defRPr sz="1400">
                 <a:solidFill>
@@ -1310,7 +1311,7 @@
                 </a:solidFill>
               </a:defRPr>
             </a:lvl6pPr>
-            <a:lvl7pPr marL="2743200" indent="0">
+            <a:lvl7pPr indent="0" marL="2743200">
               <a:buNone/>
               <a:defRPr sz="1400">
                 <a:solidFill>
@@ -1320,7 +1321,7 @@
                 </a:solidFill>
               </a:defRPr>
             </a:lvl7pPr>
-            <a:lvl8pPr marL="3200400" indent="0">
+            <a:lvl8pPr indent="0" marL="3200400">
               <a:buNone/>
               <a:defRPr sz="1400">
                 <a:solidFill>
@@ -1330,7 +1331,7 @@
                 </a:solidFill>
               </a:defRPr>
             </a:lvl8pPr>
-            <a:lvl9pPr marL="3657600" indent="0">
+            <a:lvl9pPr indent="0" marL="3657600">
               <a:buNone/>
               <a:defRPr sz="1400">
                 <a:solidFill>
@@ -1357,19 +1358,19 @@
             <a:spLocks noGrp="1"/>
           </p:cNvSpPr>
           <p:nvPr>
-            <p:ph type="dt" sz="half" idx="10"/>
+            <p:ph idx="10" sz="half" type="dt"/>
           </p:nvPr>
         </p:nvSpPr>
         <p:spPr/>
         <p:txBody>
-          <a:bodyPr/>
+          <a:bodyPr numCol="1"/>
           <a:lstStyle/>
           <a:p>
             <a:fld id="{4509A250-FF31-4206-8172-F9D3106AACB1}" type="datetimeFigureOut">
-              <a:rPr lang="en-US" dirty="0"/>
+              <a:rPr dirty="0" lang="en-US"/>
               <a:t>10/31/2015</a:t>
             </a:fld>
-            <a:endParaRPr lang="en-US" dirty="0"/>
+            <a:endParaRPr dirty="0" lang="en-US"/>
           </a:p>
         </p:txBody>
       </p:sp>
@@ -1380,15 +1381,15 @@
             <a:spLocks noGrp="1"/>
           </p:cNvSpPr>
           <p:nvPr>
-            <p:ph type="ftr" sz="quarter" idx="11"/>
+            <p:ph idx="11" sz="quarter" type="ftr"/>
           </p:nvPr>
         </p:nvSpPr>
         <p:spPr/>
         <p:txBody>
-          <a:bodyPr/>
-          <a:lstStyle/>
-          <a:p>
-            <a:endParaRPr lang="en-US" dirty="0"/>
+          <a:bodyPr numCol="1"/>
+          <a:lstStyle/>
+          <a:p>
+            <a:endParaRPr dirty="0" lang="en-US"/>
           </a:p>
         </p:txBody>
       </p:sp>
@@ -1399,19 +1400,19 @@
             <a:spLocks noGrp="1"/>
           </p:cNvSpPr>
           <p:nvPr>
-            <p:ph type="sldNum" sz="quarter" idx="12"/>
+            <p:ph idx="12" sz="quarter" type="sldNum"/>
           </p:nvPr>
         </p:nvSpPr>
         <p:spPr/>
         <p:txBody>
-          <a:bodyPr/>
+          <a:bodyPr numCol="1"/>
           <a:lstStyle/>
           <a:p>
             <a:fld id="{D57F1E4F-1CFF-5643-939E-02111984F565}" type="slidenum">
-              <a:rPr lang="en-US" dirty="0"/>
+              <a:rPr dirty="0" lang="en-US"/>
               <a:t>‹#›</a:t>
             </a:fld>
-            <a:endParaRPr lang="en-US" dirty="0"/>
+            <a:endParaRPr dirty="0" lang="en-US"/>
           </a:p>
         </p:txBody>
       </p:sp>
@@ -1452,7 +1453,7 @@
         </p:nvSpPr>
         <p:spPr/>
         <p:txBody>
-          <a:bodyPr/>
+          <a:bodyPr numCol="1"/>
           <a:lstStyle>
             <a:lvl1pPr>
               <a:defRPr sz="4200"/>
@@ -1463,7 +1464,7 @@
               <a:rPr lang="en-US" smtClean="0"/>
               <a:t>Click to edit Master title style</a:t>
             </a:r>
-            <a:endParaRPr lang="en-US" dirty="0"/>
+            <a:endParaRPr dirty="0" lang="en-US"/>
           </a:p>
         </p:txBody>
       </p:sp>
@@ -1474,7 +1475,7 @@
             <a:spLocks noGrp="1"/>
           </p:cNvSpPr>
           <p:nvPr>
-            <p:ph type="body" idx="1"/>
+            <p:ph idx="1" type="body"/>
           </p:nvPr>
         </p:nvSpPr>
         <p:spPr>
@@ -1484,13 +1485,13 @@
           </a:xfrm>
         </p:spPr>
         <p:txBody>
-          <a:bodyPr anchor="b">
+          <a:bodyPr anchor="b" numCol="1">
             <a:noAutofit/>
           </a:bodyPr>
           <a:lstStyle>
-            <a:lvl1pPr marL="0" indent="0">
-              <a:buNone/>
-              <a:defRPr sz="2400" b="0">
+            <a:lvl1pPr indent="0" marL="0">
+              <a:buNone/>
+              <a:defRPr b="0" sz="2400">
                 <a:solidFill>
                   <a:schemeClr val="bg2">
                     <a:lumMod val="40000"/>
@@ -1499,37 +1500,37 @@
                 </a:solidFill>
               </a:defRPr>
             </a:lvl1pPr>
-            <a:lvl2pPr marL="457200" indent="0">
-              <a:buNone/>
-              <a:defRPr sz="2000" b="1"/>
+            <a:lvl2pPr indent="0" marL="457200">
+              <a:buNone/>
+              <a:defRPr b="1" sz="2000"/>
             </a:lvl2pPr>
-            <a:lvl3pPr marL="914400" indent="0">
-              <a:buNone/>
-              <a:defRPr sz="1800" b="1"/>
+            <a:lvl3pPr indent="0" marL="914400">
+              <a:buNone/>
+              <a:defRPr b="1" sz="1800"/>
             </a:lvl3pPr>
-            <a:lvl4pPr marL="1371600" indent="0">
-              <a:buNone/>
-              <a:defRPr sz="1600" b="1"/>
+            <a:lvl4pPr indent="0" marL="1371600">
+              <a:buNone/>
+              <a:defRPr b="1" sz="1600"/>
             </a:lvl4pPr>
-            <a:lvl5pPr marL="1828800" indent="0">
-              <a:buNone/>
-              <a:defRPr sz="1600" b="1"/>
+            <a:lvl5pPr indent="0" marL="1828800">
+              <a:buNone/>
+              <a:defRPr b="1" sz="1600"/>
             </a:lvl5pPr>
-            <a:lvl6pPr marL="2286000" indent="0">
-              <a:buNone/>
-              <a:defRPr sz="1600" b="1"/>
+            <a:lvl6pPr indent="0" marL="2286000">
+              <a:buNone/>
+              <a:defRPr b="1" sz="1600"/>
             </a:lvl6pPr>
-            <a:lvl7pPr marL="2743200" indent="0">
-              <a:buNone/>
-              <a:defRPr sz="1600" b="1"/>
+            <a:lvl7pPr indent="0" marL="2743200">
+              <a:buNone/>
+              <a:defRPr b="1" sz="1600"/>
             </a:lvl7pPr>
-            <a:lvl8pPr marL="3200400" indent="0">
-              <a:buNone/>
-              <a:defRPr sz="1600" b="1"/>
+            <a:lvl8pPr indent="0" marL="3200400">
+              <a:buNone/>
+              <a:defRPr b="1" sz="1600"/>
             </a:lvl8pPr>
-            <a:lvl9pPr marL="3657600" indent="0">
-              <a:buNone/>
-              <a:defRPr sz="1600" b="1"/>
+            <a:lvl9pPr indent="0" marL="3657600">
+              <a:buNone/>
+              <a:defRPr b="1" sz="1600"/>
             </a:lvl9pPr>
           </a:lstStyle>
           <a:p>
@@ -1548,7 +1549,7 @@
             <a:spLocks noGrp="1"/>
           </p:cNvSpPr>
           <p:nvPr>
-            <p:ph type="body" sz="half" idx="15"/>
+            <p:ph idx="15" sz="half" type="body"/>
           </p:nvPr>
         </p:nvSpPr>
         <p:spPr>
@@ -1558,43 +1559,43 @@
           </a:xfrm>
         </p:spPr>
         <p:txBody>
-          <a:bodyPr anchor="t">
+          <a:bodyPr anchor="t" numCol="1">
             <a:normAutofit/>
           </a:bodyPr>
           <a:lstStyle>
-            <a:lvl1pPr marL="0" indent="0">
+            <a:lvl1pPr indent="0" marL="0">
               <a:buNone/>
               <a:defRPr sz="1400"/>
             </a:lvl1pPr>
-            <a:lvl2pPr marL="457200" indent="0">
+            <a:lvl2pPr indent="0" marL="457200">
               <a:buNone/>
               <a:defRPr sz="1200"/>
             </a:lvl2pPr>
-            <a:lvl3pPr marL="914400" indent="0">
+            <a:lvl3pPr indent="0" marL="914400">
               <a:buNone/>
               <a:defRPr sz="1000"/>
             </a:lvl3pPr>
-            <a:lvl4pPr marL="1371600" indent="0">
+            <a:lvl4pPr indent="0" marL="1371600">
               <a:buNone/>
               <a:defRPr sz="900"/>
             </a:lvl4pPr>
-            <a:lvl5pPr marL="1828800" indent="0">
+            <a:lvl5pPr indent="0" marL="1828800">
               <a:buNone/>
               <a:defRPr sz="900"/>
             </a:lvl5pPr>
-            <a:lvl6pPr marL="2286000" indent="0">
+            <a:lvl6pPr indent="0" marL="2286000">
               <a:buNone/>
               <a:defRPr sz="900"/>
             </a:lvl6pPr>
-            <a:lvl7pPr marL="2743200" indent="0">
+            <a:lvl7pPr indent="0" marL="2743200">
               <a:buNone/>
               <a:defRPr sz="900"/>
             </a:lvl7pPr>
-            <a:lvl8pPr marL="3200400" indent="0">
+            <a:lvl8pPr indent="0" marL="3200400">
               <a:buNone/>
               <a:defRPr sz="900"/>
             </a:lvl8pPr>
-            <a:lvl9pPr marL="3657600" indent="0">
+            <a:lvl9pPr indent="0" marL="3657600">
               <a:buNone/>
               <a:defRPr sz="900"/>
             </a:lvl9pPr>
@@ -1615,7 +1616,7 @@
             <a:spLocks noGrp="1"/>
           </p:cNvSpPr>
           <p:nvPr>
-            <p:ph type="body" sz="quarter" idx="3"/>
+            <p:ph idx="3" sz="quarter" type="body"/>
           </p:nvPr>
         </p:nvSpPr>
         <p:spPr>
@@ -1625,13 +1626,13 @@
           </a:xfrm>
         </p:spPr>
         <p:txBody>
-          <a:bodyPr anchor="b">
+          <a:bodyPr anchor="b" numCol="1">
             <a:noAutofit/>
           </a:bodyPr>
           <a:lstStyle>
-            <a:lvl1pPr marL="0" indent="0">
-              <a:buNone/>
-              <a:defRPr sz="2400" b="0">
+            <a:lvl1pPr indent="0" marL="0">
+              <a:buNone/>
+              <a:defRPr b="0" sz="2400">
                 <a:solidFill>
                   <a:schemeClr val="bg2">
                     <a:lumMod val="40000"/>
@@ -1640,37 +1641,37 @@
                 </a:solidFill>
               </a:defRPr>
             </a:lvl1pPr>
-            <a:lvl2pPr marL="457200" indent="0">
-              <a:buNone/>
-              <a:defRPr sz="2000" b="1"/>
+            <a:lvl2pPr indent="0" marL="457200">
+              <a:buNone/>
+              <a:defRPr b="1" sz="2000"/>
             </a:lvl2pPr>
-            <a:lvl3pPr marL="914400" indent="0">
-              <a:buNone/>
-              <a:defRPr sz="1800" b="1"/>
+            <a:lvl3pPr indent="0" marL="914400">
+              <a:buNone/>
+              <a:defRPr b="1" sz="1800"/>
             </a:lvl3pPr>
-            <a:lvl4pPr marL="1371600" indent="0">
-              <a:buNone/>
-              <a:defRPr sz="1600" b="1"/>
+            <a:lvl4pPr indent="0" marL="1371600">
+              <a:buNone/>
+              <a:defRPr b="1" sz="1600"/>
             </a:lvl4pPr>
-            <a:lvl5pPr marL="1828800" indent="0">
-              <a:buNone/>
-              <a:defRPr sz="1600" b="1"/>
+            <a:lvl5pPr indent="0" marL="1828800">
+              <a:buNone/>
+              <a:defRPr b="1" sz="1600"/>
             </a:lvl5pPr>
-            <a:lvl6pPr marL="2286000" indent="0">
-              <a:buNone/>
-              <a:defRPr sz="1600" b="1"/>
+            <a:lvl6pPr indent="0" marL="2286000">
+              <a:buNone/>
+              <a:defRPr b="1" sz="1600"/>
             </a:lvl6pPr>
-            <a:lvl7pPr marL="2743200" indent="0">
-              <a:buNone/>
-              <a:defRPr sz="1600" b="1"/>
+            <a:lvl7pPr indent="0" marL="2743200">
+              <a:buNone/>
+              <a:defRPr b="1" sz="1600"/>
             </a:lvl7pPr>
-            <a:lvl8pPr marL="3200400" indent="0">
-              <a:buNone/>
-              <a:defRPr sz="1600" b="1"/>
+            <a:lvl8pPr indent="0" marL="3200400">
+              <a:buNone/>
+              <a:defRPr b="1" sz="1600"/>
             </a:lvl8pPr>
-            <a:lvl9pPr marL="3657600" indent="0">
-              <a:buNone/>
-              <a:defRPr sz="1600" b="1"/>
+            <a:lvl9pPr indent="0" marL="3657600">
+              <a:buNone/>
+              <a:defRPr b="1" sz="1600"/>
             </a:lvl9pPr>
           </a:lstStyle>
           <a:p>
@@ -1689,7 +1690,7 @@
             <a:spLocks noGrp="1"/>
           </p:cNvSpPr>
           <p:nvPr>
-            <p:ph type="body" sz="half" idx="16"/>
+            <p:ph idx="16" sz="half" type="body"/>
           </p:nvPr>
         </p:nvSpPr>
         <p:spPr>
@@ -1699,43 +1700,43 @@
           </a:xfrm>
         </p:spPr>
         <p:txBody>
-          <a:bodyPr anchor="t">
+          <a:bodyPr anchor="t" numCol="1">
             <a:normAutofit/>
           </a:bodyPr>
           <a:lstStyle>
-            <a:lvl1pPr marL="0" indent="0">
+            <a:lvl1pPr indent="0" marL="0">
               <a:buNone/>
               <a:defRPr sz="1400"/>
             </a:lvl1pPr>
-            <a:lvl2pPr marL="457200" indent="0">
+            <a:lvl2pPr indent="0" marL="457200">
               <a:buNone/>
               <a:defRPr sz="1200"/>
             </a:lvl2pPr>
-            <a:lvl3pPr marL="914400" indent="0">
+            <a:lvl3pPr indent="0" marL="914400">
               <a:buNone/>
               <a:defRPr sz="1000"/>
             </a:lvl3pPr>
-            <a:lvl4pPr marL="1371600" indent="0">
+            <a:lvl4pPr indent="0" marL="1371600">
               <a:buNone/>
               <a:defRPr sz="900"/>
             </a:lvl4pPr>
-            <a:lvl5pPr marL="1828800" indent="0">
+            <a:lvl5pPr indent="0" marL="1828800">
               <a:buNone/>
               <a:defRPr sz="900"/>
             </a:lvl5pPr>
-            <a:lvl6pPr marL="2286000" indent="0">
+            <a:lvl6pPr indent="0" marL="2286000">
               <a:buNone/>
               <a:defRPr sz="900"/>
             </a:lvl6pPr>
-            <a:lvl7pPr marL="2743200" indent="0">
+            <a:lvl7pPr indent="0" marL="2743200">
               <a:buNone/>
               <a:defRPr sz="900"/>
             </a:lvl7pPr>
-            <a:lvl8pPr marL="3200400" indent="0">
+            <a:lvl8pPr indent="0" marL="3200400">
               <a:buNone/>
               <a:defRPr sz="900"/>
             </a:lvl8pPr>
-            <a:lvl9pPr marL="3657600" indent="0">
+            <a:lvl9pPr indent="0" marL="3657600">
               <a:buNone/>
               <a:defRPr sz="900"/>
             </a:lvl9pPr>
@@ -1756,7 +1757,7 @@
             <a:spLocks noGrp="1"/>
           </p:cNvSpPr>
           <p:nvPr>
-            <p:ph type="body" sz="quarter" idx="13"/>
+            <p:ph idx="13" sz="quarter" type="body"/>
           </p:nvPr>
         </p:nvSpPr>
         <p:spPr>
@@ -1766,13 +1767,13 @@
           </a:xfrm>
         </p:spPr>
         <p:txBody>
-          <a:bodyPr anchor="b">
+          <a:bodyPr anchor="b" numCol="1">
             <a:noAutofit/>
           </a:bodyPr>
           <a:lstStyle>
-            <a:lvl1pPr marL="0" indent="0">
-              <a:buNone/>
-              <a:defRPr sz="2400" b="0">
+            <a:lvl1pPr indent="0" marL="0">
+              <a:buNone/>
+              <a:defRPr b="0" sz="2400">
                 <a:solidFill>
                   <a:schemeClr val="bg2">
                     <a:lumMod val="40000"/>
@@ -1781,37 +1782,37 @@
                 </a:solidFill>
               </a:defRPr>
             </a:lvl1pPr>
-            <a:lvl2pPr marL="457200" indent="0">
-              <a:buNone/>
-              <a:defRPr sz="2000" b="1"/>
+            <a:lvl2pPr indent="0" marL="457200">
+              <a:buNone/>
+              <a:defRPr b="1" sz="2000"/>
             </a:lvl2pPr>
-            <a:lvl3pPr marL="914400" indent="0">
-              <a:buNone/>
-              <a:defRPr sz="1800" b="1"/>
+            <a:lvl3pPr indent="0" marL="914400">
+              <a:buNone/>
+              <a:defRPr b="1" sz="1800"/>
             </a:lvl3pPr>
-            <a:lvl4pPr marL="1371600" indent="0">
-              <a:buNone/>
-              <a:defRPr sz="1600" b="1"/>
+            <a:lvl4pPr indent="0" marL="1371600">
+              <a:buNone/>
+              <a:defRPr b="1" sz="1600"/>
             </a:lvl4pPr>
-            <a:lvl5pPr marL="1828800" indent="0">
-              <a:buNone/>
-              <a:defRPr sz="1600" b="1"/>
+            <a:lvl5pPr indent="0" marL="1828800">
+              <a:buNone/>
+              <a:defRPr b="1" sz="1600"/>
             </a:lvl5pPr>
-            <a:lvl6pPr marL="2286000" indent="0">
-              <a:buNone/>
-              <a:defRPr sz="1600" b="1"/>
+            <a:lvl6pPr indent="0" marL="2286000">
+              <a:buNone/>
+              <a:defRPr b="1" sz="1600"/>
             </a:lvl6pPr>
-            <a:lvl7pPr marL="2743200" indent="0">
-              <a:buNone/>
-              <a:defRPr sz="1600" b="1"/>
+            <a:lvl7pPr indent="0" marL="2743200">
+              <a:buNone/>
+              <a:defRPr b="1" sz="1600"/>
             </a:lvl7pPr>
-            <a:lvl8pPr marL="3200400" indent="0">
-              <a:buNone/>
-              <a:defRPr sz="1600" b="1"/>
+            <a:lvl8pPr indent="0" marL="3200400">
+              <a:buNone/>
+              <a:defRPr b="1" sz="1600"/>
             </a:lvl8pPr>
-            <a:lvl9pPr marL="3657600" indent="0">
-              <a:buNone/>
-              <a:defRPr sz="1600" b="1"/>
+            <a:lvl9pPr indent="0" marL="3657600">
+              <a:buNone/>
+              <a:defRPr b="1" sz="1600"/>
             </a:lvl9pPr>
           </a:lstStyle>
           <a:p>
@@ -1830,7 +1831,7 @@
             <a:spLocks noGrp="1"/>
           </p:cNvSpPr>
           <p:nvPr>
-            <p:ph type="body" sz="half" idx="17"/>
+            <p:ph idx="17" sz="half" type="body"/>
           </p:nvPr>
         </p:nvSpPr>
         <p:spPr>
@@ -1840,43 +1841,43 @@
           </a:xfrm>
         </p:spPr>
         <p:txBody>
-          <a:bodyPr anchor="t">
+          <a:bodyPr anchor="t" numCol="1">
             <a:normAutofit/>
           </a:bodyPr>
           <a:lstStyle>
-            <a:lvl1pPr marL="0" indent="0">
+            <a:lvl1pPr indent="0" marL="0">
               <a:buNone/>
               <a:defRPr sz="1400"/>
             </a:lvl1pPr>
-            <a:lvl2pPr marL="457200" indent="0">
+            <a:lvl2pPr indent="0" marL="457200">
               <a:buNone/>
               <a:defRPr sz="1200"/>
             </a:lvl2pPr>
-            <a:lvl3pPr marL="914400" indent="0">
+            <a:lvl3pPr indent="0" marL="914400">
               <a:buNone/>
               <a:defRPr sz="1000"/>
             </a:lvl3pPr>
-            <a:lvl4pPr marL="1371600" indent="0">
+            <a:lvl4pPr indent="0" marL="1371600">
               <a:buNone/>
               <a:defRPr sz="900"/>
             </a:lvl4pPr>
-            <a:lvl5pPr marL="1828800" indent="0">
+            <a:lvl5pPr indent="0" marL="1828800">
               <a:buNone/>
               <a:defRPr sz="900"/>
             </a:lvl5pPr>
-            <a:lvl6pPr marL="2286000" indent="0">
+            <a:lvl6pPr indent="0" marL="2286000">
               <a:buNone/>
               <a:defRPr sz="900"/>
             </a:lvl6pPr>
-            <a:lvl7pPr marL="2743200" indent="0">
+            <a:lvl7pPr indent="0" marL="2743200">
               <a:buNone/>
               <a:defRPr sz="900"/>
             </a:lvl7pPr>
-            <a:lvl8pPr marL="3200400" indent="0">
+            <a:lvl8pPr indent="0" marL="3200400">
               <a:buNone/>
               <a:defRPr sz="900"/>
             </a:lvl8pPr>
-            <a:lvl9pPr marL="3657600" indent="0">
+            <a:lvl9pPr indent="0" marL="3657600">
               <a:buNone/>
               <a:defRPr sz="900"/>
             </a:lvl9pPr>
@@ -1904,7 +1905,7 @@
           <a:prstGeom prst="line">
             <a:avLst/>
           </a:prstGeom>
-          <a:ln w="12700" cmpd="sng">
+          <a:ln cmpd="sng" w="12700">
             <a:solidFill>
               <a:schemeClr val="bg2">
                 <a:lumMod val="40000"/>
@@ -1943,7 +1944,7 @@
           <a:prstGeom prst="line">
             <a:avLst/>
           </a:prstGeom>
-          <a:ln w="12700" cmpd="sng">
+          <a:ln cmpd="sng" w="12700">
             <a:solidFill>
               <a:schemeClr val="bg2">
                 <a:lumMod val="40000"/>
@@ -1975,19 +1976,19 @@
             <a:spLocks noGrp="1"/>
           </p:cNvSpPr>
           <p:nvPr>
-            <p:ph type="dt" sz="half" idx="10"/>
+            <p:ph idx="10" sz="half" type="dt"/>
           </p:nvPr>
         </p:nvSpPr>
         <p:spPr/>
         <p:txBody>
-          <a:bodyPr/>
+          <a:bodyPr numCol="1"/>
           <a:lstStyle/>
           <a:p>
             <a:fld id="{4509A250-FF31-4206-8172-F9D3106AACB1}" type="datetimeFigureOut">
-              <a:rPr lang="en-US" dirty="0"/>
+              <a:rPr dirty="0" lang="en-US"/>
               <a:t>10/31/2015</a:t>
             </a:fld>
-            <a:endParaRPr lang="en-US" dirty="0"/>
+            <a:endParaRPr dirty="0" lang="en-US"/>
           </a:p>
         </p:txBody>
       </p:sp>
@@ -1998,15 +1999,15 @@
             <a:spLocks noGrp="1"/>
           </p:cNvSpPr>
           <p:nvPr>
-            <p:ph type="ftr" sz="quarter" idx="11"/>
+            <p:ph idx="11" sz="quarter" type="ftr"/>
           </p:nvPr>
         </p:nvSpPr>
         <p:spPr/>
         <p:txBody>
-          <a:bodyPr/>
-          <a:lstStyle/>
-          <a:p>
-            <a:endParaRPr lang="en-US" dirty="0"/>
+          <a:bodyPr numCol="1"/>
+          <a:lstStyle/>
+          <a:p>
+            <a:endParaRPr dirty="0" lang="en-US"/>
           </a:p>
         </p:txBody>
       </p:sp>
@@ -2017,19 +2018,19 @@
             <a:spLocks noGrp="1"/>
           </p:cNvSpPr>
           <p:nvPr>
-            <p:ph type="sldNum" sz="quarter" idx="12"/>
+            <p:ph idx="12" sz="quarter" type="sldNum"/>
           </p:nvPr>
         </p:nvSpPr>
         <p:spPr/>
         <p:txBody>
-          <a:bodyPr/>
+          <a:bodyPr numCol="1"/>
           <a:lstStyle/>
           <a:p>
             <a:fld id="{D57F1E4F-1CFF-5643-939E-02111984F565}" type="slidenum">
-              <a:rPr lang="en-US" dirty="0"/>
+              <a:rPr dirty="0" lang="en-US"/>
               <a:t>‹#›</a:t>
             </a:fld>
-            <a:endParaRPr lang="en-US" dirty="0"/>
+            <a:endParaRPr dirty="0" lang="en-US"/>
           </a:p>
         </p:txBody>
       </p:sp>
@@ -2070,7 +2071,7 @@
         </p:nvSpPr>
         <p:spPr/>
         <p:txBody>
-          <a:bodyPr/>
+          <a:bodyPr numCol="1"/>
           <a:lstStyle>
             <a:lvl1pPr>
               <a:defRPr sz="4200"/>
@@ -2081,7 +2082,7 @@
               <a:rPr lang="en-US" smtClean="0"/>
               <a:t>Click to edit Master title style</a:t>
             </a:r>
-            <a:endParaRPr lang="en-US" dirty="0"/>
+            <a:endParaRPr dirty="0" lang="en-US"/>
           </a:p>
         </p:txBody>
       </p:sp>
@@ -2092,7 +2093,7 @@
             <a:spLocks noGrp="1"/>
           </p:cNvSpPr>
           <p:nvPr>
-            <p:ph type="body" idx="1"/>
+            <p:ph idx="1" type="body"/>
           </p:nvPr>
         </p:nvSpPr>
         <p:spPr>
@@ -2102,13 +2103,13 @@
           </a:xfrm>
         </p:spPr>
         <p:txBody>
-          <a:bodyPr anchor="b">
+          <a:bodyPr anchor="b" numCol="1">
             <a:noAutofit/>
           </a:bodyPr>
           <a:lstStyle>
-            <a:lvl1pPr marL="0" indent="0">
-              <a:buNone/>
-              <a:defRPr sz="2400" b="0">
+            <a:lvl1pPr indent="0" marL="0">
+              <a:buNone/>
+              <a:defRPr b="0" sz="2400">
                 <a:solidFill>
                   <a:schemeClr val="bg2">
                     <a:lumMod val="40000"/>
@@ -2117,37 +2118,37 @@
                 </a:solidFill>
               </a:defRPr>
             </a:lvl1pPr>
-            <a:lvl2pPr marL="457200" indent="0">
-              <a:buNone/>
-              <a:defRPr sz="2000" b="1"/>
+            <a:lvl2pPr indent="0" marL="457200">
+              <a:buNone/>
+              <a:defRPr b="1" sz="2000"/>
             </a:lvl2pPr>
-            <a:lvl3pPr marL="914400" indent="0">
-              <a:buNone/>
-              <a:defRPr sz="1800" b="1"/>
+            <a:lvl3pPr indent="0" marL="914400">
+              <a:buNone/>
+              <a:defRPr b="1" sz="1800"/>
             </a:lvl3pPr>
-            <a:lvl4pPr marL="1371600" indent="0">
-              <a:buNone/>
-              <a:defRPr sz="1600" b="1"/>
+            <a:lvl4pPr indent="0" marL="1371600">
+              <a:buNone/>
+              <a:defRPr b="1" sz="1600"/>
             </a:lvl4pPr>
-            <a:lvl5pPr marL="1828800" indent="0">
-              <a:buNone/>
-              <a:defRPr sz="1600" b="1"/>
+            <a:lvl5pPr indent="0" marL="1828800">
+              <a:buNone/>
+              <a:defRPr b="1" sz="1600"/>
             </a:lvl5pPr>
-            <a:lvl6pPr marL="2286000" indent="0">
-              <a:buNone/>
-              <a:defRPr sz="1600" b="1"/>
+            <a:lvl6pPr indent="0" marL="2286000">
+              <a:buNone/>
+              <a:defRPr b="1" sz="1600"/>
             </a:lvl6pPr>
-            <a:lvl7pPr marL="2743200" indent="0">
-              <a:buNone/>
-              <a:defRPr sz="1600" b="1"/>
+            <a:lvl7pPr indent="0" marL="2743200">
+              <a:buNone/>
+              <a:defRPr b="1" sz="1600"/>
             </a:lvl7pPr>
-            <a:lvl8pPr marL="3200400" indent="0">
-              <a:buNone/>
-              <a:defRPr sz="1600" b="1"/>
+            <a:lvl8pPr indent="0" marL="3200400">
+              <a:buNone/>
+              <a:defRPr b="1" sz="1600"/>
             </a:lvl8pPr>
-            <a:lvl9pPr marL="3657600" indent="0">
-              <a:buNone/>
-              <a:defRPr sz="1600" b="1"/>
+            <a:lvl9pPr indent="0" marL="3657600">
+              <a:buNone/>
+              <a:defRPr b="1" sz="1600"/>
             </a:lvl9pPr>
           </a:lstStyle>
           <a:p>
@@ -2163,10 +2164,10 @@
         <p:nvSpPr>
           <p:cNvPr id="29" name="Picture Placeholder 2"/>
           <p:cNvSpPr>
-            <a:spLocks noGrp="1" noChangeAspect="1"/>
-          </p:cNvSpPr>
-          <p:nvPr>
-            <p:ph type="pic" idx="15"/>
+            <a:spLocks noChangeAspect="1" noGrp="1"/>
+          </p:cNvSpPr>
+          <p:nvPr>
+            <p:ph idx="15" type="pic"/>
           </p:nvPr>
         </p:nvSpPr>
         <p:spPr>
@@ -2176,11 +2177,11 @@
           </a:xfrm>
           <a:prstGeom prst="roundRect">
             <a:avLst>
-              <a:gd name="adj" fmla="val 1858"/>
+              <a:gd fmla="val 1858" name="adj"/>
             </a:avLst>
           </a:prstGeom>
           <a:effectLst>
-            <a:outerShdw blurRad="50800" dist="50800" dir="5400000" algn="tl" rotWithShape="0">
+            <a:outerShdw algn="tl" blurRad="50800" dir="5400000" dist="50800" rotWithShape="0">
               <a:srgbClr val="000000">
                 <a:alpha val="43000"/>
               </a:srgbClr>
@@ -2188,43 +2189,43 @@
           </a:effectLst>
         </p:spPr>
         <p:txBody>
-          <a:bodyPr anchor="t">
+          <a:bodyPr anchor="t" numCol="1">
             <a:normAutofit/>
           </a:bodyPr>
           <a:lstStyle>
-            <a:lvl1pPr marL="0" indent="0" algn="ctr">
+            <a:lvl1pPr algn="ctr" indent="0" marL="0">
               <a:buNone/>
               <a:defRPr sz="1600"/>
             </a:lvl1pPr>
-            <a:lvl2pPr marL="457200" indent="0">
+            <a:lvl2pPr indent="0" marL="457200">
               <a:buNone/>
               <a:defRPr sz="1600"/>
             </a:lvl2pPr>
-            <a:lvl3pPr marL="914400" indent="0">
+            <a:lvl3pPr indent="0" marL="914400">
               <a:buNone/>
               <a:defRPr sz="1600"/>
             </a:lvl3pPr>
-            <a:lvl4pPr marL="1371600" indent="0">
+            <a:lvl4pPr indent="0" marL="1371600">
               <a:buNone/>
               <a:defRPr sz="1600"/>
             </a:lvl4pPr>
-            <a:lvl5pPr marL="1828800" indent="0">
+            <a:lvl5pPr indent="0" marL="1828800">
               <a:buNone/>
               <a:defRPr sz="1600"/>
             </a:lvl5pPr>
-            <a:lvl6pPr marL="2286000" indent="0">
+            <a:lvl6pPr indent="0" marL="2286000">
               <a:buNone/>
               <a:defRPr sz="1600"/>
             </a:lvl6pPr>
-            <a:lvl7pPr marL="2743200" indent="0">
+            <a:lvl7pPr indent="0" marL="2743200">
               <a:buNone/>
               <a:defRPr sz="1600"/>
             </a:lvl7pPr>
-            <a:lvl8pPr marL="3200400" indent="0">
+            <a:lvl8pPr indent="0" marL="3200400">
               <a:buNone/>
               <a:defRPr sz="1600"/>
             </a:lvl8pPr>
-            <a:lvl9pPr marL="3657600" indent="0">
+            <a:lvl9pPr indent="0" marL="3657600">
               <a:buNone/>
               <a:defRPr sz="1600"/>
             </a:lvl9pPr>
@@ -2234,7 +2235,7 @@
               <a:rPr lang="en-US" smtClean="0"/>
               <a:t>Click icon to add picture</a:t>
             </a:r>
-            <a:endParaRPr lang="en-US" dirty="0"/>
+            <a:endParaRPr dirty="0" lang="en-US"/>
           </a:p>
         </p:txBody>
       </p:sp>
@@ -2245,7 +2246,7 @@
             <a:spLocks noGrp="1"/>
           </p:cNvSpPr>
           <p:nvPr>
-            <p:ph type="body" sz="half" idx="18"/>
+            <p:ph idx="18" sz="half" type="body"/>
           </p:nvPr>
         </p:nvSpPr>
         <p:spPr>
@@ -2255,43 +2256,43 @@
           </a:xfrm>
         </p:spPr>
         <p:txBody>
-          <a:bodyPr anchor="t">
+          <a:bodyPr anchor="t" numCol="1">
             <a:normAutofit/>
           </a:bodyPr>
           <a:lstStyle>
-            <a:lvl1pPr marL="0" indent="0">
+            <a:lvl1pPr indent="0" marL="0">
               <a:buNone/>
               <a:defRPr sz="1400"/>
             </a:lvl1pPr>
-            <a:lvl2pPr marL="457200" indent="0">
+            <a:lvl2pPr indent="0" marL="457200">
               <a:buNone/>
               <a:defRPr sz="1200"/>
             </a:lvl2pPr>
-            <a:lvl3pPr marL="914400" indent="0">
+            <a:lvl3pPr indent="0" marL="914400">
               <a:buNone/>
               <a:defRPr sz="1000"/>
             </a:lvl3pPr>
-            <a:lvl4pPr marL="1371600" indent="0">
+            <a:lvl4pPr indent="0" marL="1371600">
               <a:buNone/>
               <a:defRPr sz="900"/>
             </a:lvl4pPr>
-            <a:lvl5pPr marL="1828800" indent="0">
+            <a:lvl5pPr indent="0" marL="1828800">
               <a:buNone/>
               <a:defRPr sz="900"/>
             </a:lvl5pPr>
-            <a:lvl6pPr marL="2286000" indent="0">
+            <a:lvl6pPr indent="0" marL="2286000">
               <a:buNone/>
               <a:defRPr sz="900"/>
             </a:lvl6pPr>
-            <a:lvl7pPr marL="2743200" indent="0">
+            <a:lvl7pPr indent="0" marL="2743200">
               <a:buNone/>
               <a:defRPr sz="900"/>
             </a:lvl7pPr>
-            <a:lvl8pPr marL="3200400" indent="0">
+            <a:lvl8pPr indent="0" marL="3200400">
               <a:buNone/>
               <a:defRPr sz="900"/>
             </a:lvl8pPr>
-            <a:lvl9pPr marL="3657600" indent="0">
+            <a:lvl9pPr indent="0" marL="3657600">
               <a:buNone/>
               <a:defRPr sz="900"/>
             </a:lvl9pPr>
@@ -2312,7 +2313,7 @@
             <a:spLocks noGrp="1"/>
           </p:cNvSpPr>
           <p:nvPr>
-            <p:ph type="body" sz="quarter" idx="3"/>
+            <p:ph idx="3" sz="quarter" type="body"/>
           </p:nvPr>
         </p:nvSpPr>
         <p:spPr>
@@ -2322,13 +2323,13 @@
           </a:xfrm>
         </p:spPr>
         <p:txBody>
-          <a:bodyPr anchor="b">
+          <a:bodyPr anchor="b" numCol="1">
             <a:noAutofit/>
           </a:bodyPr>
           <a:lstStyle>
-            <a:lvl1pPr marL="0" indent="0">
-              <a:buNone/>
-              <a:defRPr sz="2400" b="0">
+            <a:lvl1pPr indent="0" marL="0">
+              <a:buNone/>
+              <a:defRPr b="0" sz="2400">
                 <a:solidFill>
                   <a:schemeClr val="bg2">
                     <a:lumMod val="40000"/>
@@ -2337,37 +2338,37 @@
                 </a:solidFill>
               </a:defRPr>
             </a:lvl1pPr>
-            <a:lvl2pPr marL="457200" indent="0">
-              <a:buNone/>
-              <a:defRPr sz="2000" b="1"/>
+            <a:lvl2pPr indent="0" marL="457200">
+              <a:buNone/>
+              <a:defRPr b="1" sz="2000"/>
             </a:lvl2pPr>
-            <a:lvl3pPr marL="914400" indent="0">
-              <a:buNone/>
-              <a:defRPr sz="1800" b="1"/>
+            <a:lvl3pPr indent="0" marL="914400">
+              <a:buNone/>
+              <a:defRPr b="1" sz="1800"/>
             </a:lvl3pPr>
-            <a:lvl4pPr marL="1371600" indent="0">
-              <a:buNone/>
-              <a:defRPr sz="1600" b="1"/>
+            <a:lvl4pPr indent="0" marL="1371600">
+              <a:buNone/>
+              <a:defRPr b="1" sz="1600"/>
             </a:lvl4pPr>
-            <a:lvl5pPr marL="1828800" indent="0">
-              <a:buNone/>
-              <a:defRPr sz="1600" b="1"/>
+            <a:lvl5pPr indent="0" marL="1828800">
+              <a:buNone/>
+              <a:defRPr b="1" sz="1600"/>
             </a:lvl5pPr>
-            <a:lvl6pPr marL="2286000" indent="0">
-              <a:buNone/>
-              <a:defRPr sz="1600" b="1"/>
+            <a:lvl6pPr indent="0" marL="2286000">
+              <a:buNone/>
+              <a:defRPr b="1" sz="1600"/>
             </a:lvl6pPr>
-            <a:lvl7pPr marL="2743200" indent="0">
-              <a:buNone/>
-              <a:defRPr sz="1600" b="1"/>
+            <a:lvl7pPr indent="0" marL="2743200">
+              <a:buNone/>
+              <a:defRPr b="1" sz="1600"/>
             </a:lvl7pPr>
-            <a:lvl8pPr marL="3200400" indent="0">
-              <a:buNone/>
-              <a:defRPr sz="1600" b="1"/>
+            <a:lvl8pPr indent="0" marL="3200400">
+              <a:buNone/>
+              <a:defRPr b="1" sz="1600"/>
             </a:lvl8pPr>
-            <a:lvl9pPr marL="3657600" indent="0">
-              <a:buNone/>
-              <a:defRPr sz="1600" b="1"/>
+            <a:lvl9pPr indent="0" marL="3657600">
+              <a:buNone/>
+              <a:defRPr b="1" sz="1600"/>
             </a:lvl9pPr>
           </a:lstStyle>
           <a:p>
@@ -2383,10 +2384,10 @@
         <p:nvSpPr>
           <p:cNvPr id="30" name="Picture Placeholder 2"/>
           <p:cNvSpPr>
-            <a:spLocks noGrp="1" noChangeAspect="1"/>
-          </p:cNvSpPr>
-          <p:nvPr>
-            <p:ph type="pic" idx="21"/>
+            <a:spLocks noChangeAspect="1" noGrp="1"/>
+          </p:cNvSpPr>
+          <p:nvPr>
+            <p:ph idx="21" type="pic"/>
           </p:nvPr>
         </p:nvSpPr>
         <p:spPr>
@@ -2396,11 +2397,11 @@
           </a:xfrm>
           <a:prstGeom prst="roundRect">
             <a:avLst>
-              <a:gd name="adj" fmla="val 1858"/>
+              <a:gd fmla="val 1858" name="adj"/>
             </a:avLst>
           </a:prstGeom>
           <a:effectLst>
-            <a:outerShdw blurRad="50800" dist="50800" dir="5400000" algn="tl" rotWithShape="0">
+            <a:outerShdw algn="tl" blurRad="50800" dir="5400000" dist="50800" rotWithShape="0">
               <a:srgbClr val="000000">
                 <a:alpha val="43000"/>
               </a:srgbClr>
@@ -2408,43 +2409,43 @@
           </a:effectLst>
         </p:spPr>
         <p:txBody>
-          <a:bodyPr anchor="t">
+          <a:bodyPr anchor="t" numCol="1">
             <a:normAutofit/>
           </a:bodyPr>
           <a:lstStyle>
-            <a:lvl1pPr marL="0" indent="0" algn="ctr">
+            <a:lvl1pPr algn="ctr" indent="0" marL="0">
               <a:buNone/>
               <a:defRPr sz="1600"/>
             </a:lvl1pPr>
-            <a:lvl2pPr marL="457200" indent="0">
+            <a:lvl2pPr indent="0" marL="457200">
               <a:buNone/>
               <a:defRPr sz="1600"/>
             </a:lvl2pPr>
-            <a:lvl3pPr marL="914400" indent="0">
+            <a:lvl3pPr indent="0" marL="914400">
               <a:buNone/>
               <a:defRPr sz="1600"/>
             </a:lvl3pPr>
-            <a:lvl4pPr marL="1371600" indent="0">
+            <a:lvl4pPr indent="0" marL="1371600">
               <a:buNone/>
               <a:defRPr sz="1600"/>
             </a:lvl4pPr>
-            <a:lvl5pPr marL="1828800" indent="0">
+            <a:lvl5pPr indent="0" marL="1828800">
               <a:buNone/>
               <a:defRPr sz="1600"/>
             </a:lvl5pPr>
-            <a:lvl6pPr marL="2286000" indent="0">
+            <a:lvl6pPr indent="0" marL="2286000">
               <a:buNone/>
               <a:defRPr sz="1600"/>
             </a:lvl6pPr>
-            <a:lvl7pPr marL="2743200" indent="0">
+            <a:lvl7pPr indent="0" marL="2743200">
               <a:buNone/>
               <a:defRPr sz="1600"/>
             </a:lvl7pPr>
-            <a:lvl8pPr marL="3200400" indent="0">
+            <a:lvl8pPr indent="0" marL="3200400">
               <a:buNone/>
               <a:defRPr sz="1600"/>
             </a:lvl8pPr>
-            <a:lvl9pPr marL="3657600" indent="0">
+            <a:lvl9pPr indent="0" marL="3657600">
               <a:buNone/>
               <a:defRPr sz="1600"/>
             </a:lvl9pPr>
@@ -2454,7 +2455,7 @@
               <a:rPr lang="en-US" smtClean="0"/>
               <a:t>Click icon to add picture</a:t>
             </a:r>
-            <a:endParaRPr lang="en-US" dirty="0"/>
+            <a:endParaRPr dirty="0" lang="en-US"/>
           </a:p>
         </p:txBody>
       </p:sp>
@@ -2465,7 +2466,7 @@
             <a:spLocks noGrp="1"/>
           </p:cNvSpPr>
           <p:nvPr>
-            <p:ph type="body" sz="half" idx="19"/>
+            <p:ph idx="19" sz="half" type="body"/>
           </p:nvPr>
         </p:nvSpPr>
         <p:spPr>
@@ -2475,43 +2476,43 @@
           </a:xfrm>
         </p:spPr>
         <p:txBody>
-          <a:bodyPr anchor="t">
+          <a:bodyPr anchor="t" numCol="1">
             <a:normAutofit/>
           </a:bodyPr>
           <a:lstStyle>
-            <a:lvl1pPr marL="0" indent="0">
+            <a:lvl1pPr indent="0" marL="0">
               <a:buNone/>
               <a:defRPr sz="1400"/>
             </a:lvl1pPr>
-            <a:lvl2pPr marL="457200" indent="0">
+            <a:lvl2pPr indent="0" marL="457200">
               <a:buNone/>
               <a:defRPr sz="1200"/>
             </a:lvl2pPr>
-            <a:lvl3pPr marL="914400" indent="0">
+            <a:lvl3pPr indent="0" marL="914400">
               <a:buNone/>
               <a:defRPr sz="1000"/>
             </a:lvl3pPr>
-            <a:lvl4pPr marL="1371600" indent="0">
+            <a:lvl4pPr indent="0" marL="1371600">
               <a:buNone/>
               <a:defRPr sz="900"/>
             </a:lvl4pPr>
-            <a:lvl5pPr marL="1828800" indent="0">
+            <a:lvl5pPr indent="0" marL="1828800">
               <a:buNone/>
               <a:defRPr sz="900"/>
             </a:lvl5pPr>
-            <a:lvl6pPr marL="2286000" indent="0">
+            <a:lvl6pPr indent="0" marL="2286000">
               <a:buNone/>
               <a:defRPr sz="900"/>
             </a:lvl6pPr>
-            <a:lvl7pPr marL="2743200" indent="0">
+            <a:lvl7pPr indent="0" marL="2743200">
               <a:buNone/>
               <a:defRPr sz="900"/>
             </a:lvl7pPr>
-            <a:lvl8pPr marL="3200400" indent="0">
+            <a:lvl8pPr indent="0" marL="3200400">
               <a:buNone/>
               <a:defRPr sz="900"/>
             </a:lvl8pPr>
-            <a:lvl9pPr marL="3657600" indent="0">
+            <a:lvl9pPr indent="0" marL="3657600">
               <a:buNone/>
               <a:defRPr sz="900"/>
             </a:lvl9pPr>
@@ -2532,7 +2533,7 @@
             <a:spLocks noGrp="1"/>
           </p:cNvSpPr>
           <p:nvPr>
-            <p:ph type="body" sz="quarter" idx="13"/>
+            <p:ph idx="13" sz="quarter" type="body"/>
           </p:nvPr>
         </p:nvSpPr>
         <p:spPr>
@@ -2542,13 +2543,13 @@
           </a:xfrm>
         </p:spPr>
         <p:txBody>
-          <a:bodyPr anchor="b">
+          <a:bodyPr anchor="b" numCol="1">
             <a:noAutofit/>
           </a:bodyPr>
           <a:lstStyle>
-            <a:lvl1pPr marL="0" indent="0">
-              <a:buNone/>
-              <a:defRPr sz="2400" b="0">
+            <a:lvl1pPr indent="0" marL="0">
+              <a:buNone/>
+              <a:defRPr b="0" sz="2400">
                 <a:solidFill>
                   <a:schemeClr val="bg2">
                     <a:lumMod val="40000"/>
@@ -2557,37 +2558,37 @@
                 </a:solidFill>
               </a:defRPr>
             </a:lvl1pPr>
-            <a:lvl2pPr marL="457200" indent="0">
-              <a:buNone/>
-              <a:defRPr sz="2000" b="1"/>
+            <a:lvl2pPr indent="0" marL="457200">
+              <a:buNone/>
+              <a:defRPr b="1" sz="2000"/>
             </a:lvl2pPr>
-            <a:lvl3pPr marL="914400" indent="0">
-              <a:buNone/>
-              <a:defRPr sz="1800" b="1"/>
+            <a:lvl3pPr indent="0" marL="914400">
+              <a:buNone/>
+              <a:defRPr b="1" sz="1800"/>
             </a:lvl3pPr>
-            <a:lvl4pPr marL="1371600" indent="0">
-              <a:buNone/>
-              <a:defRPr sz="1600" b="1"/>
+            <a:lvl4pPr indent="0" marL="1371600">
+              <a:buNone/>
+              <a:defRPr b="1" sz="1600"/>
             </a:lvl4pPr>
-            <a:lvl5pPr marL="1828800" indent="0">
-              <a:buNone/>
-              <a:defRPr sz="1600" b="1"/>
+            <a:lvl5pPr indent="0" marL="1828800">
+              <a:buNone/>
+              <a:defRPr b="1" sz="1600"/>
             </a:lvl5pPr>
-            <a:lvl6pPr marL="2286000" indent="0">
-              <a:buNone/>
-              <a:defRPr sz="1600" b="1"/>
+            <a:lvl6pPr indent="0" marL="2286000">
+              <a:buNone/>
+              <a:defRPr b="1" sz="1600"/>
             </a:lvl6pPr>
-            <a:lvl7pPr marL="2743200" indent="0">
-              <a:buNone/>
-              <a:defRPr sz="1600" b="1"/>
+            <a:lvl7pPr indent="0" marL="2743200">
+              <a:buNone/>
+              <a:defRPr b="1" sz="1600"/>
             </a:lvl7pPr>
-            <a:lvl8pPr marL="3200400" indent="0">
-              <a:buNone/>
-              <a:defRPr sz="1600" b="1"/>
+            <a:lvl8pPr indent="0" marL="3200400">
+              <a:buNone/>
+              <a:defRPr b="1" sz="1600"/>
             </a:lvl8pPr>
-            <a:lvl9pPr marL="3657600" indent="0">
-              <a:buNone/>
-              <a:defRPr sz="1600" b="1"/>
+            <a:lvl9pPr indent="0" marL="3657600">
+              <a:buNone/>
+              <a:defRPr b="1" sz="1600"/>
             </a:lvl9pPr>
           </a:lstStyle>
           <a:p>
@@ -2603,10 +2604,10 @@
         <p:nvSpPr>
           <p:cNvPr id="31" name="Picture Placeholder 2"/>
           <p:cNvSpPr>
-            <a:spLocks noGrp="1" noChangeAspect="1"/>
-          </p:cNvSpPr>
-          <p:nvPr>
-            <p:ph type="pic" idx="22"/>
+            <a:spLocks noChangeAspect="1" noGrp="1"/>
+          </p:cNvSpPr>
+          <p:nvPr>
+            <p:ph idx="22" type="pic"/>
           </p:nvPr>
         </p:nvSpPr>
         <p:spPr>
@@ -2616,11 +2617,11 @@
           </a:xfrm>
           <a:prstGeom prst="roundRect">
             <a:avLst>
-              <a:gd name="adj" fmla="val 1858"/>
+              <a:gd fmla="val 1858" name="adj"/>
             </a:avLst>
           </a:prstGeom>
           <a:effectLst>
-            <a:outerShdw blurRad="50800" dist="50800" dir="5400000" algn="tl" rotWithShape="0">
+            <a:outerShdw algn="tl" blurRad="50800" dir="5400000" dist="50800" rotWithShape="0">
               <a:srgbClr val="000000">
                 <a:alpha val="43000"/>
               </a:srgbClr>
@@ -2628,43 +2629,43 @@
           </a:effectLst>
         </p:spPr>
         <p:txBody>
-          <a:bodyPr anchor="t">
+          <a:bodyPr anchor="t" numCol="1">
             <a:normAutofit/>
           </a:bodyPr>
           <a:lstStyle>
-            <a:lvl1pPr marL="0" indent="0" algn="ctr">
+            <a:lvl1pPr algn="ctr" indent="0" marL="0">
               <a:buNone/>
               <a:defRPr sz="1600"/>
             </a:lvl1pPr>
-            <a:lvl2pPr marL="457200" indent="0">
+            <a:lvl2pPr indent="0" marL="457200">
               <a:buNone/>
               <a:defRPr sz="1600"/>
             </a:lvl2pPr>
-            <a:lvl3pPr marL="914400" indent="0">
+            <a:lvl3pPr indent="0" marL="914400">
               <a:buNone/>
               <a:defRPr sz="1600"/>
             </a:lvl3pPr>
-            <a:lvl4pPr marL="1371600" indent="0">
+            <a:lvl4pPr indent="0" marL="1371600">
               <a:buNone/>
               <a:defRPr sz="1600"/>
             </a:lvl4pPr>
-            <a:lvl5pPr marL="1828800" indent="0">
+            <a:lvl5pPr indent="0" marL="1828800">
               <a:buNone/>
               <a:defRPr sz="1600"/>
             </a:lvl5pPr>
-            <a:lvl6pPr marL="2286000" indent="0">
+            <a:lvl6pPr indent="0" marL="2286000">
               <a:buNone/>
               <a:defRPr sz="1600"/>
             </a:lvl6pPr>
-            <a:lvl7pPr marL="2743200" indent="0">
+            <a:lvl7pPr indent="0" marL="2743200">
               <a:buNone/>
               <a:defRPr sz="1600"/>
             </a:lvl7pPr>
-            <a:lvl8pPr marL="3200400" indent="0">
+            <a:lvl8pPr indent="0" marL="3200400">
               <a:buNone/>
               <a:defRPr sz="1600"/>
             </a:lvl8pPr>
-            <a:lvl9pPr marL="3657600" indent="0">
+            <a:lvl9pPr indent="0" marL="3657600">
               <a:buNone/>
               <a:defRPr sz="1600"/>
             </a:lvl9pPr>
@@ -2674,7 +2675,7 @@
               <a:rPr lang="en-US" smtClean="0"/>
               <a:t>Click icon to add picture</a:t>
             </a:r>
-            <a:endParaRPr lang="en-US" dirty="0"/>
+            <a:endParaRPr dirty="0" lang="en-US"/>
           </a:p>
         </p:txBody>
       </p:sp>
@@ -2685,7 +2686,7 @@
             <a:spLocks noGrp="1"/>
           </p:cNvSpPr>
           <p:nvPr>
-            <p:ph type="body" sz="half" idx="20"/>
+            <p:ph idx="20" sz="half" type="body"/>
           </p:nvPr>
         </p:nvSpPr>
         <p:spPr>
@@ -2695,43 +2696,43 @@
           </a:xfrm>
         </p:spPr>
         <p:txBody>
-          <a:bodyPr anchor="t">
+          <a:bodyPr anchor="t" numCol="1">
             <a:normAutofit/>
           </a:bodyPr>
           <a:lstStyle>
-            <a:lvl1pPr marL="0" indent="0">
+            <a:lvl1pPr indent="0" marL="0">
               <a:buNone/>
               <a:defRPr sz="1400"/>
             </a:lvl1pPr>
-            <a:lvl2pPr marL="457200" indent="0">
+            <a:lvl2pPr indent="0" marL="457200">
               <a:buNone/>
               <a:defRPr sz="1200"/>
             </a:lvl2pPr>
-            <a:lvl3pPr marL="914400" indent="0">
+            <a:lvl3pPr indent="0" marL="914400">
               <a:buNone/>
               <a:defRPr sz="1000"/>
             </a:lvl3pPr>
-            <a:lvl4pPr marL="1371600" indent="0">
+            <a:lvl4pPr indent="0" marL="1371600">
               <a:buNone/>
               <a:defRPr sz="900"/>
             </a:lvl4pPr>
-            <a:lvl5pPr marL="1828800" indent="0">
+            <a:lvl5pPr indent="0" marL="1828800">
               <a:buNone/>
               <a:defRPr sz="900"/>
             </a:lvl5pPr>
-            <a:lvl6pPr marL="2286000" indent="0">
+            <a:lvl6pPr indent="0" marL="2286000">
               <a:buNone/>
               <a:defRPr sz="900"/>
             </a:lvl6pPr>
-            <a:lvl7pPr marL="2743200" indent="0">
+            <a:lvl7pPr indent="0" marL="2743200">
               <a:buNone/>
               <a:defRPr sz="900"/>
             </a:lvl7pPr>
-            <a:lvl8pPr marL="3200400" indent="0">
+            <a:lvl8pPr indent="0" marL="3200400">
               <a:buNone/>
               <a:defRPr sz="900"/>
             </a:lvl8pPr>
-            <a:lvl9pPr marL="3657600" indent="0">
+            <a:lvl9pPr indent="0" marL="3657600">
               <a:buNone/>
               <a:defRPr sz="900"/>
             </a:lvl9pPr>
@@ -2759,7 +2760,7 @@
           <a:prstGeom prst="line">
             <a:avLst/>
           </a:prstGeom>
-          <a:ln w="12700" cmpd="sng">
+          <a:ln cmpd="sng" w="12700">
             <a:solidFill>
               <a:schemeClr val="bg2">
                 <a:lumMod val="40000"/>
@@ -2798,7 +2799,7 @@
           <a:prstGeom prst="line">
             <a:avLst/>
           </a:prstGeom>
-          <a:ln w="12700" cmpd="sng">
+          <a:ln cmpd="sng" w="12700">
             <a:solidFill>
               <a:schemeClr val="bg2">
                 <a:lumMod val="40000"/>
@@ -2830,19 +2831,19 @@
             <a:spLocks noGrp="1"/>
           </p:cNvSpPr>
           <p:nvPr>
-            <p:ph type="dt" sz="half" idx="10"/>
+            <p:ph idx="10" sz="half" type="dt"/>
           </p:nvPr>
         </p:nvSpPr>
         <p:spPr/>
         <p:txBody>
-          <a:bodyPr/>
+          <a:bodyPr numCol="1"/>
           <a:lstStyle/>
           <a:p>
             <a:fld id="{4509A250-FF31-4206-8172-F9D3106AACB1}" type="datetimeFigureOut">
-              <a:rPr lang="en-US" dirty="0"/>
+              <a:rPr dirty="0" lang="en-US"/>
               <a:t>10/31/2015</a:t>
             </a:fld>
-            <a:endParaRPr lang="en-US" dirty="0"/>
+            <a:endParaRPr dirty="0" lang="en-US"/>
           </a:p>
         </p:txBody>
       </p:sp>
@@ -2853,15 +2854,15 @@
             <a:spLocks noGrp="1"/>
           </p:cNvSpPr>
           <p:nvPr>
-            <p:ph type="ftr" sz="quarter" idx="11"/>
+            <p:ph idx="11" sz="quarter" type="ftr"/>
           </p:nvPr>
         </p:nvSpPr>
         <p:spPr/>
         <p:txBody>
-          <a:bodyPr/>
-          <a:lstStyle/>
-          <a:p>
-            <a:endParaRPr lang="en-US" dirty="0"/>
+          <a:bodyPr numCol="1"/>
+          <a:lstStyle/>
+          <a:p>
+            <a:endParaRPr dirty="0" lang="en-US"/>
           </a:p>
         </p:txBody>
       </p:sp>
@@ -2872,19 +2873,19 @@
             <a:spLocks noGrp="1"/>
           </p:cNvSpPr>
           <p:nvPr>
-            <p:ph type="sldNum" sz="quarter" idx="12"/>
+            <p:ph idx="12" sz="quarter" type="sldNum"/>
           </p:nvPr>
         </p:nvSpPr>
         <p:spPr/>
         <p:txBody>
-          <a:bodyPr/>
+          <a:bodyPr numCol="1"/>
           <a:lstStyle/>
           <a:p>
             <a:fld id="{D57F1E4F-1CFF-5643-939E-02111984F565}" type="slidenum">
-              <a:rPr lang="en-US" dirty="0"/>
+              <a:rPr dirty="0" lang="en-US"/>
               <a:t>‹#›</a:t>
             </a:fld>
-            <a:endParaRPr lang="en-US" dirty="0"/>
+            <a:endParaRPr dirty="0" lang="en-US"/>
           </a:p>
         </p:txBody>
       </p:sp>
@@ -2897,7 +2898,7 @@
 </file>
 
 <file path=ppt/slideLayouts/slideLayout16.xml><?xml version="1.0" encoding="utf-8"?>
-<p:sldLayout xmlns:a="http://schemas.openxmlformats.org/drawingml/2006/main" xmlns:r="http://schemas.openxmlformats.org/officeDocument/2006/relationships" xmlns:p="http://schemas.openxmlformats.org/presentationml/2006/main" type="vertTx" preserve="1">
+<p:sldLayout xmlns:a="http://schemas.openxmlformats.org/drawingml/2006/main" xmlns:r="http://schemas.openxmlformats.org/officeDocument/2006/relationships" xmlns:p="http://schemas.openxmlformats.org/presentationml/2006/main" preserve="1" type="vertTx">
   <p:cSld name="Title and Vertical Text">
     <p:spTree>
       <p:nvGrpSpPr>
@@ -2925,14 +2926,14 @@
         </p:nvSpPr>
         <p:spPr/>
         <p:txBody>
-          <a:bodyPr/>
+          <a:bodyPr numCol="1"/>
           <a:lstStyle/>
           <a:p>
             <a:r>
               <a:rPr lang="en-US" smtClean="0"/>
               <a:t>Click to edit Master title style</a:t>
             </a:r>
-            <a:endParaRPr lang="en-US" dirty="0"/>
+            <a:endParaRPr dirty="0" lang="en-US"/>
           </a:p>
         </p:txBody>
       </p:sp>
@@ -2943,12 +2944,12 @@
             <a:spLocks noGrp="1"/>
           </p:cNvSpPr>
           <p:nvPr>
-            <p:ph type="body" orient="vert" idx="1"/>
+            <p:ph idx="1" orient="vert" type="body"/>
           </p:nvPr>
         </p:nvSpPr>
         <p:spPr/>
         <p:txBody>
-          <a:bodyPr vert="eaVert" anchor="t" anchorCtr="0"/>
+          <a:bodyPr anchor="t" anchorCtr="0" numCol="1" vert="eaVert"/>
           <a:lstStyle/>
           <a:p>
             <a:pPr lvl="0"/>
@@ -2984,7 +2985,7 @@
               <a:rPr lang="en-US" smtClean="0"/>
               <a:t>Fifth level</a:t>
             </a:r>
-            <a:endParaRPr lang="en-US" dirty="0"/>
+            <a:endParaRPr dirty="0" lang="en-US"/>
           </a:p>
         </p:txBody>
       </p:sp>
@@ -2995,19 +2996,19 @@
             <a:spLocks noGrp="1"/>
           </p:cNvSpPr>
           <p:nvPr>
-            <p:ph type="dt" sz="half" idx="10"/>
+            <p:ph idx="10" sz="half" type="dt"/>
           </p:nvPr>
         </p:nvSpPr>
         <p:spPr/>
         <p:txBody>
-          <a:bodyPr/>
+          <a:bodyPr numCol="1"/>
           <a:lstStyle/>
           <a:p>
             <a:fld id="{4509A250-FF31-4206-8172-F9D3106AACB1}" type="datetimeFigureOut">
-              <a:rPr lang="en-US" dirty="0"/>
+              <a:rPr dirty="0" lang="en-US"/>
               <a:t>10/31/2015</a:t>
             </a:fld>
-            <a:endParaRPr lang="en-US" dirty="0"/>
+            <a:endParaRPr dirty="0" lang="en-US"/>
           </a:p>
         </p:txBody>
       </p:sp>
@@ -3018,15 +3019,15 @@
             <a:spLocks noGrp="1"/>
           </p:cNvSpPr>
           <p:nvPr>
-            <p:ph type="ftr" sz="quarter" idx="11"/>
+            <p:ph idx="11" sz="quarter" type="ftr"/>
           </p:nvPr>
         </p:nvSpPr>
         <p:spPr/>
         <p:txBody>
-          <a:bodyPr/>
-          <a:lstStyle/>
-          <a:p>
-            <a:endParaRPr lang="en-US" dirty="0"/>
+          <a:bodyPr numCol="1"/>
+          <a:lstStyle/>
+          <a:p>
+            <a:endParaRPr dirty="0" lang="en-US"/>
           </a:p>
         </p:txBody>
       </p:sp>
@@ -3037,19 +3038,19 @@
             <a:spLocks noGrp="1"/>
           </p:cNvSpPr>
           <p:nvPr>
-            <p:ph type="sldNum" sz="quarter" idx="12"/>
+            <p:ph idx="12" sz="quarter" type="sldNum"/>
           </p:nvPr>
         </p:nvSpPr>
         <p:spPr/>
         <p:txBody>
-          <a:bodyPr/>
+          <a:bodyPr numCol="1"/>
           <a:lstStyle/>
           <a:p>
             <a:fld id="{D57F1E4F-1CFF-5643-939E-02111984F565}" type="slidenum">
-              <a:rPr lang="en-US" dirty="0"/>
+              <a:rPr dirty="0" lang="en-US"/>
               <a:t>‹#›</a:t>
             </a:fld>
-            <a:endParaRPr lang="en-US" dirty="0"/>
+            <a:endParaRPr dirty="0" lang="en-US"/>
           </a:p>
         </p:txBody>
       </p:sp>
@@ -3062,7 +3063,7 @@
 </file>
 
 <file path=ppt/slideLayouts/slideLayout17.xml><?xml version="1.0" encoding="utf-8"?>
-<p:sldLayout xmlns:a="http://schemas.openxmlformats.org/drawingml/2006/main" xmlns:r="http://schemas.openxmlformats.org/officeDocument/2006/relationships" xmlns:p="http://schemas.openxmlformats.org/presentationml/2006/main" type="vertTitleAndTx" preserve="1">
+<p:sldLayout xmlns:a="http://schemas.openxmlformats.org/drawingml/2006/main" xmlns:r="http://schemas.openxmlformats.org/officeDocument/2006/relationships" xmlns:p="http://schemas.openxmlformats.org/presentationml/2006/main" preserve="1" type="vertTitleAndTx">
   <p:cSld name="Vertical Title and Text">
     <p:spTree>
       <p:nvGrpSpPr>
@@ -3085,7 +3086,7 @@
             <a:spLocks noGrp="1"/>
           </p:cNvSpPr>
           <p:nvPr>
-            <p:ph type="title" orient="vert"/>
+            <p:ph orient="vert" type="title"/>
           </p:nvPr>
         </p:nvSpPr>
         <p:spPr>
@@ -3095,14 +3096,14 @@
           </a:xfrm>
         </p:spPr>
         <p:txBody>
-          <a:bodyPr vert="eaVert" anchor="b" anchorCtr="0"/>
+          <a:bodyPr anchor="b" anchorCtr="0" numCol="1" vert="eaVert"/>
           <a:lstStyle/>
           <a:p>
             <a:r>
               <a:rPr lang="en-US" smtClean="0"/>
               <a:t>Click to edit Master title style</a:t>
             </a:r>
-            <a:endParaRPr lang="en-US" dirty="0"/>
+            <a:endParaRPr dirty="0" lang="en-US"/>
           </a:p>
         </p:txBody>
       </p:sp>
@@ -3113,7 +3114,7 @@
             <a:spLocks noGrp="1"/>
           </p:cNvSpPr>
           <p:nvPr>
-            <p:ph type="body" orient="vert" idx="1"/>
+            <p:ph idx="1" orient="vert" type="body"/>
           </p:nvPr>
         </p:nvSpPr>
         <p:spPr>
@@ -3123,7 +3124,7 @@
           </a:xfrm>
         </p:spPr>
         <p:txBody>
-          <a:bodyPr vert="eaVert"/>
+          <a:bodyPr numCol="1" vert="eaVert"/>
           <a:lstStyle/>
           <a:p>
             <a:pPr lvl="0"/>
@@ -3159,7 +3160,7 @@
               <a:rPr lang="en-US" smtClean="0"/>
               <a:t>Fifth level</a:t>
             </a:r>
-            <a:endParaRPr lang="en-US" dirty="0"/>
+            <a:endParaRPr dirty="0" lang="en-US"/>
           </a:p>
         </p:txBody>
       </p:sp>
@@ -3170,19 +3171,19 @@
             <a:spLocks noGrp="1"/>
           </p:cNvSpPr>
           <p:nvPr>
-            <p:ph type="dt" sz="half" idx="10"/>
+            <p:ph idx="10" sz="half" type="dt"/>
           </p:nvPr>
         </p:nvSpPr>
         <p:spPr/>
         <p:txBody>
-          <a:bodyPr/>
+          <a:bodyPr numCol="1"/>
           <a:lstStyle/>
           <a:p>
             <a:fld id="{4509A250-FF31-4206-8172-F9D3106AACB1}" type="datetimeFigureOut">
-              <a:rPr lang="en-US" dirty="0"/>
+              <a:rPr dirty="0" lang="en-US"/>
               <a:t>10/31/2015</a:t>
             </a:fld>
-            <a:endParaRPr lang="en-US" dirty="0"/>
+            <a:endParaRPr dirty="0" lang="en-US"/>
           </a:p>
         </p:txBody>
       </p:sp>
@@ -3193,15 +3194,15 @@
             <a:spLocks noGrp="1"/>
           </p:cNvSpPr>
           <p:nvPr>
-            <p:ph type="ftr" sz="quarter" idx="11"/>
+            <p:ph idx="11" sz="quarter" type="ftr"/>
           </p:nvPr>
         </p:nvSpPr>
         <p:spPr/>
         <p:txBody>
-          <a:bodyPr/>
-          <a:lstStyle/>
-          <a:p>
-            <a:endParaRPr lang="en-US" dirty="0"/>
+          <a:bodyPr numCol="1"/>
+          <a:lstStyle/>
+          <a:p>
+            <a:endParaRPr dirty="0" lang="en-US"/>
           </a:p>
         </p:txBody>
       </p:sp>
@@ -3212,19 +3213,19 @@
             <a:spLocks noGrp="1"/>
           </p:cNvSpPr>
           <p:nvPr>
-            <p:ph type="sldNum" sz="quarter" idx="12"/>
+            <p:ph idx="12" sz="quarter" type="sldNum"/>
           </p:nvPr>
         </p:nvSpPr>
         <p:spPr/>
         <p:txBody>
-          <a:bodyPr/>
+          <a:bodyPr numCol="1"/>
           <a:lstStyle/>
           <a:p>
             <a:fld id="{D57F1E4F-1CFF-5643-939E-02111984F565}" type="slidenum">
-              <a:rPr lang="en-US" dirty="0"/>
+              <a:rPr dirty="0" lang="en-US"/>
               <a:t>‹#›</a:t>
             </a:fld>
-            <a:endParaRPr lang="en-US" dirty="0"/>
+            <a:endParaRPr dirty="0" lang="en-US"/>
           </a:p>
         </p:txBody>
       </p:sp>
@@ -3237,7 +3238,7 @@
 </file>
 
 <file path=ppt/slideLayouts/slideLayout2.xml><?xml version="1.0" encoding="utf-8"?>
-<p:sldLayout xmlns:a="http://schemas.openxmlformats.org/drawingml/2006/main" xmlns:r="http://schemas.openxmlformats.org/officeDocument/2006/relationships" xmlns:p="http://schemas.openxmlformats.org/presentationml/2006/main" type="obj" preserve="1">
+<p:sldLayout xmlns:a="http://schemas.openxmlformats.org/drawingml/2006/main" xmlns:r="http://schemas.openxmlformats.org/officeDocument/2006/relationships" xmlns:p="http://schemas.openxmlformats.org/presentationml/2006/main" preserve="1" type="obj">
   <p:cSld name="Title and Content">
     <p:spTree>
       <p:nvGrpSpPr>
@@ -3265,14 +3266,14 @@
         </p:nvSpPr>
         <p:spPr/>
         <p:txBody>
-          <a:bodyPr/>
+          <a:bodyPr numCol="1"/>
           <a:lstStyle/>
           <a:p>
             <a:r>
               <a:rPr lang="en-US" smtClean="0"/>
               <a:t>Click to edit Master title style</a:t>
             </a:r>
-            <a:endParaRPr lang="en-US" dirty="0"/>
+            <a:endParaRPr dirty="0" lang="en-US"/>
           </a:p>
         </p:txBody>
       </p:sp>
@@ -3288,7 +3289,7 @@
         </p:nvSpPr>
         <p:spPr/>
         <p:txBody>
-          <a:bodyPr/>
+          <a:bodyPr numCol="1"/>
           <a:lstStyle/>
           <a:p>
             <a:pPr lvl="0"/>
@@ -3324,7 +3325,7 @@
               <a:rPr lang="en-US" smtClean="0"/>
               <a:t>Fifth level</a:t>
             </a:r>
-            <a:endParaRPr lang="en-US" dirty="0"/>
+            <a:endParaRPr dirty="0" lang="en-US"/>
           </a:p>
         </p:txBody>
       </p:sp>
@@ -3335,19 +3336,19 @@
             <a:spLocks noGrp="1"/>
           </p:cNvSpPr>
           <p:nvPr>
-            <p:ph type="dt" sz="half" idx="10"/>
+            <p:ph idx="10" sz="half" type="dt"/>
           </p:nvPr>
         </p:nvSpPr>
         <p:spPr/>
         <p:txBody>
-          <a:bodyPr/>
+          <a:bodyPr numCol="1"/>
           <a:lstStyle/>
           <a:p>
             <a:fld id="{4509A250-FF31-4206-8172-F9D3106AACB1}" type="datetimeFigureOut">
-              <a:rPr lang="en-US" dirty="0"/>
+              <a:rPr dirty="0" lang="en-US"/>
               <a:t>10/31/2015</a:t>
             </a:fld>
-            <a:endParaRPr lang="en-US" dirty="0"/>
+            <a:endParaRPr dirty="0" lang="en-US"/>
           </a:p>
         </p:txBody>
       </p:sp>
@@ -3358,15 +3359,15 @@
             <a:spLocks noGrp="1"/>
           </p:cNvSpPr>
           <p:nvPr>
-            <p:ph type="ftr" sz="quarter" idx="11"/>
+            <p:ph idx="11" sz="quarter" type="ftr"/>
           </p:nvPr>
         </p:nvSpPr>
         <p:spPr/>
         <p:txBody>
-          <a:bodyPr/>
-          <a:lstStyle/>
-          <a:p>
-            <a:endParaRPr lang="en-US" dirty="0"/>
+          <a:bodyPr numCol="1"/>
+          <a:lstStyle/>
+          <a:p>
+            <a:endParaRPr dirty="0" lang="en-US"/>
           </a:p>
         </p:txBody>
       </p:sp>
@@ -3377,19 +3378,19 @@
             <a:spLocks noGrp="1"/>
           </p:cNvSpPr>
           <p:nvPr>
-            <p:ph type="sldNum" sz="quarter" idx="12"/>
+            <p:ph idx="12" sz="quarter" type="sldNum"/>
           </p:nvPr>
         </p:nvSpPr>
         <p:spPr/>
         <p:txBody>
-          <a:bodyPr/>
+          <a:bodyPr numCol="1"/>
           <a:lstStyle/>
           <a:p>
             <a:fld id="{D57F1E4F-1CFF-5643-939E-02111984F565}" type="slidenum">
-              <a:rPr lang="en-US" dirty="0"/>
+              <a:rPr dirty="0" lang="en-US"/>
               <a:t>‹#›</a:t>
             </a:fld>
-            <a:endParaRPr lang="en-US" dirty="0"/>
+            <a:endParaRPr dirty="0" lang="en-US"/>
           </a:p>
         </p:txBody>
       </p:sp>
@@ -3402,7 +3403,7 @@
 </file>
 
 <file path=ppt/slideLayouts/slideLayout3.xml><?xml version="1.0" encoding="utf-8"?>
-<p:sldLayout xmlns:a="http://schemas.openxmlformats.org/drawingml/2006/main" xmlns:r="http://schemas.openxmlformats.org/officeDocument/2006/relationships" xmlns:p="http://schemas.openxmlformats.org/presentationml/2006/main" type="secHead" preserve="1">
+<p:sldLayout xmlns:a="http://schemas.openxmlformats.org/drawingml/2006/main" xmlns:r="http://schemas.openxmlformats.org/officeDocument/2006/relationships" xmlns:p="http://schemas.openxmlformats.org/presentationml/2006/main" preserve="1" type="secHead">
   <p:cSld name="Section Header">
     <p:spTree>
       <p:nvGrpSpPr>
@@ -3435,10 +3436,10 @@
           </a:xfrm>
         </p:spPr>
         <p:txBody>
-          <a:bodyPr anchor="b"/>
+          <a:bodyPr anchor="b" numCol="1"/>
           <a:lstStyle>
             <a:lvl1pPr algn="l">
-              <a:defRPr sz="4000" b="0" cap="none"/>
+              <a:defRPr b="0" cap="none" sz="4000"/>
             </a:lvl1pPr>
           </a:lstStyle>
           <a:p>
@@ -3446,7 +3447,7 @@
               <a:rPr lang="en-US" smtClean="0"/>
               <a:t>Click to edit Master title style</a:t>
             </a:r>
-            <a:endParaRPr lang="en-US" dirty="0"/>
+            <a:endParaRPr dirty="0" lang="en-US"/>
           </a:p>
         </p:txBody>
       </p:sp>
@@ -3457,7 +3458,7 @@
             <a:spLocks noGrp="1"/>
           </p:cNvSpPr>
           <p:nvPr>
-            <p:ph type="body" idx="1"/>
+            <p:ph idx="1" type="body"/>
           </p:nvPr>
         </p:nvSpPr>
         <p:spPr>
@@ -3467,11 +3468,11 @@
           </a:xfrm>
         </p:spPr>
         <p:txBody>
-          <a:bodyPr anchor="t"/>
+          <a:bodyPr anchor="t" numCol="1"/>
           <a:lstStyle>
-            <a:lvl1pPr marL="0" indent="0" algn="l">
-              <a:buNone/>
-              <a:defRPr sz="2000" cap="all">
+            <a:lvl1pPr algn="l" indent="0" marL="0">
+              <a:buNone/>
+              <a:defRPr cap="all" sz="2000">
                 <a:solidFill>
                   <a:schemeClr val="bg2">
                     <a:lumMod val="40000"/>
@@ -3480,7 +3481,7 @@
                 </a:solidFill>
               </a:defRPr>
             </a:lvl1pPr>
-            <a:lvl2pPr marL="457200" indent="0">
+            <a:lvl2pPr indent="0" marL="457200">
               <a:buNone/>
               <a:defRPr sz="1800">
                 <a:solidFill>
@@ -3490,7 +3491,7 @@
                 </a:solidFill>
               </a:defRPr>
             </a:lvl2pPr>
-            <a:lvl3pPr marL="914400" indent="0">
+            <a:lvl3pPr indent="0" marL="914400">
               <a:buNone/>
               <a:defRPr sz="1600">
                 <a:solidFill>
@@ -3500,7 +3501,7 @@
                 </a:solidFill>
               </a:defRPr>
             </a:lvl3pPr>
-            <a:lvl4pPr marL="1371600" indent="0">
+            <a:lvl4pPr indent="0" marL="1371600">
               <a:buNone/>
               <a:defRPr sz="1400">
                 <a:solidFill>
@@ -3510,7 +3511,7 @@
                 </a:solidFill>
               </a:defRPr>
             </a:lvl4pPr>
-            <a:lvl5pPr marL="1828800" indent="0">
+            <a:lvl5pPr indent="0" marL="1828800">
               <a:buNone/>
               <a:defRPr sz="1400">
                 <a:solidFill>
@@ -3520,7 +3521,7 @@
                 </a:solidFill>
               </a:defRPr>
             </a:lvl5pPr>
-            <a:lvl6pPr marL="2286000" indent="0">
+            <a:lvl6pPr indent="0" marL="2286000">
               <a:buNone/>
               <a:defRPr sz="1400">
                 <a:solidFill>
@@ -3530,7 +3531,7 @@
                 </a:solidFill>
               </a:defRPr>
             </a:lvl6pPr>
-            <a:lvl7pPr marL="2743200" indent="0">
+            <a:lvl7pPr indent="0" marL="2743200">
               <a:buNone/>
               <a:defRPr sz="1400">
                 <a:solidFill>
@@ -3540,7 +3541,7 @@
                 </a:solidFill>
               </a:defRPr>
             </a:lvl7pPr>
-            <a:lvl8pPr marL="3200400" indent="0">
+            <a:lvl8pPr indent="0" marL="3200400">
               <a:buNone/>
               <a:defRPr sz="1400">
                 <a:solidFill>
@@ -3550,7 +3551,7 @@
                 </a:solidFill>
               </a:defRPr>
             </a:lvl8pPr>
-            <a:lvl9pPr marL="3657600" indent="0">
+            <a:lvl9pPr indent="0" marL="3657600">
               <a:buNone/>
               <a:defRPr sz="1400">
                 <a:solidFill>
@@ -3577,19 +3578,19 @@
             <a:spLocks noGrp="1"/>
           </p:cNvSpPr>
           <p:nvPr>
-            <p:ph type="dt" sz="half" idx="10"/>
+            <p:ph idx="10" sz="half" type="dt"/>
           </p:nvPr>
         </p:nvSpPr>
         <p:spPr/>
         <p:txBody>
-          <a:bodyPr/>
+          <a:bodyPr numCol="1"/>
           <a:lstStyle/>
           <a:p>
             <a:fld id="{9796027F-7875-4030-9381-8BD8C4F21935}" type="datetimeFigureOut">
-              <a:rPr lang="en-US" dirty="0"/>
+              <a:rPr dirty="0" lang="en-US"/>
               <a:t>10/31/2015</a:t>
             </a:fld>
-            <a:endParaRPr lang="en-US" dirty="0"/>
+            <a:endParaRPr dirty="0" lang="en-US"/>
           </a:p>
         </p:txBody>
       </p:sp>
@@ -3600,15 +3601,15 @@
             <a:spLocks noGrp="1"/>
           </p:cNvSpPr>
           <p:nvPr>
-            <p:ph type="ftr" sz="quarter" idx="11"/>
+            <p:ph idx="11" sz="quarter" type="ftr"/>
           </p:nvPr>
         </p:nvSpPr>
         <p:spPr/>
         <p:txBody>
-          <a:bodyPr/>
-          <a:lstStyle/>
-          <a:p>
-            <a:endParaRPr lang="en-US" dirty="0"/>
+          <a:bodyPr numCol="1"/>
+          <a:lstStyle/>
+          <a:p>
+            <a:endParaRPr dirty="0" lang="en-US"/>
           </a:p>
         </p:txBody>
       </p:sp>
@@ -3619,19 +3620,19 @@
             <a:spLocks noGrp="1"/>
           </p:cNvSpPr>
           <p:nvPr>
-            <p:ph type="sldNum" sz="quarter" idx="12"/>
+            <p:ph idx="12" sz="quarter" type="sldNum"/>
           </p:nvPr>
         </p:nvSpPr>
         <p:spPr/>
         <p:txBody>
-          <a:bodyPr/>
+          <a:bodyPr numCol="1"/>
           <a:lstStyle/>
           <a:p>
             <a:fld id="{D57F1E4F-1CFF-5643-939E-02111984F565}" type="slidenum">
-              <a:rPr lang="en-US" dirty="0"/>
+              <a:rPr dirty="0" lang="en-US"/>
               <a:t>‹#›</a:t>
             </a:fld>
-            <a:endParaRPr lang="en-US" dirty="0"/>
+            <a:endParaRPr dirty="0" lang="en-US"/>
           </a:p>
         </p:txBody>
       </p:sp>
@@ -3644,7 +3645,7 @@
 </file>
 
 <file path=ppt/slideLayouts/slideLayout4.xml><?xml version="1.0" encoding="utf-8"?>
-<p:sldLayout xmlns:a="http://schemas.openxmlformats.org/drawingml/2006/main" xmlns:r="http://schemas.openxmlformats.org/officeDocument/2006/relationships" xmlns:p="http://schemas.openxmlformats.org/presentationml/2006/main" type="twoObj" preserve="1">
+<p:sldLayout xmlns:a="http://schemas.openxmlformats.org/drawingml/2006/main" xmlns:r="http://schemas.openxmlformats.org/officeDocument/2006/relationships" xmlns:p="http://schemas.openxmlformats.org/presentationml/2006/main" preserve="1" type="twoObj">
   <p:cSld name="Two Content">
     <p:spTree>
       <p:nvGrpSpPr>
@@ -3672,14 +3673,14 @@
         </p:nvSpPr>
         <p:spPr/>
         <p:txBody>
-          <a:bodyPr/>
+          <a:bodyPr numCol="1"/>
           <a:lstStyle/>
           <a:p>
             <a:r>
               <a:rPr lang="en-US" smtClean="0"/>
               <a:t>Click to edit Master title style</a:t>
             </a:r>
-            <a:endParaRPr lang="en-US" dirty="0"/>
+            <a:endParaRPr dirty="0" lang="en-US"/>
           </a:p>
         </p:txBody>
       </p:sp>
@@ -3690,7 +3691,7 @@
             <a:spLocks noGrp="1"/>
           </p:cNvSpPr>
           <p:nvPr>
-            <p:ph sz="half" idx="1"/>
+            <p:ph idx="1" sz="half"/>
           </p:nvPr>
         </p:nvSpPr>
         <p:spPr>
@@ -3700,7 +3701,7 @@
           </a:xfrm>
         </p:spPr>
         <p:txBody>
-          <a:bodyPr>
+          <a:bodyPr numCol="1">
             <a:normAutofit/>
           </a:bodyPr>
           <a:lstStyle>
@@ -3766,7 +3767,7 @@
               <a:rPr lang="en-US" smtClean="0"/>
               <a:t>Fifth level</a:t>
             </a:r>
-            <a:endParaRPr lang="en-US" dirty="0"/>
+            <a:endParaRPr dirty="0" lang="en-US"/>
           </a:p>
         </p:txBody>
       </p:sp>
@@ -3777,7 +3778,7 @@
             <a:spLocks noGrp="1"/>
           </p:cNvSpPr>
           <p:nvPr>
-            <p:ph sz="half" idx="2"/>
+            <p:ph idx="2" sz="half"/>
           </p:nvPr>
         </p:nvSpPr>
         <p:spPr>
@@ -3787,7 +3788,7 @@
           </a:xfrm>
         </p:spPr>
         <p:txBody>
-          <a:bodyPr>
+          <a:bodyPr numCol="1">
             <a:normAutofit/>
           </a:bodyPr>
           <a:lstStyle>
@@ -3853,7 +3854,7 @@
               <a:rPr lang="en-US" smtClean="0"/>
               <a:t>Fifth level</a:t>
             </a:r>
-            <a:endParaRPr lang="en-US" dirty="0"/>
+            <a:endParaRPr dirty="0" lang="en-US"/>
           </a:p>
         </p:txBody>
       </p:sp>
@@ -3864,19 +3865,19 @@
             <a:spLocks noGrp="1"/>
           </p:cNvSpPr>
           <p:nvPr>
-            <p:ph type="dt" sz="half" idx="10"/>
+            <p:ph idx="10" sz="half" type="dt"/>
           </p:nvPr>
         </p:nvSpPr>
         <p:spPr/>
         <p:txBody>
-          <a:bodyPr/>
+          <a:bodyPr numCol="1"/>
           <a:lstStyle/>
           <a:p>
             <a:fld id="{9796027F-7875-4030-9381-8BD8C4F21935}" type="datetimeFigureOut">
-              <a:rPr lang="en-US" dirty="0"/>
+              <a:rPr dirty="0" lang="en-US"/>
               <a:t>10/31/2015</a:t>
             </a:fld>
-            <a:endParaRPr lang="en-US" dirty="0"/>
+            <a:endParaRPr dirty="0" lang="en-US"/>
           </a:p>
         </p:txBody>
       </p:sp>
@@ -3887,15 +3888,15 @@
             <a:spLocks noGrp="1"/>
           </p:cNvSpPr>
           <p:nvPr>
-            <p:ph type="ftr" sz="quarter" idx="11"/>
+            <p:ph idx="11" sz="quarter" type="ftr"/>
           </p:nvPr>
         </p:nvSpPr>
         <p:spPr/>
         <p:txBody>
-          <a:bodyPr/>
-          <a:lstStyle/>
-          <a:p>
-            <a:endParaRPr lang="en-US" dirty="0"/>
+          <a:bodyPr numCol="1"/>
+          <a:lstStyle/>
+          <a:p>
+            <a:endParaRPr dirty="0" lang="en-US"/>
           </a:p>
         </p:txBody>
       </p:sp>
@@ -3906,19 +3907,19 @@
             <a:spLocks noGrp="1"/>
           </p:cNvSpPr>
           <p:nvPr>
-            <p:ph type="sldNum" sz="quarter" idx="12"/>
+            <p:ph idx="12" sz="quarter" type="sldNum"/>
           </p:nvPr>
         </p:nvSpPr>
         <p:spPr/>
         <p:txBody>
-          <a:bodyPr/>
+          <a:bodyPr numCol="1"/>
           <a:lstStyle/>
           <a:p>
             <a:fld id="{D57F1E4F-1CFF-5643-939E-02111984F565}" type="slidenum">
-              <a:rPr lang="en-US" dirty="0"/>
+              <a:rPr dirty="0" lang="en-US"/>
               <a:t>‹#›</a:t>
             </a:fld>
-            <a:endParaRPr lang="en-US" dirty="0"/>
+            <a:endParaRPr dirty="0" lang="en-US"/>
           </a:p>
         </p:txBody>
       </p:sp>
@@ -3931,7 +3932,7 @@
 </file>
 
 <file path=ppt/slideLayouts/slideLayout5.xml><?xml version="1.0" encoding="utf-8"?>
-<p:sldLayout xmlns:a="http://schemas.openxmlformats.org/drawingml/2006/main" xmlns:r="http://schemas.openxmlformats.org/officeDocument/2006/relationships" xmlns:p="http://schemas.openxmlformats.org/presentationml/2006/main" type="twoTxTwoObj" preserve="1">
+<p:sldLayout xmlns:a="http://schemas.openxmlformats.org/drawingml/2006/main" xmlns:r="http://schemas.openxmlformats.org/officeDocument/2006/relationships" xmlns:p="http://schemas.openxmlformats.org/presentationml/2006/main" preserve="1" type="twoTxTwoObj">
   <p:cSld name="Comparison">
     <p:spTree>
       <p:nvGrpSpPr>
@@ -3959,7 +3960,7 @@
         </p:nvSpPr>
         <p:spPr/>
         <p:txBody>
-          <a:bodyPr/>
+          <a:bodyPr numCol="1"/>
           <a:lstStyle>
             <a:lvl1pPr>
               <a:defRPr/>
@@ -3970,7 +3971,7 @@
               <a:rPr lang="en-US" smtClean="0"/>
               <a:t>Click to edit Master title style</a:t>
             </a:r>
-            <a:endParaRPr lang="en-US" dirty="0"/>
+            <a:endParaRPr dirty="0" lang="en-US"/>
           </a:p>
         </p:txBody>
       </p:sp>
@@ -3981,7 +3982,7 @@
             <a:spLocks noGrp="1"/>
           </p:cNvSpPr>
           <p:nvPr>
-            <p:ph type="body" idx="1"/>
+            <p:ph idx="1" type="body"/>
           </p:nvPr>
         </p:nvSpPr>
         <p:spPr>
@@ -3991,13 +3992,13 @@
           </a:xfrm>
         </p:spPr>
         <p:txBody>
-          <a:bodyPr anchor="b">
+          <a:bodyPr anchor="b" numCol="1">
             <a:noAutofit/>
           </a:bodyPr>
           <a:lstStyle>
-            <a:lvl1pPr marL="0" indent="0">
-              <a:buNone/>
-              <a:defRPr sz="2400" b="0">
+            <a:lvl1pPr indent="0" marL="0">
+              <a:buNone/>
+              <a:defRPr b="0" sz="2400">
                 <a:solidFill>
                   <a:schemeClr val="bg2">
                     <a:lumMod val="40000"/>
@@ -4006,37 +4007,37 @@
                 </a:solidFill>
               </a:defRPr>
             </a:lvl1pPr>
-            <a:lvl2pPr marL="457200" indent="0">
-              <a:buNone/>
-              <a:defRPr sz="2000" b="1"/>
+            <a:lvl2pPr indent="0" marL="457200">
+              <a:buNone/>
+              <a:defRPr b="1" sz="2000"/>
             </a:lvl2pPr>
-            <a:lvl3pPr marL="914400" indent="0">
-              <a:buNone/>
-              <a:defRPr sz="1800" b="1"/>
+            <a:lvl3pPr indent="0" marL="914400">
+              <a:buNone/>
+              <a:defRPr b="1" sz="1800"/>
             </a:lvl3pPr>
-            <a:lvl4pPr marL="1371600" indent="0">
-              <a:buNone/>
-              <a:defRPr sz="1600" b="1"/>
+            <a:lvl4pPr indent="0" marL="1371600">
+              <a:buNone/>
+              <a:defRPr b="1" sz="1600"/>
             </a:lvl4pPr>
-            <a:lvl5pPr marL="1828800" indent="0">
-              <a:buNone/>
-              <a:defRPr sz="1600" b="1"/>
+            <a:lvl5pPr indent="0" marL="1828800">
+              <a:buNone/>
+              <a:defRPr b="1" sz="1600"/>
             </a:lvl5pPr>
-            <a:lvl6pPr marL="2286000" indent="0">
-              <a:buNone/>
-              <a:defRPr sz="1600" b="1"/>
+            <a:lvl6pPr indent="0" marL="2286000">
+              <a:buNone/>
+              <a:defRPr b="1" sz="1600"/>
             </a:lvl6pPr>
-            <a:lvl7pPr marL="2743200" indent="0">
-              <a:buNone/>
-              <a:defRPr sz="1600" b="1"/>
+            <a:lvl7pPr indent="0" marL="2743200">
+              <a:buNone/>
+              <a:defRPr b="1" sz="1600"/>
             </a:lvl7pPr>
-            <a:lvl8pPr marL="3200400" indent="0">
-              <a:buNone/>
-              <a:defRPr sz="1600" b="1"/>
+            <a:lvl8pPr indent="0" marL="3200400">
+              <a:buNone/>
+              <a:defRPr b="1" sz="1600"/>
             </a:lvl8pPr>
-            <a:lvl9pPr marL="3657600" indent="0">
-              <a:buNone/>
-              <a:defRPr sz="1600" b="1"/>
+            <a:lvl9pPr indent="0" marL="3657600">
+              <a:buNone/>
+              <a:defRPr b="1" sz="1600"/>
             </a:lvl9pPr>
           </a:lstStyle>
           <a:p>
@@ -4055,7 +4056,7 @@
             <a:spLocks noGrp="1"/>
           </p:cNvSpPr>
           <p:nvPr>
-            <p:ph sz="half" idx="2"/>
+            <p:ph idx="2" sz="half"/>
           </p:nvPr>
         </p:nvSpPr>
         <p:spPr>
@@ -4065,7 +4066,7 @@
           </a:xfrm>
         </p:spPr>
         <p:txBody>
-          <a:bodyPr>
+          <a:bodyPr numCol="1">
             <a:normAutofit/>
           </a:bodyPr>
           <a:lstStyle>
@@ -4131,7 +4132,7 @@
               <a:rPr lang="en-US" smtClean="0"/>
               <a:t>Fifth level</a:t>
             </a:r>
-            <a:endParaRPr lang="en-US" dirty="0"/>
+            <a:endParaRPr dirty="0" lang="en-US"/>
           </a:p>
         </p:txBody>
       </p:sp>
@@ -4142,7 +4143,7 @@
             <a:spLocks noGrp="1"/>
           </p:cNvSpPr>
           <p:nvPr>
-            <p:ph type="body" sz="quarter" idx="3"/>
+            <p:ph idx="3" sz="quarter" type="body"/>
           </p:nvPr>
         </p:nvSpPr>
         <p:spPr>
@@ -4152,13 +4153,13 @@
           </a:xfrm>
         </p:spPr>
         <p:txBody>
-          <a:bodyPr anchor="b">
+          <a:bodyPr anchor="b" numCol="1">
             <a:noAutofit/>
           </a:bodyPr>
           <a:lstStyle>
-            <a:lvl1pPr marL="0" indent="0">
-              <a:buNone/>
-              <a:defRPr sz="2400" b="0">
+            <a:lvl1pPr indent="0" marL="0">
+              <a:buNone/>
+              <a:defRPr b="0" sz="2400">
                 <a:solidFill>
                   <a:schemeClr val="bg2">
                     <a:lumMod val="40000"/>
@@ -4167,37 +4168,37 @@
                 </a:solidFill>
               </a:defRPr>
             </a:lvl1pPr>
-            <a:lvl2pPr marL="457200" indent="0">
-              <a:buNone/>
-              <a:defRPr sz="2000" b="1"/>
+            <a:lvl2pPr indent="0" marL="457200">
+              <a:buNone/>
+              <a:defRPr b="1" sz="2000"/>
             </a:lvl2pPr>
-            <a:lvl3pPr marL="914400" indent="0">
-              <a:buNone/>
-              <a:defRPr sz="1800" b="1"/>
+            <a:lvl3pPr indent="0" marL="914400">
+              <a:buNone/>
+              <a:defRPr b="1" sz="1800"/>
             </a:lvl3pPr>
-            <a:lvl4pPr marL="1371600" indent="0">
-              <a:buNone/>
-              <a:defRPr sz="1600" b="1"/>
+            <a:lvl4pPr indent="0" marL="1371600">
+              <a:buNone/>
+              <a:defRPr b="1" sz="1600"/>
             </a:lvl4pPr>
-            <a:lvl5pPr marL="1828800" indent="0">
-              <a:buNone/>
-              <a:defRPr sz="1600" b="1"/>
+            <a:lvl5pPr indent="0" marL="1828800">
+              <a:buNone/>
+              <a:defRPr b="1" sz="1600"/>
             </a:lvl5pPr>
-            <a:lvl6pPr marL="2286000" indent="0">
-              <a:buNone/>
-              <a:defRPr sz="1600" b="1"/>
+            <a:lvl6pPr indent="0" marL="2286000">
+              <a:buNone/>
+              <a:defRPr b="1" sz="1600"/>
             </a:lvl6pPr>
-            <a:lvl7pPr marL="2743200" indent="0">
-              <a:buNone/>
-              <a:defRPr sz="1600" b="1"/>
+            <a:lvl7pPr indent="0" marL="2743200">
+              <a:buNone/>
+              <a:defRPr b="1" sz="1600"/>
             </a:lvl7pPr>
-            <a:lvl8pPr marL="3200400" indent="0">
-              <a:buNone/>
-              <a:defRPr sz="1600" b="1"/>
+            <a:lvl8pPr indent="0" marL="3200400">
+              <a:buNone/>
+              <a:defRPr b="1" sz="1600"/>
             </a:lvl8pPr>
-            <a:lvl9pPr marL="3657600" indent="0">
-              <a:buNone/>
-              <a:defRPr sz="1600" b="1"/>
+            <a:lvl9pPr indent="0" marL="3657600">
+              <a:buNone/>
+              <a:defRPr b="1" sz="1600"/>
             </a:lvl9pPr>
           </a:lstStyle>
           <a:p>
@@ -4216,7 +4217,7 @@
             <a:spLocks noGrp="1"/>
           </p:cNvSpPr>
           <p:nvPr>
-            <p:ph sz="quarter" idx="4"/>
+            <p:ph idx="4" sz="quarter"/>
           </p:nvPr>
         </p:nvSpPr>
         <p:spPr>
@@ -4226,7 +4227,7 @@
           </a:xfrm>
         </p:spPr>
         <p:txBody>
-          <a:bodyPr>
+          <a:bodyPr numCol="1">
             <a:normAutofit/>
           </a:bodyPr>
           <a:lstStyle>
@@ -4292,7 +4293,7 @@
               <a:rPr lang="en-US" smtClean="0"/>
               <a:t>Fifth level</a:t>
             </a:r>
-            <a:endParaRPr lang="en-US" dirty="0"/>
+            <a:endParaRPr dirty="0" lang="en-US"/>
           </a:p>
         </p:txBody>
       </p:sp>
@@ -4303,19 +4304,19 @@
             <a:spLocks noGrp="1"/>
           </p:cNvSpPr>
           <p:nvPr>
-            <p:ph type="dt" sz="half" idx="10"/>
+            <p:ph idx="10" sz="half" type="dt"/>
           </p:nvPr>
         </p:nvSpPr>
         <p:spPr/>
         <p:txBody>
-          <a:bodyPr/>
+          <a:bodyPr numCol="1"/>
           <a:lstStyle/>
           <a:p>
             <a:fld id="{9796027F-7875-4030-9381-8BD8C4F21935}" type="datetimeFigureOut">
-              <a:rPr lang="en-US" dirty="0"/>
+              <a:rPr dirty="0" lang="en-US"/>
               <a:t>10/31/2015</a:t>
             </a:fld>
-            <a:endParaRPr lang="en-US" dirty="0"/>
+            <a:endParaRPr dirty="0" lang="en-US"/>
           </a:p>
         </p:txBody>
       </p:sp>
@@ -4326,15 +4327,15 @@
             <a:spLocks noGrp="1"/>
           </p:cNvSpPr>
           <p:nvPr>
-            <p:ph type="ftr" sz="quarter" idx="11"/>
+            <p:ph idx="11" sz="quarter" type="ftr"/>
           </p:nvPr>
         </p:nvSpPr>
         <p:spPr/>
         <p:txBody>
-          <a:bodyPr/>
-          <a:lstStyle/>
-          <a:p>
-            <a:endParaRPr lang="en-US" dirty="0"/>
+          <a:bodyPr numCol="1"/>
+          <a:lstStyle/>
+          <a:p>
+            <a:endParaRPr dirty="0" lang="en-US"/>
           </a:p>
         </p:txBody>
       </p:sp>
@@ -4345,19 +4346,19 @@
             <a:spLocks noGrp="1"/>
           </p:cNvSpPr>
           <p:nvPr>
-            <p:ph type="sldNum" sz="quarter" idx="12"/>
+            <p:ph idx="12" sz="quarter" type="sldNum"/>
           </p:nvPr>
         </p:nvSpPr>
         <p:spPr/>
         <p:txBody>
-          <a:bodyPr/>
+          <a:bodyPr numCol="1"/>
           <a:lstStyle/>
           <a:p>
             <a:fld id="{D57F1E4F-1CFF-5643-939E-02111984F565}" type="slidenum">
-              <a:rPr lang="en-US" dirty="0"/>
+              <a:rPr dirty="0" lang="en-US"/>
               <a:t>‹#›</a:t>
             </a:fld>
-            <a:endParaRPr lang="en-US" dirty="0"/>
+            <a:endParaRPr dirty="0" lang="en-US"/>
           </a:p>
         </p:txBody>
       </p:sp>
@@ -4370,7 +4371,7 @@
 </file>
 
 <file path=ppt/slideLayouts/slideLayout6.xml><?xml version="1.0" encoding="utf-8"?>
-<p:sldLayout xmlns:a="http://schemas.openxmlformats.org/drawingml/2006/main" xmlns:r="http://schemas.openxmlformats.org/officeDocument/2006/relationships" xmlns:p="http://schemas.openxmlformats.org/presentationml/2006/main" type="titleOnly" preserve="1">
+<p:sldLayout xmlns:a="http://schemas.openxmlformats.org/drawingml/2006/main" xmlns:r="http://schemas.openxmlformats.org/officeDocument/2006/relationships" xmlns:p="http://schemas.openxmlformats.org/presentationml/2006/main" preserve="1" type="titleOnly">
   <p:cSld name="Title Only">
     <p:spTree>
       <p:nvGrpSpPr>
@@ -4398,14 +4399,14 @@
         </p:nvSpPr>
         <p:spPr/>
         <p:txBody>
-          <a:bodyPr/>
+          <a:bodyPr numCol="1"/>
           <a:lstStyle/>
           <a:p>
             <a:r>
               <a:rPr lang="en-US" smtClean="0"/>
               <a:t>Click to edit Master title style</a:t>
             </a:r>
-            <a:endParaRPr lang="en-US" dirty="0"/>
+            <a:endParaRPr dirty="0" lang="en-US"/>
           </a:p>
         </p:txBody>
       </p:sp>
@@ -4416,19 +4417,19 @@
             <a:spLocks noGrp="1"/>
           </p:cNvSpPr>
           <p:nvPr>
-            <p:ph type="dt" sz="half" idx="10"/>
+            <p:ph idx="10" sz="half" type="dt"/>
           </p:nvPr>
         </p:nvSpPr>
         <p:spPr/>
         <p:txBody>
-          <a:bodyPr/>
+          <a:bodyPr numCol="1"/>
           <a:lstStyle/>
           <a:p>
             <a:fld id="{4509A250-FF31-4206-8172-F9D3106AACB1}" type="datetimeFigureOut">
-              <a:rPr lang="en-US" dirty="0"/>
+              <a:rPr dirty="0" lang="en-US"/>
               <a:t>10/31/2015</a:t>
             </a:fld>
-            <a:endParaRPr lang="en-US" dirty="0"/>
+            <a:endParaRPr dirty="0" lang="en-US"/>
           </a:p>
         </p:txBody>
       </p:sp>
@@ -4439,15 +4440,15 @@
             <a:spLocks noGrp="1"/>
           </p:cNvSpPr>
           <p:nvPr>
-            <p:ph type="ftr" sz="quarter" idx="11"/>
+            <p:ph idx="11" sz="quarter" type="ftr"/>
           </p:nvPr>
         </p:nvSpPr>
         <p:spPr/>
         <p:txBody>
-          <a:bodyPr/>
-          <a:lstStyle/>
-          <a:p>
-            <a:endParaRPr lang="en-US" dirty="0"/>
+          <a:bodyPr numCol="1"/>
+          <a:lstStyle/>
+          <a:p>
+            <a:endParaRPr dirty="0" lang="en-US"/>
           </a:p>
         </p:txBody>
       </p:sp>
@@ -4458,19 +4459,19 @@
             <a:spLocks noGrp="1"/>
           </p:cNvSpPr>
           <p:nvPr>
-            <p:ph type="sldNum" sz="quarter" idx="12"/>
+            <p:ph idx="12" sz="quarter" type="sldNum"/>
           </p:nvPr>
         </p:nvSpPr>
         <p:spPr/>
         <p:txBody>
-          <a:bodyPr/>
+          <a:bodyPr numCol="1"/>
           <a:lstStyle/>
           <a:p>
             <a:fld id="{D57F1E4F-1CFF-5643-939E-02111984F565}" type="slidenum">
-              <a:rPr lang="en-US" dirty="0"/>
+              <a:rPr dirty="0" lang="en-US"/>
               <a:t>‹#›</a:t>
             </a:fld>
-            <a:endParaRPr lang="en-US" dirty="0"/>
+            <a:endParaRPr dirty="0" lang="en-US"/>
           </a:p>
         </p:txBody>
       </p:sp>
@@ -4483,7 +4484,7 @@
 </file>
 
 <file path=ppt/slideLayouts/slideLayout7.xml><?xml version="1.0" encoding="utf-8"?>
-<p:sldLayout xmlns:a="http://schemas.openxmlformats.org/drawingml/2006/main" xmlns:r="http://schemas.openxmlformats.org/officeDocument/2006/relationships" xmlns:p="http://schemas.openxmlformats.org/presentationml/2006/main" type="blank" preserve="1">
+<p:sldLayout xmlns:a="http://schemas.openxmlformats.org/drawingml/2006/main" xmlns:r="http://schemas.openxmlformats.org/officeDocument/2006/relationships" xmlns:p="http://schemas.openxmlformats.org/presentationml/2006/main" preserve="1" type="blank">
   <p:cSld name="Blank">
     <p:spTree>
       <p:nvGrpSpPr>
@@ -4506,19 +4507,19 @@
             <a:spLocks noGrp="1"/>
           </p:cNvSpPr>
           <p:nvPr>
-            <p:ph type="dt" sz="half" idx="10"/>
+            <p:ph idx="10" sz="half" type="dt"/>
           </p:nvPr>
         </p:nvSpPr>
         <p:spPr/>
         <p:txBody>
-          <a:bodyPr/>
+          <a:bodyPr numCol="1"/>
           <a:lstStyle/>
           <a:p>
             <a:fld id="{4509A250-FF31-4206-8172-F9D3106AACB1}" type="datetimeFigureOut">
-              <a:rPr lang="en-US" dirty="0"/>
+              <a:rPr dirty="0" lang="en-US"/>
               <a:t>10/31/2015</a:t>
             </a:fld>
-            <a:endParaRPr lang="en-US" dirty="0"/>
+            <a:endParaRPr dirty="0" lang="en-US"/>
           </a:p>
         </p:txBody>
       </p:sp>
@@ -4529,15 +4530,15 @@
             <a:spLocks noGrp="1"/>
           </p:cNvSpPr>
           <p:nvPr>
-            <p:ph type="ftr" sz="quarter" idx="11"/>
+            <p:ph idx="11" sz="quarter" type="ftr"/>
           </p:nvPr>
         </p:nvSpPr>
         <p:spPr/>
         <p:txBody>
-          <a:bodyPr/>
-          <a:lstStyle/>
-          <a:p>
-            <a:endParaRPr lang="en-US" dirty="0"/>
+          <a:bodyPr numCol="1"/>
+          <a:lstStyle/>
+          <a:p>
+            <a:endParaRPr dirty="0" lang="en-US"/>
           </a:p>
         </p:txBody>
       </p:sp>
@@ -4548,19 +4549,19 @@
             <a:spLocks noGrp="1"/>
           </p:cNvSpPr>
           <p:nvPr>
-            <p:ph type="sldNum" sz="quarter" idx="12"/>
+            <p:ph idx="12" sz="quarter" type="sldNum"/>
           </p:nvPr>
         </p:nvSpPr>
         <p:spPr/>
         <p:txBody>
-          <a:bodyPr/>
+          <a:bodyPr numCol="1"/>
           <a:lstStyle/>
           <a:p>
             <a:fld id="{D57F1E4F-1CFF-5643-939E-02111984F565}" type="slidenum">
-              <a:rPr lang="en-US" dirty="0"/>
+              <a:rPr dirty="0" lang="en-US"/>
               <a:t>‹#›</a:t>
             </a:fld>
-            <a:endParaRPr lang="en-US" dirty="0"/>
+            <a:endParaRPr dirty="0" lang="en-US"/>
           </a:p>
         </p:txBody>
       </p:sp>
@@ -4573,7 +4574,7 @@
 </file>
 
 <file path=ppt/slideLayouts/slideLayout8.xml><?xml version="1.0" encoding="utf-8"?>
-<p:sldLayout xmlns:a="http://schemas.openxmlformats.org/drawingml/2006/main" xmlns:r="http://schemas.openxmlformats.org/officeDocument/2006/relationships" xmlns:p="http://schemas.openxmlformats.org/presentationml/2006/main" type="objTx" preserve="1">
+<p:sldLayout xmlns:a="http://schemas.openxmlformats.org/drawingml/2006/main" xmlns:r="http://schemas.openxmlformats.org/officeDocument/2006/relationships" xmlns:p="http://schemas.openxmlformats.org/presentationml/2006/main" preserve="1" type="objTx">
   <p:cSld name="Content with Caption">
     <p:spTree>
       <p:nvGrpSpPr>
@@ -4606,10 +4607,10 @@
           </a:xfrm>
         </p:spPr>
         <p:txBody>
-          <a:bodyPr anchor="b"/>
+          <a:bodyPr anchor="b" numCol="1"/>
           <a:lstStyle>
             <a:lvl1pPr algn="l">
-              <a:defRPr sz="2400" b="0"/>
+              <a:defRPr b="0" sz="2400"/>
             </a:lvl1pPr>
           </a:lstStyle>
           <a:p>
@@ -4617,7 +4618,7 @@
               <a:rPr lang="en-US" smtClean="0"/>
               <a:t>Click to edit Master title style</a:t>
             </a:r>
-            <a:endParaRPr lang="en-US" dirty="0"/>
+            <a:endParaRPr dirty="0" lang="en-US"/>
           </a:p>
         </p:txBody>
       </p:sp>
@@ -4638,7 +4639,7 @@
           </a:xfrm>
         </p:spPr>
         <p:txBody>
-          <a:bodyPr anchor="ctr">
+          <a:bodyPr anchor="ctr" numCol="1">
             <a:normAutofit/>
           </a:bodyPr>
           <a:lstStyle>
@@ -4704,7 +4705,7 @@
               <a:rPr lang="en-US" smtClean="0"/>
               <a:t>Fifth level</a:t>
             </a:r>
-            <a:endParaRPr lang="en-US" dirty="0"/>
+            <a:endParaRPr dirty="0" lang="en-US"/>
           </a:p>
         </p:txBody>
       </p:sp>
@@ -4715,7 +4716,7 @@
             <a:spLocks noGrp="1"/>
           </p:cNvSpPr>
           <p:nvPr>
-            <p:ph type="body" sz="half" idx="2"/>
+            <p:ph idx="2" sz="half" type="body"/>
           </p:nvPr>
         </p:nvSpPr>
         <p:spPr>
@@ -4725,41 +4726,41 @@
           </a:xfrm>
         </p:spPr>
         <p:txBody>
-          <a:bodyPr/>
+          <a:bodyPr numCol="1"/>
           <a:lstStyle>
-            <a:lvl1pPr marL="0" indent="0">
+            <a:lvl1pPr indent="0" marL="0">
               <a:buNone/>
               <a:defRPr sz="1400"/>
             </a:lvl1pPr>
-            <a:lvl2pPr marL="457200" indent="0">
+            <a:lvl2pPr indent="0" marL="457200">
               <a:buNone/>
               <a:defRPr sz="1200"/>
             </a:lvl2pPr>
-            <a:lvl3pPr marL="914400" indent="0">
+            <a:lvl3pPr indent="0" marL="914400">
               <a:buNone/>
               <a:defRPr sz="1000"/>
             </a:lvl3pPr>
-            <a:lvl4pPr marL="1371600" indent="0">
+            <a:lvl4pPr indent="0" marL="1371600">
               <a:buNone/>
               <a:defRPr sz="900"/>
             </a:lvl4pPr>
-            <a:lvl5pPr marL="1828800" indent="0">
+            <a:lvl5pPr indent="0" marL="1828800">
               <a:buNone/>
               <a:defRPr sz="900"/>
             </a:lvl5pPr>
-            <a:lvl6pPr marL="2286000" indent="0">
+            <a:lvl6pPr indent="0" marL="2286000">
               <a:buNone/>
               <a:defRPr sz="900"/>
             </a:lvl6pPr>
-            <a:lvl7pPr marL="2743200" indent="0">
+            <a:lvl7pPr indent="0" marL="2743200">
               <a:buNone/>
               <a:defRPr sz="900"/>
             </a:lvl7pPr>
-            <a:lvl8pPr marL="3200400" indent="0">
+            <a:lvl8pPr indent="0" marL="3200400">
               <a:buNone/>
               <a:defRPr sz="900"/>
             </a:lvl8pPr>
-            <a:lvl9pPr marL="3657600" indent="0">
+            <a:lvl9pPr indent="0" marL="3657600">
               <a:buNone/>
               <a:defRPr sz="900"/>
             </a:lvl9pPr>
@@ -4780,19 +4781,19 @@
             <a:spLocks noGrp="1"/>
           </p:cNvSpPr>
           <p:nvPr>
-            <p:ph type="dt" sz="half" idx="10"/>
+            <p:ph idx="10" sz="half" type="dt"/>
           </p:nvPr>
         </p:nvSpPr>
         <p:spPr/>
         <p:txBody>
-          <a:bodyPr/>
+          <a:bodyPr numCol="1"/>
           <a:lstStyle/>
           <a:p>
             <a:fld id="{4509A250-FF31-4206-8172-F9D3106AACB1}" type="datetimeFigureOut">
-              <a:rPr lang="en-US" dirty="0"/>
+              <a:rPr dirty="0" lang="en-US"/>
               <a:t>10/31/2015</a:t>
             </a:fld>
-            <a:endParaRPr lang="en-US" dirty="0"/>
+            <a:endParaRPr dirty="0" lang="en-US"/>
           </a:p>
         </p:txBody>
       </p:sp>
@@ -4803,15 +4804,15 @@
             <a:spLocks noGrp="1"/>
           </p:cNvSpPr>
           <p:nvPr>
-            <p:ph type="ftr" sz="quarter" idx="11"/>
+            <p:ph idx="11" sz="quarter" type="ftr"/>
           </p:nvPr>
         </p:nvSpPr>
         <p:spPr/>
         <p:txBody>
-          <a:bodyPr/>
-          <a:lstStyle/>
-          <a:p>
-            <a:endParaRPr lang="en-US" dirty="0"/>
+          <a:bodyPr numCol="1"/>
+          <a:lstStyle/>
+          <a:p>
+            <a:endParaRPr dirty="0" lang="en-US"/>
           </a:p>
         </p:txBody>
       </p:sp>
@@ -4822,19 +4823,19 @@
             <a:spLocks noGrp="1"/>
           </p:cNvSpPr>
           <p:nvPr>
-            <p:ph type="sldNum" sz="quarter" idx="12"/>
+            <p:ph idx="12" sz="quarter" type="sldNum"/>
           </p:nvPr>
         </p:nvSpPr>
         <p:spPr/>
         <p:txBody>
-          <a:bodyPr/>
+          <a:bodyPr numCol="1"/>
           <a:lstStyle/>
           <a:p>
             <a:fld id="{D57F1E4F-1CFF-5643-939E-02111984F565}" type="slidenum">
-              <a:rPr lang="en-US" dirty="0"/>
+              <a:rPr dirty="0" lang="en-US"/>
               <a:t>‹#›</a:t>
             </a:fld>
-            <a:endParaRPr lang="en-US" dirty="0"/>
+            <a:endParaRPr dirty="0" lang="en-US"/>
           </a:p>
         </p:txBody>
       </p:sp>
@@ -4847,7 +4848,7 @@
 </file>
 
 <file path=ppt/slideLayouts/slideLayout9.xml><?xml version="1.0" encoding="utf-8"?>
-<p:sldLayout xmlns:a="http://schemas.openxmlformats.org/drawingml/2006/main" xmlns:r="http://schemas.openxmlformats.org/officeDocument/2006/relationships" xmlns:p="http://schemas.openxmlformats.org/presentationml/2006/main" type="picTx" preserve="1">
+<p:sldLayout xmlns:a="http://schemas.openxmlformats.org/drawingml/2006/main" xmlns:r="http://schemas.openxmlformats.org/officeDocument/2006/relationships" xmlns:p="http://schemas.openxmlformats.org/presentationml/2006/main" preserve="1" type="picTx">
   <p:cSld name="Picture with Caption">
     <p:spTree>
       <p:nvGrpSpPr>
@@ -4880,12 +4881,12 @@
           </a:xfrm>
         </p:spPr>
         <p:txBody>
-          <a:bodyPr anchor="b">
+          <a:bodyPr anchor="b" numCol="1">
             <a:normAutofit/>
           </a:bodyPr>
           <a:lstStyle>
             <a:lvl1pPr algn="l">
-              <a:defRPr sz="3600" b="0"/>
+              <a:defRPr b="0" sz="3600"/>
             </a:lvl1pPr>
           </a:lstStyle>
           <a:p>
@@ -4893,7 +4894,7 @@
               <a:rPr lang="en-US" smtClean="0"/>
               <a:t>Click to edit Master title style</a:t>
             </a:r>
-            <a:endParaRPr lang="en-US" dirty="0"/>
+            <a:endParaRPr dirty="0" lang="en-US"/>
           </a:p>
         </p:txBody>
       </p:sp>
@@ -4901,10 +4902,10 @@
         <p:nvSpPr>
           <p:cNvPr id="3" name="Picture Placeholder 2"/>
           <p:cNvSpPr>
-            <a:spLocks noGrp="1" noChangeAspect="1"/>
-          </p:cNvSpPr>
-          <p:nvPr>
-            <p:ph type="pic" idx="1"/>
+            <a:spLocks noChangeAspect="1" noGrp="1"/>
+          </p:cNvSpPr>
+          <p:nvPr>
+            <p:ph idx="1" type="pic"/>
           </p:nvPr>
         </p:nvSpPr>
         <p:spPr>
@@ -4914,11 +4915,11 @@
           </a:xfrm>
           <a:prstGeom prst="roundRect">
             <a:avLst>
-              <a:gd name="adj" fmla="val 1858"/>
+              <a:gd fmla="val 1858" name="adj"/>
             </a:avLst>
           </a:prstGeom>
           <a:effectLst>
-            <a:outerShdw blurRad="50800" dist="50800" dir="5400000" algn="tl" rotWithShape="0">
+            <a:outerShdw algn="tl" blurRad="50800" dir="5400000" dist="50800" rotWithShape="0">
               <a:srgbClr val="000000">
                 <a:alpha val="43000"/>
               </a:srgbClr>
@@ -4926,43 +4927,43 @@
           </a:effectLst>
         </p:spPr>
         <p:txBody>
-          <a:bodyPr anchor="t">
+          <a:bodyPr anchor="t" numCol="1">
             <a:normAutofit/>
           </a:bodyPr>
           <a:lstStyle>
-            <a:lvl1pPr marL="0" indent="0" algn="ctr">
+            <a:lvl1pPr algn="ctr" indent="0" marL="0">
               <a:buNone/>
               <a:defRPr sz="1600"/>
             </a:lvl1pPr>
-            <a:lvl2pPr marL="457200" indent="0">
+            <a:lvl2pPr indent="0" marL="457200">
               <a:buNone/>
               <a:defRPr sz="1600"/>
             </a:lvl2pPr>
-            <a:lvl3pPr marL="914400" indent="0">
+            <a:lvl3pPr indent="0" marL="914400">
               <a:buNone/>
               <a:defRPr sz="1600"/>
             </a:lvl3pPr>
-            <a:lvl4pPr marL="1371600" indent="0">
+            <a:lvl4pPr indent="0" marL="1371600">
               <a:buNone/>
               <a:defRPr sz="1600"/>
             </a:lvl4pPr>
-            <a:lvl5pPr marL="1828800" indent="0">
+            <a:lvl5pPr indent="0" marL="1828800">
               <a:buNone/>
               <a:defRPr sz="1600"/>
             </a:lvl5pPr>
-            <a:lvl6pPr marL="2286000" indent="0">
+            <a:lvl6pPr indent="0" marL="2286000">
               <a:buNone/>
               <a:defRPr sz="1600"/>
             </a:lvl6pPr>
-            <a:lvl7pPr marL="2743200" indent="0">
+            <a:lvl7pPr indent="0" marL="2743200">
               <a:buNone/>
               <a:defRPr sz="1600"/>
             </a:lvl7pPr>
-            <a:lvl8pPr marL="3200400" indent="0">
+            <a:lvl8pPr indent="0" marL="3200400">
               <a:buNone/>
               <a:defRPr sz="1600"/>
             </a:lvl8pPr>
-            <a:lvl9pPr marL="3657600" indent="0">
+            <a:lvl9pPr indent="0" marL="3657600">
               <a:buNone/>
               <a:defRPr sz="1600"/>
             </a:lvl9pPr>
@@ -4972,7 +4973,7 @@
               <a:rPr lang="en-US" smtClean="0"/>
               <a:t>Click icon to add picture</a:t>
             </a:r>
-            <a:endParaRPr lang="en-US" dirty="0"/>
+            <a:endParaRPr dirty="0" lang="en-US"/>
           </a:p>
         </p:txBody>
       </p:sp>
@@ -4983,7 +4984,7 @@
             <a:spLocks noGrp="1"/>
           </p:cNvSpPr>
           <p:nvPr>
-            <p:ph type="body" sz="half" idx="2"/>
+            <p:ph idx="2" sz="half" type="body"/>
           </p:nvPr>
         </p:nvSpPr>
         <p:spPr>
@@ -4993,43 +4994,43 @@
           </a:xfrm>
         </p:spPr>
         <p:txBody>
-          <a:bodyPr>
+          <a:bodyPr numCol="1">
             <a:normAutofit/>
           </a:bodyPr>
           <a:lstStyle>
-            <a:lvl1pPr marL="0" indent="0">
+            <a:lvl1pPr indent="0" marL="0">
               <a:buNone/>
               <a:defRPr sz="1400"/>
             </a:lvl1pPr>
-            <a:lvl2pPr marL="457200" indent="0">
+            <a:lvl2pPr indent="0" marL="457200">
               <a:buNone/>
               <a:defRPr sz="1200"/>
             </a:lvl2pPr>
-            <a:lvl3pPr marL="914400" indent="0">
+            <a:lvl3pPr indent="0" marL="914400">
               <a:buNone/>
               <a:defRPr sz="1000"/>
             </a:lvl3pPr>
-            <a:lvl4pPr marL="1371600" indent="0">
+            <a:lvl4pPr indent="0" marL="1371600">
               <a:buNone/>
               <a:defRPr sz="900"/>
             </a:lvl4pPr>
-            <a:lvl5pPr marL="1828800" indent="0">
+            <a:lvl5pPr indent="0" marL="1828800">
               <a:buNone/>
               <a:defRPr sz="900"/>
             </a:lvl5pPr>
-            <a:lvl6pPr marL="2286000" indent="0">
+            <a:lvl6pPr indent="0" marL="2286000">
               <a:buNone/>
               <a:defRPr sz="900"/>
             </a:lvl6pPr>
-            <a:lvl7pPr marL="2743200" indent="0">
+            <a:lvl7pPr indent="0" marL="2743200">
               <a:buNone/>
               <a:defRPr sz="900"/>
             </a:lvl7pPr>
-            <a:lvl8pPr marL="3200400" indent="0">
+            <a:lvl8pPr indent="0" marL="3200400">
               <a:buNone/>
               <a:defRPr sz="900"/>
             </a:lvl8pPr>
-            <a:lvl9pPr marL="3657600" indent="0">
+            <a:lvl9pPr indent="0" marL="3657600">
               <a:buNone/>
               <a:defRPr sz="900"/>
             </a:lvl9pPr>
@@ -5050,19 +5051,19 @@
             <a:spLocks noGrp="1"/>
           </p:cNvSpPr>
           <p:nvPr>
-            <p:ph type="dt" sz="half" idx="10"/>
+            <p:ph idx="10" sz="half" type="dt"/>
           </p:nvPr>
         </p:nvSpPr>
         <p:spPr/>
         <p:txBody>
-          <a:bodyPr/>
+          <a:bodyPr numCol="1"/>
           <a:lstStyle/>
           <a:p>
             <a:fld id="{4509A250-FF31-4206-8172-F9D3106AACB1}" type="datetimeFigureOut">
-              <a:rPr lang="en-US" dirty="0"/>
+              <a:rPr dirty="0" lang="en-US"/>
               <a:t>10/31/2015</a:t>
             </a:fld>
-            <a:endParaRPr lang="en-US" dirty="0"/>
+            <a:endParaRPr dirty="0" lang="en-US"/>
           </a:p>
         </p:txBody>
       </p:sp>
@@ -5073,15 +5074,15 @@
             <a:spLocks noGrp="1"/>
           </p:cNvSpPr>
           <p:nvPr>
-            <p:ph type="ftr" sz="quarter" idx="11"/>
+            <p:ph idx="11" sz="quarter" type="ftr"/>
           </p:nvPr>
         </p:nvSpPr>
         <p:spPr/>
         <p:txBody>
-          <a:bodyPr/>
-          <a:lstStyle/>
-          <a:p>
-            <a:endParaRPr lang="en-US" dirty="0"/>
+          <a:bodyPr numCol="1"/>
+          <a:lstStyle/>
+          <a:p>
+            <a:endParaRPr dirty="0" lang="en-US"/>
           </a:p>
         </p:txBody>
       </p:sp>
@@ -5092,19 +5093,19 @@
             <a:spLocks noGrp="1"/>
           </p:cNvSpPr>
           <p:nvPr>
-            <p:ph type="sldNum" sz="quarter" idx="12"/>
+            <p:ph idx="12" sz="quarter" type="sldNum"/>
           </p:nvPr>
         </p:nvSpPr>
         <p:spPr/>
         <p:txBody>
-          <a:bodyPr/>
+          <a:bodyPr numCol="1"/>
           <a:lstStyle/>
           <a:p>
             <a:fld id="{D57F1E4F-1CFF-5643-939E-02111984F565}" type="slidenum">
-              <a:rPr lang="en-US" dirty="0"/>
+              <a:rPr dirty="0" lang="en-US"/>
               <a:t>‹#›</a:t>
             </a:fld>
-            <a:endParaRPr lang="en-US" dirty="0"/>
+            <a:endParaRPr dirty="0" lang="en-US"/>
           </a:p>
         </p:txBody>
       </p:sp>
@@ -5147,7 +5148,7 @@
           <p:nvPr/>
         </p:nvPicPr>
         <p:blipFill rotWithShape="1">
-          <a:blip r:embed="rId19">
+          <a:blip r:embed="rId2">
             <a:extLst>
               <a:ext uri="{28A0092B-C50C-407E-A947-70E740481C1C}">
                 <a14:useLocalDpi xmlns:a14="http://schemas.microsoft.com/office/drawing/2010/main" val="0"/>
@@ -5176,7 +5177,7 @@
           <p:nvPr/>
         </p:nvPicPr>
         <p:blipFill rotWithShape="1">
-          <a:blip r:embed="rId20">
+          <a:blip r:embed="rId3">
             <a:extLst>
               <a:ext uri="{28A0092B-C50C-407E-A947-70E740481C1C}">
                 <a14:useLocalDpi xmlns:a14="http://schemas.microsoft.com/office/drawing/2010/main" val="0"/>
@@ -5235,7 +5236,7 @@
               </a:gs>
             </a:gsLst>
             <a:path path="circle">
-              <a:fillToRect l="50000" t="50000" r="50000" b="50000"/>
+              <a:fillToRect b="50000" l="50000" r="50000" t="50000"/>
             </a:path>
             <a:tileRect/>
           </a:gradFill>
@@ -5268,7 +5269,7 @@
           <p:nvPr/>
         </p:nvPicPr>
         <p:blipFill rotWithShape="1">
-          <a:blip r:embed="rId21">
+          <a:blip r:embed="rId4">
             <a:extLst>
               <a:ext uri="{28A0092B-C50C-407E-A947-70E740481C1C}">
                 <a14:useLocalDpi xmlns:a14="http://schemas.microsoft.com/office/drawing/2010/main" val="0"/>
@@ -5297,7 +5298,7 @@
           <p:nvPr/>
         </p:nvPicPr>
         <p:blipFill rotWithShape="1">
-          <a:blip r:embed="rId22">
+          <a:blip r:embed="rId5">
             <a:extLst>
               <a:ext uri="{28A0092B-C50C-407E-A947-70E740481C1C}">
                 <a14:useLocalDpi xmlns:a14="http://schemas.microsoft.com/office/drawing/2010/main" val="0"/>
@@ -5373,7 +5374,7 @@
           </a:prstGeom>
         </p:spPr>
         <p:txBody>
-          <a:bodyPr vert="horz" lIns="91440" tIns="45720" rIns="91440" bIns="45720" rtlCol="0" anchor="t">
+          <a:bodyPr anchor="t" bIns="45720" lIns="91440" numCol="1" rIns="91440" rtlCol="0" tIns="45720" vert="horz">
             <a:noAutofit/>
           </a:bodyPr>
           <a:lstStyle/>
@@ -5382,7 +5383,7 @@
               <a:rPr lang="en-US" smtClean="0"/>
               <a:t>Click to edit Master title style</a:t>
             </a:r>
-            <a:endParaRPr lang="en-US" dirty="0"/>
+            <a:endParaRPr dirty="0" lang="en-US"/>
           </a:p>
         </p:txBody>
       </p:sp>
@@ -5393,7 +5394,7 @@
             <a:spLocks noGrp="1"/>
           </p:cNvSpPr>
           <p:nvPr>
-            <p:ph type="body" idx="1"/>
+            <p:ph idx="1" type="body"/>
           </p:nvPr>
         </p:nvSpPr>
         <p:spPr>
@@ -5406,7 +5407,7 @@
           </a:prstGeom>
         </p:spPr>
         <p:txBody>
-          <a:bodyPr vert="horz" lIns="91440" tIns="45720" rIns="91440" bIns="45720" rtlCol="0">
+          <a:bodyPr bIns="45720" lIns="91440" numCol="1" rIns="91440" rtlCol="0" tIns="45720" vert="horz">
             <a:normAutofit/>
           </a:bodyPr>
           <a:lstStyle/>
@@ -5444,7 +5445,7 @@
               <a:rPr lang="en-US" smtClean="0"/>
               <a:t>Fifth level</a:t>
             </a:r>
-            <a:endParaRPr lang="en-US" dirty="0"/>
+            <a:endParaRPr dirty="0" lang="en-US"/>
           </a:p>
         </p:txBody>
       </p:sp>
@@ -5455,7 +5456,7 @@
             <a:spLocks noGrp="1"/>
           </p:cNvSpPr>
           <p:nvPr>
-            <p:ph type="dt" sz="half" idx="2"/>
+            <p:ph idx="2" sz="half" type="dt"/>
           </p:nvPr>
         </p:nvSpPr>
         <p:spPr>
@@ -5468,10 +5469,10 @@
           </a:prstGeom>
         </p:spPr>
         <p:txBody>
-          <a:bodyPr vert="horz" lIns="91440" tIns="45720" rIns="91440" bIns="45720" rtlCol="0" anchor="t"/>
+          <a:bodyPr anchor="t" bIns="45720" lIns="91440" numCol="1" rIns="91440" rtlCol="0" tIns="45720" vert="horz"/>
           <a:lstStyle>
             <a:lvl1pPr algn="l">
-              <a:defRPr sz="1100" b="0" i="0">
+              <a:defRPr b="0" i="0" sz="1100">
                 <a:solidFill>
                   <a:schemeClr val="tx1">
                     <a:tint val="75000"/>
@@ -5483,10 +5484,10 @@
           </a:lstStyle>
           <a:p>
             <a:fld id="{4AAD347D-5ACD-4C99-B74B-A9C85AD731AF}" type="datetimeFigureOut">
-              <a:rPr lang="en-US" dirty="0"/>
+              <a:rPr dirty="0" lang="en-US"/>
               <a:t>10/31/2015</a:t>
             </a:fld>
-            <a:endParaRPr lang="en-US" dirty="0"/>
+            <a:endParaRPr dirty="0" lang="en-US"/>
           </a:p>
         </p:txBody>
       </p:sp>
@@ -5497,7 +5498,7 @@
             <a:spLocks noGrp="1"/>
           </p:cNvSpPr>
           <p:nvPr>
-            <p:ph type="ftr" sz="quarter" idx="3"/>
+            <p:ph idx="3" sz="quarter" type="ftr"/>
           </p:nvPr>
         </p:nvSpPr>
         <p:spPr>
@@ -5510,10 +5511,10 @@
           </a:prstGeom>
         </p:spPr>
         <p:txBody>
-          <a:bodyPr vert="horz" lIns="91440" tIns="45720" rIns="91440" bIns="45720" rtlCol="0" anchor="b"/>
+          <a:bodyPr anchor="b" bIns="45720" lIns="91440" numCol="1" rIns="91440" rtlCol="0" tIns="45720" vert="horz"/>
           <a:lstStyle>
             <a:lvl1pPr algn="l">
-              <a:defRPr sz="1100" b="0" i="0">
+              <a:defRPr b="0" i="0" sz="1100">
                 <a:solidFill>
                   <a:schemeClr val="tx1">
                     <a:tint val="75000"/>
@@ -5524,7 +5525,7 @@
             </a:lvl1pPr>
           </a:lstStyle>
           <a:p>
-            <a:endParaRPr lang="en-US" dirty="0"/>
+            <a:endParaRPr dirty="0" lang="en-US"/>
           </a:p>
         </p:txBody>
       </p:sp>
@@ -5535,7 +5536,7 @@
             <a:spLocks noGrp="1"/>
           </p:cNvSpPr>
           <p:nvPr>
-            <p:ph type="sldNum" sz="quarter" idx="4"/>
+            <p:ph idx="4" sz="quarter" type="sldNum"/>
           </p:nvPr>
         </p:nvSpPr>
         <p:spPr bwMode="gray">
@@ -5548,10 +5549,10 @@
           </a:prstGeom>
         </p:spPr>
         <p:txBody>
-          <a:bodyPr vert="horz" lIns="91440" tIns="45720" rIns="91440" bIns="45720" rtlCol="0" anchor="b"/>
+          <a:bodyPr anchor="b" bIns="45720" lIns="91440" numCol="1" rIns="91440" rtlCol="0" tIns="45720" vert="horz"/>
           <a:lstStyle>
             <a:lvl1pPr algn="ctr">
-              <a:defRPr sz="2800" b="0" i="0">
+              <a:defRPr b="0" i="0" sz="2800">
                 <a:solidFill>
                   <a:schemeClr val="tx1">
                     <a:tint val="75000"/>
@@ -5562,44 +5563,44 @@
           </a:lstStyle>
           <a:p>
             <a:fld id="{D57F1E4F-1CFF-5643-939E-02111984F565}" type="slidenum">
-              <a:rPr lang="en-US" dirty="0"/>
+              <a:rPr dirty="0" lang="en-US"/>
               <a:t>‹#›</a:t>
             </a:fld>
-            <a:endParaRPr lang="en-US" dirty="0"/>
+            <a:endParaRPr dirty="0" lang="en-US"/>
           </a:p>
         </p:txBody>
       </p:sp>
     </p:spTree>
   </p:cSld>
-  <p:clrMap bg1="dk1" tx1="lt1" bg2="dk2" tx2="lt2" accent1="accent1" accent2="accent2" accent3="accent3" accent4="accent4" accent5="accent5" accent6="accent6" hlink="hlink" folHlink="folHlink"/>
+  <p:clrMap accent1="accent1" accent2="accent2" accent3="accent3" accent4="accent4" accent5="accent5" accent6="accent6" bg1="dk1" bg2="dk2" folHlink="folHlink" hlink="hlink" tx1="lt1" tx2="lt2"/>
   <p:sldLayoutIdLst>
-    <p:sldLayoutId id="2147483649" r:id="rId1"/>
-    <p:sldLayoutId id="2147483650" r:id="rId2"/>
-    <p:sldLayoutId id="2147483651" r:id="rId3"/>
-    <p:sldLayoutId id="2147483652" r:id="rId4"/>
-    <p:sldLayoutId id="2147483653" r:id="rId5"/>
-    <p:sldLayoutId id="2147483654" r:id="rId6"/>
-    <p:sldLayoutId id="2147483655" r:id="rId7"/>
-    <p:sldLayoutId id="2147483656" r:id="rId8"/>
-    <p:sldLayoutId id="2147483668" r:id="rId9"/>
-    <p:sldLayoutId id="2147483667" r:id="rId10"/>
-    <p:sldLayoutId id="2147483661" r:id="rId11"/>
-    <p:sldLayoutId id="2147483664" r:id="rId12"/>
-    <p:sldLayoutId id="2147483662" r:id="rId13"/>
-    <p:sldLayoutId id="2147483669" r:id="rId14"/>
-    <p:sldLayoutId id="2147483670" r:id="rId15"/>
+    <p:sldLayoutId id="2147483648" r:id="rId6"/>
+    <p:sldLayoutId id="2147483649" r:id="rId7"/>
+    <p:sldLayoutId id="2147483650" r:id="rId8"/>
+    <p:sldLayoutId id="2147483651" r:id="rId9"/>
+    <p:sldLayoutId id="2147483652" r:id="rId10"/>
+    <p:sldLayoutId id="2147483653" r:id="rId11"/>
+    <p:sldLayoutId id="2147483654" r:id="rId12"/>
+    <p:sldLayoutId id="2147483655" r:id="rId13"/>
+    <p:sldLayoutId id="2147483656" r:id="rId14"/>
+    <p:sldLayoutId id="2147483657" r:id="rId15"/>
     <p:sldLayoutId id="2147483658" r:id="rId16"/>
     <p:sldLayoutId id="2147483659" r:id="rId17"/>
+    <p:sldLayoutId id="2147483660" r:id="rId18"/>
+    <p:sldLayoutId id="2147483661" r:id="rId19"/>
+    <p:sldLayoutId id="2147483662" r:id="rId20"/>
+    <p:sldLayoutId id="2147483663" r:id="rId21"/>
+    <p:sldLayoutId id="2147483664" r:id="rId22"/>
   </p:sldLayoutIdLst>
-  <p:hf sldNum="0" hdr="0" ftr="0" dt="0"/>
+  <p:hf dt="0" ftr="0" hdr="0" sldNum="0"/>
   <p:txStyles>
     <p:titleStyle>
-      <a:lvl1pPr algn="l" defTabSz="457200" rtl="0" eaLnBrk="1" latinLnBrk="0" hangingPunct="1">
+      <a:lvl1pPr algn="l" defTabSz="457200" eaLnBrk="1" hangingPunct="1" latinLnBrk="0" rtl="0">
         <a:spcBef>
           <a:spcPct val="0"/>
         </a:spcBef>
         <a:buNone/>
-        <a:defRPr sz="4200" b="0" i="0" kern="1200">
+        <a:defRPr b="0" i="0" kern="1200" sz="4200">
           <a:solidFill>
             <a:schemeClr val="tx2"/>
           </a:solidFill>
@@ -5666,7 +5667,7 @@
       </a:lvl9pPr>
     </p:titleStyle>
     <p:bodyStyle>
-      <a:lvl1pPr marL="342900" indent="-342900" algn="l" defTabSz="457200" rtl="0" eaLnBrk="1" latinLnBrk="0" hangingPunct="1">
+      <a:lvl1pPr algn="l" defTabSz="457200" eaLnBrk="1" hangingPunct="1" indent="-342900" latinLnBrk="0" marL="342900" rtl="0">
         <a:spcBef>
           <a:spcPts val="1000"/>
         </a:spcBef>
@@ -5680,9 +5681,9 @@
           </a:schemeClr>
         </a:buClr>
         <a:buSzPct val="80000"/>
-        <a:buFont typeface="Wingdings 3" charset="2"/>
+        <a:buFont charset="2" typeface="Wingdings 3"/>
         <a:buChar char=""/>
-        <a:defRPr sz="2000" b="0" i="0" kern="1200">
+        <a:defRPr b="0" i="0" kern="1200" sz="2000">
           <a:solidFill>
             <a:schemeClr val="tx1"/>
           </a:solidFill>
@@ -5691,7 +5692,7 @@
           <a:cs typeface="+mj-cs"/>
         </a:defRPr>
       </a:lvl1pPr>
-      <a:lvl2pPr marL="742950" indent="-285750" algn="l" defTabSz="457200" rtl="0" eaLnBrk="1" latinLnBrk="0" hangingPunct="1">
+      <a:lvl2pPr algn="l" defTabSz="457200" eaLnBrk="1" hangingPunct="1" indent="-285750" latinLnBrk="0" marL="742950" rtl="0">
         <a:spcBef>
           <a:spcPts val="1000"/>
         </a:spcBef>
@@ -5705,9 +5706,9 @@
           </a:schemeClr>
         </a:buClr>
         <a:buSzPct val="80000"/>
-        <a:buFont typeface="Wingdings 3" charset="2"/>
+        <a:buFont charset="2" typeface="Wingdings 3"/>
         <a:buChar char=""/>
-        <a:defRPr sz="1800" b="0" i="0" kern="1200">
+        <a:defRPr b="0" i="0" kern="1200" sz="1800">
           <a:solidFill>
             <a:schemeClr val="tx1"/>
           </a:solidFill>
@@ -5716,7 +5717,7 @@
           <a:cs typeface="+mj-cs"/>
         </a:defRPr>
       </a:lvl2pPr>
-      <a:lvl3pPr marL="1143000" indent="-228600" algn="l" defTabSz="457200" rtl="0" eaLnBrk="1" latinLnBrk="0" hangingPunct="1">
+      <a:lvl3pPr algn="l" defTabSz="457200" eaLnBrk="1" hangingPunct="1" indent="-228600" latinLnBrk="0" marL="1143000" rtl="0">
         <a:spcBef>
           <a:spcPts val="1000"/>
         </a:spcBef>
@@ -5730,9 +5731,9 @@
           </a:schemeClr>
         </a:buClr>
         <a:buSzPct val="80000"/>
-        <a:buFont typeface="Wingdings 3" charset="2"/>
+        <a:buFont charset="2" typeface="Wingdings 3"/>
         <a:buChar char=""/>
-        <a:defRPr sz="1600" b="0" i="0" kern="1200">
+        <a:defRPr b="0" i="0" kern="1200" sz="1600">
           <a:solidFill>
             <a:schemeClr val="tx1"/>
           </a:solidFill>
@@ -5741,7 +5742,7 @@
           <a:cs typeface="+mj-cs"/>
         </a:defRPr>
       </a:lvl3pPr>
-      <a:lvl4pPr marL="1600200" indent="-228600" algn="l" defTabSz="457200" rtl="0" eaLnBrk="1" latinLnBrk="0" hangingPunct="1">
+      <a:lvl4pPr algn="l" defTabSz="457200" eaLnBrk="1" hangingPunct="1" indent="-228600" latinLnBrk="0" marL="1600200" rtl="0">
         <a:spcBef>
           <a:spcPts val="1000"/>
         </a:spcBef>
@@ -5755,9 +5756,9 @@
           </a:schemeClr>
         </a:buClr>
         <a:buSzPct val="80000"/>
-        <a:buFont typeface="Wingdings 3" charset="2"/>
+        <a:buFont charset="2" typeface="Wingdings 3"/>
         <a:buChar char=""/>
-        <a:defRPr sz="1400" b="0" i="0" kern="1200">
+        <a:defRPr b="0" i="0" kern="1200" sz="1400">
           <a:solidFill>
             <a:schemeClr val="tx1"/>
           </a:solidFill>
@@ -5766,7 +5767,7 @@
           <a:cs typeface="+mj-cs"/>
         </a:defRPr>
       </a:lvl4pPr>
-      <a:lvl5pPr marL="2057400" indent="-228600" algn="l" defTabSz="457200" rtl="0" eaLnBrk="1" latinLnBrk="0" hangingPunct="1">
+      <a:lvl5pPr algn="l" defTabSz="457200" eaLnBrk="1" hangingPunct="1" indent="-228600" latinLnBrk="0" marL="2057400" rtl="0">
         <a:spcBef>
           <a:spcPts val="1000"/>
         </a:spcBef>
@@ -5780,9 +5781,9 @@
           </a:schemeClr>
         </a:buClr>
         <a:buSzPct val="80000"/>
-        <a:buFont typeface="Wingdings 3" charset="2"/>
+        <a:buFont charset="2" typeface="Wingdings 3"/>
         <a:buChar char=""/>
-        <a:defRPr sz="1400" b="0" i="0" kern="1200">
+        <a:defRPr b="0" i="0" kern="1200" sz="1400">
           <a:solidFill>
             <a:schemeClr val="tx1"/>
           </a:solidFill>
@@ -5791,7 +5792,7 @@
           <a:cs typeface="+mj-cs"/>
         </a:defRPr>
       </a:lvl5pPr>
-      <a:lvl6pPr marL="2506000" indent="-228600" algn="l" defTabSz="457200" rtl="0" eaLnBrk="1" latinLnBrk="0" hangingPunct="1">
+      <a:lvl6pPr algn="l" defTabSz="457200" eaLnBrk="1" hangingPunct="1" indent="-228600" latinLnBrk="0" marL="2506000" rtl="0">
         <a:spcBef>
           <a:spcPts val="1000"/>
         </a:spcBef>
@@ -5805,9 +5806,9 @@
           </a:schemeClr>
         </a:buClr>
         <a:buSzPct val="80000"/>
-        <a:buFont typeface="Wingdings 3" charset="2"/>
+        <a:buFont charset="2" typeface="Wingdings 3"/>
         <a:buChar char=""/>
-        <a:defRPr sz="1400" b="0" i="0" kern="1200">
+        <a:defRPr b="0" i="0" kern="1200" sz="1400">
           <a:solidFill>
             <a:schemeClr val="tx1"/>
           </a:solidFill>
@@ -5816,7 +5817,7 @@
           <a:cs typeface="+mj-cs"/>
         </a:defRPr>
       </a:lvl6pPr>
-      <a:lvl7pPr marL="2971800" indent="-228600" algn="l" defTabSz="457200" rtl="0" eaLnBrk="1" latinLnBrk="0" hangingPunct="1">
+      <a:lvl7pPr algn="l" defTabSz="457200" eaLnBrk="1" hangingPunct="1" indent="-228600" latinLnBrk="0" marL="2971800" rtl="0">
         <a:spcBef>
           <a:spcPts val="1000"/>
         </a:spcBef>
@@ -5830,9 +5831,9 @@
           </a:schemeClr>
         </a:buClr>
         <a:buSzPct val="80000"/>
-        <a:buFont typeface="Wingdings 3" charset="2"/>
+        <a:buFont charset="2" typeface="Wingdings 3"/>
         <a:buChar char=""/>
-        <a:defRPr sz="1400" b="0" i="0" kern="1200">
+        <a:defRPr b="0" i="0" kern="1200" sz="1400">
           <a:solidFill>
             <a:schemeClr val="tx1"/>
           </a:solidFill>
@@ -5841,7 +5842,7 @@
           <a:cs typeface="+mj-cs"/>
         </a:defRPr>
       </a:lvl7pPr>
-      <a:lvl8pPr marL="3429000" indent="-228600" algn="l" defTabSz="457200" rtl="0" eaLnBrk="1" latinLnBrk="0" hangingPunct="1">
+      <a:lvl8pPr algn="l" defTabSz="457200" eaLnBrk="1" hangingPunct="1" indent="-228600" latinLnBrk="0" marL="3429000" rtl="0">
         <a:spcBef>
           <a:spcPts val="1000"/>
         </a:spcBef>
@@ -5855,9 +5856,9 @@
           </a:schemeClr>
         </a:buClr>
         <a:buSzPct val="80000"/>
-        <a:buFont typeface="Wingdings 3" charset="2"/>
+        <a:buFont charset="2" typeface="Wingdings 3"/>
         <a:buChar char=""/>
-        <a:defRPr sz="1400" b="0" i="0" kern="1200">
+        <a:defRPr b="0" i="0" kern="1200" sz="1400">
           <a:solidFill>
             <a:schemeClr val="tx1"/>
           </a:solidFill>
@@ -5866,7 +5867,7 @@
           <a:cs typeface="+mj-cs"/>
         </a:defRPr>
       </a:lvl8pPr>
-      <a:lvl9pPr marL="3886200" indent="-228600" algn="l" defTabSz="457200" rtl="0" eaLnBrk="1" latinLnBrk="0" hangingPunct="1">
+      <a:lvl9pPr algn="l" defTabSz="457200" eaLnBrk="1" hangingPunct="1" indent="-228600" latinLnBrk="0" marL="3886200" rtl="0">
         <a:spcBef>
           <a:spcPts val="1000"/>
         </a:spcBef>
@@ -5880,9 +5881,9 @@
           </a:schemeClr>
         </a:buClr>
         <a:buSzPct val="80000"/>
-        <a:buFont typeface="Wingdings 3" charset="2"/>
+        <a:buFont charset="2" typeface="Wingdings 3"/>
         <a:buChar char=""/>
-        <a:defRPr sz="1400" b="0" i="0" kern="1200">
+        <a:defRPr b="0" i="0" kern="1200" sz="1400">
           <a:solidFill>
             <a:schemeClr val="tx1"/>
           </a:solidFill>
@@ -5896,8 +5897,8 @@
       <a:defPPr>
         <a:defRPr lang="en-US"/>
       </a:defPPr>
-      <a:lvl1pPr marL="0" algn="l" defTabSz="457200" rtl="0" eaLnBrk="1" latinLnBrk="0" hangingPunct="1">
-        <a:defRPr sz="1800" kern="1200">
+      <a:lvl1pPr algn="l" defTabSz="457200" eaLnBrk="1" hangingPunct="1" latinLnBrk="0" marL="0" rtl="0">
+        <a:defRPr kern="1200" sz="1800">
           <a:solidFill>
             <a:schemeClr val="tx1"/>
           </a:solidFill>
@@ -5906,8 +5907,8 @@
           <a:cs typeface="+mn-cs"/>
         </a:defRPr>
       </a:lvl1pPr>
-      <a:lvl2pPr marL="457200" algn="l" defTabSz="457200" rtl="0" eaLnBrk="1" latinLnBrk="0" hangingPunct="1">
-        <a:defRPr sz="1800" kern="1200">
+      <a:lvl2pPr algn="l" defTabSz="457200" eaLnBrk="1" hangingPunct="1" latinLnBrk="0" marL="457200" rtl="0">
+        <a:defRPr kern="1200" sz="1800">
           <a:solidFill>
             <a:schemeClr val="tx1"/>
           </a:solidFill>
@@ -5916,8 +5917,8 @@
           <a:cs typeface="+mn-cs"/>
         </a:defRPr>
       </a:lvl2pPr>
-      <a:lvl3pPr marL="914400" algn="l" defTabSz="457200" rtl="0" eaLnBrk="1" latinLnBrk="0" hangingPunct="1">
-        <a:defRPr sz="1800" kern="1200">
+      <a:lvl3pPr algn="l" defTabSz="457200" eaLnBrk="1" hangingPunct="1" latinLnBrk="0" marL="914400" rtl="0">
+        <a:defRPr kern="1200" sz="1800">
           <a:solidFill>
             <a:schemeClr val="tx1"/>
           </a:solidFill>
@@ -5926,8 +5927,8 @@
           <a:cs typeface="+mn-cs"/>
         </a:defRPr>
       </a:lvl3pPr>
-      <a:lvl4pPr marL="1371600" algn="l" defTabSz="457200" rtl="0" eaLnBrk="1" latinLnBrk="0" hangingPunct="1">
-        <a:defRPr sz="1800" kern="1200">
+      <a:lvl4pPr algn="l" defTabSz="457200" eaLnBrk="1" hangingPunct="1" latinLnBrk="0" marL="1371600" rtl="0">
+        <a:defRPr kern="1200" sz="1800">
           <a:solidFill>
             <a:schemeClr val="tx1"/>
           </a:solidFill>
@@ -5936,8 +5937,8 @@
           <a:cs typeface="+mn-cs"/>
         </a:defRPr>
       </a:lvl4pPr>
-      <a:lvl5pPr marL="1828800" algn="l" defTabSz="457200" rtl="0" eaLnBrk="1" latinLnBrk="0" hangingPunct="1">
-        <a:defRPr sz="1800" kern="1200">
+      <a:lvl5pPr algn="l" defTabSz="457200" eaLnBrk="1" hangingPunct="1" latinLnBrk="0" marL="1828800" rtl="0">
+        <a:defRPr kern="1200" sz="1800">
           <a:solidFill>
             <a:schemeClr val="tx1"/>
           </a:solidFill>
@@ -5946,8 +5947,8 @@
           <a:cs typeface="+mn-cs"/>
         </a:defRPr>
       </a:lvl5pPr>
-      <a:lvl6pPr marL="2286000" algn="l" defTabSz="457200" rtl="0" eaLnBrk="1" latinLnBrk="0" hangingPunct="1">
-        <a:defRPr sz="1800" kern="1200">
+      <a:lvl6pPr algn="l" defTabSz="457200" eaLnBrk="1" hangingPunct="1" latinLnBrk="0" marL="2286000" rtl="0">
+        <a:defRPr kern="1200" sz="1800">
           <a:solidFill>
             <a:schemeClr val="tx1"/>
           </a:solidFill>
@@ -5956,8 +5957,8 @@
           <a:cs typeface="+mn-cs"/>
         </a:defRPr>
       </a:lvl6pPr>
-      <a:lvl7pPr marL="2743200" algn="l" defTabSz="457200" rtl="0" eaLnBrk="1" latinLnBrk="0" hangingPunct="1">
-        <a:defRPr sz="1800" kern="1200">
+      <a:lvl7pPr algn="l" defTabSz="457200" eaLnBrk="1" hangingPunct="1" latinLnBrk="0" marL="2743200" rtl="0">
+        <a:defRPr kern="1200" sz="1800">
           <a:solidFill>
             <a:schemeClr val="tx1"/>
           </a:solidFill>
@@ -5966,8 +5967,8 @@
           <a:cs typeface="+mn-cs"/>
         </a:defRPr>
       </a:lvl7pPr>
-      <a:lvl8pPr marL="3200400" algn="l" defTabSz="457200" rtl="0" eaLnBrk="1" latinLnBrk="0" hangingPunct="1">
-        <a:defRPr sz="1800" kern="1200">
+      <a:lvl8pPr algn="l" defTabSz="457200" eaLnBrk="1" hangingPunct="1" latinLnBrk="0" marL="3200400" rtl="0">
+        <a:defRPr kern="1200" sz="1800">
           <a:solidFill>
             <a:schemeClr val="tx1"/>
           </a:solidFill>
@@ -5976,8 +5977,8 @@
           <a:cs typeface="+mn-cs"/>
         </a:defRPr>
       </a:lvl8pPr>
-      <a:lvl9pPr marL="3657600" algn="l" defTabSz="457200" rtl="0" eaLnBrk="1" latinLnBrk="0" hangingPunct="1">
-        <a:defRPr sz="1800" kern="1200">
+      <a:lvl9pPr algn="l" defTabSz="457200" eaLnBrk="1" hangingPunct="1" latinLnBrk="0" marL="3657600" rtl="0">
+        <a:defRPr kern="1200" sz="1800">
           <a:solidFill>
             <a:schemeClr val="tx1"/>
           </a:solidFill>
@@ -6025,22 +6026,22 @@
           </a:xfrm>
         </p:spPr>
         <p:txBody>
-          <a:bodyPr/>
+          <a:bodyPr numCol="1"/>
           <a:lstStyle/>
           <a:p>
             <a:pPr algn="ctr"/>
             <a:r>
-              <a:rPr lang="en-US" sz="6000" dirty="0" smtClean="0"/>
+              <a:rPr dirty="0" lang="en-US" smtClean="0" sz="6000"/>
               <a:t>LEGISLATIVE DATA ANALYZER</a:t>
             </a:r>
             <a:br>
-              <a:rPr lang="en-US" sz="6000" dirty="0" smtClean="0"/>
+              <a:rPr dirty="0" lang="en-US" smtClean="0" sz="6000"/>
             </a:br>
             <a:r>
-              <a:rPr lang="en-US" sz="3200" dirty="0" smtClean="0"/>
+              <a:rPr dirty="0" lang="en-US" smtClean="0" sz="3200"/>
               <a:t>ITU - Python Programming</a:t>
             </a:r>
-            <a:endParaRPr lang="en-US" sz="3200" dirty="0"/>
+            <a:endParaRPr dirty="0" lang="en-US" sz="3200"/>
           </a:p>
         </p:txBody>
       </p:sp>
@@ -6051,7 +6052,7 @@
             <a:spLocks noGrp="1"/>
           </p:cNvSpPr>
           <p:nvPr>
-            <p:ph type="subTitle" idx="1"/>
+            <p:ph idx="1" type="subTitle"/>
           </p:nvPr>
         </p:nvSpPr>
         <p:spPr>
@@ -6061,116 +6062,116 @@
           </a:xfrm>
         </p:spPr>
         <p:txBody>
-          <a:bodyPr>
+          <a:bodyPr numCol="1">
             <a:normAutofit fontScale="70000" lnSpcReduction="20000"/>
           </a:bodyPr>
           <a:lstStyle/>
           <a:p>
             <a:pPr algn="ctr"/>
             <a:r>
-              <a:rPr lang="en-US" dirty="0" smtClean="0"/>
+              <a:rPr dirty="0" lang="en-US" smtClean="0"/>
               <a:t>Francois de la </a:t>
             </a:r>
             <a:r>
-              <a:rPr lang="en-US" dirty="0" err="1" smtClean="0"/>
+              <a:rPr dirty="0" err="1" lang="en-US" smtClean="0"/>
               <a:t>roche</a:t>
             </a:r>
             <a:r>
-              <a:rPr lang="en-US" dirty="0" smtClean="0"/>
+              <a:rPr dirty="0" lang="en-US" smtClean="0"/>
               <a:t> </a:t>
             </a:r>
             <a:r>
-              <a:rPr lang="en-US" dirty="0"/>
+              <a:rPr dirty="0" lang="en-US"/>
               <a:t>84885</a:t>
             </a:r>
-            <a:endParaRPr lang="en-US" dirty="0" smtClean="0"/>
+            <a:endParaRPr dirty="0" lang="en-US" smtClean="0"/>
           </a:p>
           <a:p>
             <a:pPr algn="ctr"/>
             <a:r>
-              <a:rPr lang="en-US" dirty="0" smtClean="0"/>
+              <a:rPr dirty="0" lang="en-US" smtClean="0"/>
               <a:t>Doga Tuncay </a:t>
             </a:r>
             <a:r>
-              <a:rPr lang="en-US" dirty="0"/>
+              <a:rPr dirty="0" lang="en-US"/>
               <a:t>88146</a:t>
             </a:r>
-            <a:endParaRPr lang="en-US" dirty="0" smtClean="0"/>
+            <a:endParaRPr dirty="0" lang="en-US" smtClean="0"/>
           </a:p>
           <a:p>
             <a:pPr algn="ctr"/>
             <a:r>
-              <a:rPr lang="en-US" dirty="0" err="1" smtClean="0"/>
+              <a:rPr dirty="0" err="1" lang="en-US" smtClean="0"/>
               <a:t>Duc</a:t>
             </a:r>
             <a:r>
-              <a:rPr lang="en-US" dirty="0" smtClean="0"/>
+              <a:rPr dirty="0" lang="en-US" smtClean="0"/>
               <a:t> phan </a:t>
             </a:r>
             <a:r>
-              <a:rPr lang="en-US" dirty="0"/>
+              <a:rPr dirty="0" lang="en-US"/>
               <a:t>88468</a:t>
             </a:r>
-            <a:endParaRPr lang="en-US" dirty="0" smtClean="0"/>
+            <a:endParaRPr dirty="0" lang="en-US" smtClean="0"/>
           </a:p>
           <a:p>
             <a:pPr algn="ctr"/>
             <a:r>
-              <a:rPr lang="en-US" dirty="0" smtClean="0"/>
+              <a:rPr dirty="0" lang="en-US" smtClean="0"/>
               <a:t>Ashish </a:t>
             </a:r>
             <a:r>
-              <a:rPr lang="en-US" dirty="0" err="1" smtClean="0"/>
+              <a:rPr dirty="0" err="1" lang="en-US" smtClean="0"/>
               <a:t>dhupkar</a:t>
             </a:r>
             <a:r>
-              <a:rPr lang="en-US" dirty="0" smtClean="0"/>
+              <a:rPr dirty="0" lang="en-US" smtClean="0"/>
               <a:t> </a:t>
             </a:r>
             <a:r>
-              <a:rPr lang="en-US" dirty="0"/>
+              <a:rPr dirty="0" lang="en-US"/>
               <a:t>87581</a:t>
             </a:r>
-            <a:endParaRPr lang="en-US" dirty="0" smtClean="0"/>
+            <a:endParaRPr dirty="0" lang="en-US" smtClean="0"/>
           </a:p>
           <a:p>
             <a:pPr algn="ctr"/>
             <a:r>
-              <a:rPr lang="en-US" dirty="0" smtClean="0"/>
+              <a:rPr dirty="0" lang="en-US" smtClean="0"/>
               <a:t>Beauty </a:t>
             </a:r>
             <a:r>
-              <a:rPr lang="en-US" dirty="0" err="1" smtClean="0"/>
+              <a:rPr dirty="0" err="1" lang="en-US" smtClean="0"/>
               <a:t>devpura</a:t>
             </a:r>
             <a:r>
-              <a:rPr lang="en-US" dirty="0" smtClean="0"/>
+              <a:rPr dirty="0" lang="en-US" smtClean="0"/>
               <a:t> </a:t>
             </a:r>
             <a:r>
-              <a:rPr lang="en-US" dirty="0"/>
+              <a:rPr dirty="0" lang="en-US"/>
               <a:t>85172</a:t>
             </a:r>
-            <a:endParaRPr lang="en-US" dirty="0" smtClean="0"/>
+            <a:endParaRPr dirty="0" lang="en-US" smtClean="0"/>
           </a:p>
           <a:p>
             <a:pPr algn="ctr"/>
             <a:r>
-              <a:rPr lang="en-US" dirty="0" err="1" smtClean="0"/>
+              <a:rPr dirty="0" err="1" lang="en-US" smtClean="0"/>
               <a:t>Sampath</a:t>
             </a:r>
             <a:r>
-              <a:rPr lang="en-US" dirty="0" smtClean="0"/>
+              <a:rPr dirty="0" lang="en-US" smtClean="0"/>
               <a:t> KUMAR </a:t>
             </a:r>
             <a:r>
-              <a:rPr lang="en-US" dirty="0"/>
+              <a:rPr dirty="0" lang="en-US"/>
               <a:t>87317</a:t>
             </a:r>
-            <a:endParaRPr lang="en-US" dirty="0" smtClean="0"/>
-          </a:p>
-          <a:p>
-            <a:endParaRPr lang="en-US" dirty="0"/>
+            <a:endParaRPr dirty="0" lang="en-US" smtClean="0"/>
+          </a:p>
+          <a:p>
+            <a:endParaRPr dirty="0" lang="en-US"/>
           </a:p>
         </p:txBody>
       </p:sp>
@@ -6187,7 +6188,7 @@
   <p:timing>
     <p:tnLst>
       <p:par>
-        <p:cTn id="1" dur="indefinite" restart="never" nodeType="tmRoot"/>
+        <p:cTn dur="indefinite" id="1" nodeType="tmRoot" restart="never"/>
       </p:par>
     </p:tnLst>
   </p:timing>
@@ -6226,11 +6227,7 @@
           <a:bodyPr/>
           <a:lstStyle/>
           <a:p>
-            <a:r>
-              <a:rPr lang="en-US" dirty="0" smtClean="0"/>
-              <a:t>               What is the dataset?</a:t>
-            </a:r>
-            <a:endParaRPr lang="en-US" dirty="0"/>
+            <a:endParaRPr lang="en-US"/>
           </a:p>
         </p:txBody>
       </p:sp>
@@ -6244,100 +6241,17 @@
             <p:ph idx="1"/>
           </p:nvPr>
         </p:nvSpPr>
-        <p:spPr>
-          <a:xfrm>
-            <a:off x="1103312" y="1709530"/>
-            <a:ext cx="10167662" cy="4538869"/>
-          </a:xfrm>
-        </p:spPr>
-        <p:txBody>
-          <a:bodyPr>
-            <a:normAutofit/>
-          </a:bodyPr>
-          <a:lstStyle/>
-          <a:p>
-            <a:r>
-              <a:rPr lang="en-US" sz="2400" dirty="0" smtClean="0"/>
-              <a:t>Cities (Chicago, Pittsburgh, Seattle etc.)</a:t>
-            </a:r>
-          </a:p>
-          <a:p>
-            <a:r>
-              <a:rPr lang="en-US" sz="2400" dirty="0" smtClean="0"/>
-              <a:t>Legislations (aka Matters)</a:t>
-            </a:r>
-          </a:p>
-          <a:p>
-            <a:pPr lvl="1"/>
-            <a:r>
-              <a:rPr lang="en-US" sz="2000" dirty="0" smtClean="0"/>
-              <a:t>Legislation Name</a:t>
-            </a:r>
-          </a:p>
-          <a:p>
-            <a:pPr lvl="1"/>
-            <a:r>
-              <a:rPr lang="en-US" sz="2000" dirty="0" smtClean="0"/>
-              <a:t>Legislation Title</a:t>
-            </a:r>
-          </a:p>
-          <a:p>
-            <a:pPr lvl="1"/>
-            <a:r>
-              <a:rPr lang="en-US" sz="2000" dirty="0" smtClean="0"/>
-              <a:t>Legislation Type</a:t>
-            </a:r>
-          </a:p>
-          <a:p>
-            <a:pPr lvl="1"/>
-            <a:r>
-              <a:rPr lang="en-US" sz="2000" dirty="0" smtClean="0"/>
-              <a:t>Legislation Status</a:t>
-            </a:r>
-          </a:p>
-          <a:p>
-            <a:pPr lvl="1"/>
-            <a:r>
-              <a:rPr lang="en-US" sz="2000" dirty="0" smtClean="0"/>
-              <a:t>Introduction Date</a:t>
-            </a:r>
-          </a:p>
-          <a:p>
-            <a:pPr lvl="1"/>
-            <a:r>
-              <a:rPr lang="en-US" sz="2000" dirty="0" smtClean="0"/>
-              <a:t>Passed Date</a:t>
-            </a:r>
-          </a:p>
-          <a:p>
-            <a:pPr lvl="1"/>
-            <a:r>
-              <a:rPr lang="en-US" sz="2000" dirty="0" smtClean="0"/>
-              <a:t>Agenda Date</a:t>
-            </a:r>
-          </a:p>
-          <a:p>
-            <a:endParaRPr lang="en-US" sz="2400" dirty="0"/>
+        <p:spPr/>
+        <p:txBody>
+          <a:bodyPr/>
+          <a:lstStyle/>
+          <a:p>
+            <a:endParaRPr lang="en-US"/>
           </a:p>
         </p:txBody>
       </p:sp>
     </p:spTree>
-    <p:extLst>
-      <p:ext uri="{BB962C8B-B14F-4D97-AF65-F5344CB8AC3E}">
-        <p14:creationId xmlns:p14="http://schemas.microsoft.com/office/powerpoint/2010/main" val="3385415036"/>
-      </p:ext>
-    </p:extLst>
   </p:cSld>
-  <p:clrMapOvr>
-    <a:masterClrMapping/>
-  </p:clrMapOvr>
-  <p:timing>
-    <p:tnLst>
-      <p:par>
-        <p:cTn id="1" dur="indefinite" restart="never" nodeType="tmRoot"/>
-      </p:par>
-    </p:tnLst>
-  </p:timing>
 </p:sld>
 </file>
 
@@ -6370,15 +6284,14 @@
         </p:nvSpPr>
         <p:spPr/>
         <p:txBody>
-          <a:bodyPr/>
-          <a:lstStyle/>
-          <a:p>
-            <a:pPr algn="ctr"/>
-            <a:r>
-              <a:rPr lang="en-US" dirty="0" smtClean="0"/>
-              <a:t>How do we parse the data and where we are parsing it from?</a:t>
-            </a:r>
-            <a:endParaRPr lang="en-US" dirty="0"/>
+          <a:bodyPr numCol="1"/>
+          <a:lstStyle/>
+          <a:p>
+            <a:r>
+              <a:rPr dirty="0" lang="en-US" smtClean="0"/>
+              <a:t>               What is the dataset?</a:t>
+            </a:r>
+            <a:endParaRPr dirty="0" lang="en-US"/>
           </a:p>
         </p:txBody>
       </p:sp>
@@ -6394,62 +6307,85 @@
         </p:nvSpPr>
         <p:spPr>
           <a:xfrm>
-            <a:off x="1103312" y="2052918"/>
-            <a:ext cx="9789975" cy="4195481"/>
+            <a:off x="1103312" y="1709530"/>
+            <a:ext cx="10167662" cy="4538869"/>
           </a:xfrm>
         </p:spPr>
         <p:txBody>
-          <a:bodyPr>
+          <a:bodyPr numCol="1">
             <a:normAutofit/>
           </a:bodyPr>
           <a:lstStyle/>
           <a:p>
             <a:r>
-              <a:rPr lang="en-US" sz="2800" dirty="0" smtClean="0"/>
-              <a:t>Granicus is a California based company that provides cloud solutions to government</a:t>
-            </a:r>
-          </a:p>
-          <a:p>
-            <a:r>
-              <a:rPr lang="en-US" sz="2800" dirty="0" smtClean="0"/>
-              <a:t>Data is public and available via </a:t>
-            </a:r>
-            <a:r>
-              <a:rPr lang="en-US" sz="2800" dirty="0" err="1" smtClean="0"/>
-              <a:t>Legistar</a:t>
-            </a:r>
-            <a:r>
-              <a:rPr lang="en-US" sz="2800" dirty="0" smtClean="0"/>
-              <a:t> API</a:t>
-            </a:r>
-          </a:p>
-          <a:p>
-            <a:r>
-              <a:rPr lang="en-US" sz="2800" dirty="0" smtClean="0"/>
-              <a:t>Output is in XML format which is translated to dictionary format</a:t>
-            </a:r>
-          </a:p>
-          <a:p>
-            <a:r>
-              <a:rPr lang="en-US" sz="2800" dirty="0" smtClean="0"/>
-              <a:t>Example API query:</a:t>
-            </a:r>
-          </a:p>
-          <a:p>
-            <a:pPr marL="457200" lvl="1" indent="0">
-              <a:buNone/>
-            </a:pPr>
-            <a:r>
-              <a:rPr lang="en-US" sz="2400" dirty="0"/>
-              <a:t>http://webapi.legistar.com/v1/seattle/matters</a:t>
-            </a:r>
+              <a:rPr dirty="0" lang="en-US" smtClean="0" sz="2400"/>
+              <a:t>Cities (Chicago, Pittsburgh, Seattle etc.)</a:t>
+            </a:r>
+          </a:p>
+          <a:p>
+            <a:r>
+              <a:rPr dirty="0" lang="en-US" smtClean="0" sz="2400"/>
+              <a:t>Legislations (aka Matters)</a:t>
+            </a:r>
+          </a:p>
+          <a:p>
+            <a:pPr lvl="1"/>
+            <a:r>
+              <a:rPr dirty="0" lang="en-US" smtClean="0" sz="2000"/>
+              <a:t>Legislation Name</a:t>
+            </a:r>
+          </a:p>
+          <a:p>
+            <a:pPr lvl="1"/>
+            <a:r>
+              <a:rPr dirty="0" lang="en-US" smtClean="0" sz="2000"/>
+              <a:t>Legislation Title</a:t>
+            </a:r>
+          </a:p>
+          <a:p>
+            <a:pPr lvl="1"/>
+            <a:r>
+              <a:rPr dirty="0" lang="en-US" smtClean="0" sz="2000"/>
+              <a:t>Legislation Type</a:t>
+            </a:r>
+          </a:p>
+          <a:p>
+            <a:pPr lvl="1"/>
+            <a:r>
+              <a:rPr dirty="0" lang="en-US" smtClean="0" sz="2000"/>
+              <a:t>Legislation Status</a:t>
+            </a:r>
+          </a:p>
+          <a:p>
+            <a:pPr lvl="1"/>
+            <a:r>
+              <a:rPr dirty="0" lang="en-US" smtClean="0" sz="2000"/>
+              <a:t>Introduction Date</a:t>
+            </a:r>
+          </a:p>
+          <a:p>
+            <a:pPr lvl="1"/>
+            <a:r>
+              <a:rPr dirty="0" lang="en-US" smtClean="0" sz="2000"/>
+              <a:t>Passed Date</a:t>
+            </a:r>
+          </a:p>
+          <a:p>
+            <a:pPr lvl="1"/>
+            <a:r>
+              <a:rPr dirty="0" lang="en-US" smtClean="0" sz="2000"/>
+              <a:t>Agenda Date</a:t>
+            </a:r>
+          </a:p>
+          <a:p>
+            <a:endParaRPr dirty="0" lang="en-US" sz="2400"/>
           </a:p>
         </p:txBody>
       </p:sp>
     </p:spTree>
     <p:extLst>
       <p:ext uri="{BB962C8B-B14F-4D97-AF65-F5344CB8AC3E}">
-        <p14:creationId xmlns:p14="http://schemas.microsoft.com/office/powerpoint/2010/main" val="11229793"/>
+        <p14:creationId xmlns:p14="http://schemas.microsoft.com/office/powerpoint/2010/main" val="3385415036"/>
       </p:ext>
     </p:extLst>
   </p:cSld>
@@ -6459,7 +6395,7 @@
   <p:timing>
     <p:tnLst>
       <p:par>
-        <p:cTn id="1" dur="indefinite" restart="never" nodeType="tmRoot"/>
+        <p:cTn dur="indefinite" id="1" nodeType="tmRoot" restart="never"/>
       </p:par>
     </p:tnLst>
   </p:timing>
@@ -6495,15 +6431,15 @@
         </p:nvSpPr>
         <p:spPr/>
         <p:txBody>
-          <a:bodyPr/>
+          <a:bodyPr numCol="1"/>
           <a:lstStyle/>
           <a:p>
             <a:pPr algn="ctr"/>
             <a:r>
-              <a:rPr lang="en-US" dirty="0" smtClean="0"/>
-              <a:t>What are we looking to find? </a:t>
-            </a:r>
-            <a:endParaRPr lang="en-US" dirty="0"/>
+              <a:rPr dirty="0" lang="en-US" smtClean="0"/>
+              <a:t>How do we parse the data and where we are parsing it from?</a:t>
+            </a:r>
+            <a:endParaRPr dirty="0" lang="en-US"/>
           </a:p>
         </p:txBody>
       </p:sp>
@@ -6517,45 +6453,64 @@
             <p:ph idx="1"/>
           </p:nvPr>
         </p:nvSpPr>
-        <p:spPr/>
-        <p:txBody>
-          <a:bodyPr/>
-          <a:lstStyle/>
-          <a:p>
-            <a:r>
-              <a:rPr lang="en-US" sz="2400" dirty="0" smtClean="0"/>
-              <a:t>Average Time Before Meeting: Find out how long does it take to discuss each legislation type after it is introduced</a:t>
-            </a:r>
-          </a:p>
-          <a:p>
-            <a:r>
-              <a:rPr lang="en-US" sz="2400" dirty="0" smtClean="0"/>
-              <a:t>Number of Files by Body: Find out what type of files that each body has</a:t>
-            </a:r>
-          </a:p>
-          <a:p>
-            <a:r>
-              <a:rPr lang="en-US" sz="2400" dirty="0" smtClean="0"/>
-              <a:t>Status Per </a:t>
-            </a:r>
-            <a:r>
-              <a:rPr lang="en-US" sz="2400" dirty="0"/>
-              <a:t>T</a:t>
-            </a:r>
-            <a:r>
-              <a:rPr lang="en-US" sz="2400" dirty="0" smtClean="0"/>
-              <a:t>ype of File: Find out the total number files by each legislation type and their statuses</a:t>
-            </a:r>
-          </a:p>
-          <a:p>
-            <a:endParaRPr lang="en-US" dirty="0"/>
+        <p:spPr>
+          <a:xfrm>
+            <a:off x="1103312" y="2052918"/>
+            <a:ext cx="9789975" cy="4195481"/>
+          </a:xfrm>
+        </p:spPr>
+        <p:txBody>
+          <a:bodyPr numCol="1">
+            <a:normAutofit/>
+          </a:bodyPr>
+          <a:lstStyle/>
+          <a:p>
+            <a:r>
+              <a:rPr dirty="0" lang="en-US" smtClean="0" sz="2800"/>
+              <a:t>Granicus is a California based company that provides cloud solutions to government</a:t>
+            </a:r>
+          </a:p>
+          <a:p>
+            <a:r>
+              <a:rPr dirty="0" lang="en-US" smtClean="0" sz="2800"/>
+              <a:t>Data is public and available via </a:t>
+            </a:r>
+            <a:r>
+              <a:rPr dirty="0" err="1" lang="en-US" smtClean="0" sz="2800"/>
+              <a:t>Legistar</a:t>
+            </a:r>
+            <a:r>
+              <a:rPr dirty="0" lang="en-US" smtClean="0" sz="2800"/>
+              <a:t> API</a:t>
+            </a:r>
+          </a:p>
+          <a:p>
+            <a:r>
+              <a:rPr dirty="0" lang="en-US" smtClean="0" sz="2800"/>
+              <a:t>Output is in XML format which is translated to dictionary format</a:t>
+            </a:r>
+          </a:p>
+          <a:p>
+            <a:r>
+              <a:rPr dirty="0" lang="en-US" smtClean="0" sz="2800"/>
+              <a:t>Example API query:</a:t>
+            </a:r>
+          </a:p>
+          <a:p>
+            <a:pPr indent="0" lvl="1" marL="457200">
+              <a:buNone/>
+            </a:pPr>
+            <a:r>
+              <a:rPr dirty="0" lang="en-US" sz="2400"/>
+              <a:t>http://webapi.legistar.com/v1/seattle/matters</a:t>
+            </a:r>
           </a:p>
         </p:txBody>
       </p:sp>
     </p:spTree>
     <p:extLst>
       <p:ext uri="{BB962C8B-B14F-4D97-AF65-F5344CB8AC3E}">
-        <p14:creationId xmlns:p14="http://schemas.microsoft.com/office/powerpoint/2010/main" val="2003039215"/>
+        <p14:creationId xmlns:p14="http://schemas.microsoft.com/office/powerpoint/2010/main" val="11229793"/>
       </p:ext>
     </p:extLst>
   </p:cSld>
@@ -6565,7 +6520,7 @@
   <p:timing>
     <p:tnLst>
       <p:par>
-        <p:cTn id="1" dur="indefinite" restart="never" nodeType="tmRoot"/>
+        <p:cTn dur="indefinite" id="1" nodeType="tmRoot" restart="never"/>
       </p:par>
     </p:tnLst>
   </p:timing>
@@ -6601,15 +6556,15 @@
         </p:nvSpPr>
         <p:spPr/>
         <p:txBody>
-          <a:bodyPr/>
+          <a:bodyPr numCol="1"/>
           <a:lstStyle/>
           <a:p>
             <a:pPr algn="ctr"/>
             <a:r>
-              <a:rPr lang="en-US" dirty="0" smtClean="0"/>
-              <a:t>Workflow</a:t>
-            </a:r>
-            <a:endParaRPr lang="en-US" dirty="0"/>
+              <a:rPr dirty="0" lang="en-US" smtClean="0"/>
+              <a:t>What are we looking to find? </a:t>
+            </a:r>
+            <a:endParaRPr dirty="0" lang="en-US"/>
           </a:p>
         </p:txBody>
       </p:sp>
@@ -6623,74 +6578,45 @@
             <p:ph idx="1"/>
           </p:nvPr>
         </p:nvSpPr>
-        <p:spPr>
-          <a:xfrm>
-            <a:off x="1103312" y="2052918"/>
-            <a:ext cx="10270704" cy="4195481"/>
-          </a:xfrm>
-        </p:spPr>
-        <p:txBody>
-          <a:bodyPr>
-            <a:normAutofit/>
-          </a:bodyPr>
-          <a:lstStyle/>
-          <a:p>
-            <a:pPr marL="457200" indent="-457200">
-              <a:buFont typeface="+mj-lt"/>
-              <a:buAutoNum type="arabicPeriod"/>
-            </a:pPr>
-            <a:r>
-              <a:rPr lang="en-US" sz="2800" dirty="0" smtClean="0"/>
-              <a:t>Data gets pulled from the API</a:t>
-            </a:r>
-          </a:p>
-          <a:p>
-            <a:pPr marL="457200" indent="-457200">
-              <a:buFont typeface="+mj-lt"/>
-              <a:buAutoNum type="arabicPeriod"/>
-            </a:pPr>
-            <a:r>
-              <a:rPr lang="en-US" sz="2800" dirty="0" smtClean="0"/>
-              <a:t>Data gets saved into a dictionary</a:t>
-            </a:r>
-          </a:p>
-          <a:p>
-            <a:pPr marL="457200" indent="-457200">
-              <a:buFont typeface="+mj-lt"/>
-              <a:buAutoNum type="arabicPeriod"/>
-            </a:pPr>
-            <a:r>
-              <a:rPr lang="en-US" sz="2800" dirty="0" smtClean="0"/>
-              <a:t>Dictionary gets imported into a Sqlite3 database</a:t>
-            </a:r>
-          </a:p>
-          <a:p>
-            <a:pPr marL="457200" indent="-457200">
-              <a:buFont typeface="+mj-lt"/>
-              <a:buAutoNum type="arabicPeriod"/>
-            </a:pPr>
-            <a:r>
-              <a:rPr lang="en-US" sz="2800" dirty="0" smtClean="0"/>
-              <a:t>Run the queries on the data</a:t>
-            </a:r>
-          </a:p>
-          <a:p>
-            <a:pPr marL="457200" indent="-457200">
-              <a:buFont typeface="+mj-lt"/>
-              <a:buAutoNum type="arabicPeriod"/>
-            </a:pPr>
-            <a:r>
-              <a:rPr lang="en-US" sz="2800" dirty="0" smtClean="0"/>
-              <a:t>Return the result on the UI</a:t>
-            </a:r>
-            <a:endParaRPr lang="en-US" sz="2800" dirty="0"/>
+        <p:spPr/>
+        <p:txBody>
+          <a:bodyPr numCol="1"/>
+          <a:lstStyle/>
+          <a:p>
+            <a:r>
+              <a:rPr dirty="0" lang="en-US" smtClean="0" sz="2400"/>
+              <a:t>Average Time Before Meeting: Find out how long does it take to discuss each legislation type after it is introduced</a:t>
+            </a:r>
+          </a:p>
+          <a:p>
+            <a:r>
+              <a:rPr dirty="0" lang="en-US" smtClean="0" sz="2400"/>
+              <a:t>Number of Files by Body: Find out what type of files that each body has</a:t>
+            </a:r>
+          </a:p>
+          <a:p>
+            <a:r>
+              <a:rPr dirty="0" lang="en-US" smtClean="0" sz="2400"/>
+              <a:t>Status Per </a:t>
+            </a:r>
+            <a:r>
+              <a:rPr dirty="0" lang="en-US" sz="2400"/>
+              <a:t>T</a:t>
+            </a:r>
+            <a:r>
+              <a:rPr dirty="0" lang="en-US" smtClean="0" sz="2400"/>
+              <a:t>ype of File: Find out the total number files by each legislation type and their statuses</a:t>
+            </a:r>
+          </a:p>
+          <a:p>
+            <a:endParaRPr dirty="0" lang="en-US"/>
           </a:p>
         </p:txBody>
       </p:sp>
     </p:spTree>
     <p:extLst>
       <p:ext uri="{BB962C8B-B14F-4D97-AF65-F5344CB8AC3E}">
-        <p14:creationId xmlns:p14="http://schemas.microsoft.com/office/powerpoint/2010/main" val="2704460584"/>
+        <p14:creationId xmlns:p14="http://schemas.microsoft.com/office/powerpoint/2010/main" val="2003039215"/>
       </p:ext>
     </p:extLst>
   </p:cSld>
@@ -6700,7 +6626,7 @@
   <p:timing>
     <p:tnLst>
       <p:par>
-        <p:cTn id="1" dur="indefinite" restart="never" nodeType="tmRoot"/>
+        <p:cTn dur="indefinite" id="1" nodeType="tmRoot" restart="never"/>
       </p:par>
     </p:tnLst>
   </p:timing>
@@ -6736,15 +6662,15 @@
         </p:nvSpPr>
         <p:spPr/>
         <p:txBody>
-          <a:bodyPr/>
+          <a:bodyPr numCol="1"/>
           <a:lstStyle/>
           <a:p>
             <a:pPr algn="ctr"/>
             <a:r>
-              <a:rPr lang="en-US" dirty="0" smtClean="0"/>
-              <a:t>The environment that we used</a:t>
-            </a:r>
-            <a:endParaRPr lang="en-US" dirty="0"/>
+              <a:rPr dirty="0" lang="en-US" smtClean="0"/>
+              <a:t>Workflow</a:t>
+            </a:r>
+            <a:endParaRPr dirty="0" lang="en-US"/>
           </a:p>
         </p:txBody>
       </p:sp>
@@ -6758,137 +6684,74 @@
             <p:ph idx="1"/>
           </p:nvPr>
         </p:nvSpPr>
-        <p:spPr/>
-        <p:txBody>
-          <a:bodyPr>
-            <a:normAutofit fontScale="92500" lnSpcReduction="20000"/>
+        <p:spPr>
+          <a:xfrm>
+            <a:off x="1103312" y="2052918"/>
+            <a:ext cx="10270704" cy="4195481"/>
+          </a:xfrm>
+        </p:spPr>
+        <p:txBody>
+          <a:bodyPr numCol="1">
+            <a:normAutofit/>
           </a:bodyPr>
           <a:lstStyle/>
           <a:p>
-            <a:r>
-              <a:rPr lang="en-US" dirty="0" smtClean="0"/>
-              <a:t>Sqlite3</a:t>
-            </a:r>
-          </a:p>
-          <a:p>
-            <a:r>
-              <a:rPr lang="en-US" dirty="0" err="1"/>
-              <a:t>Github</a:t>
-            </a:r>
-            <a:r>
-              <a:rPr lang="en-US" dirty="0"/>
-              <a:t> : </a:t>
-            </a:r>
-            <a:r>
-              <a:rPr lang="en-US" u="sng" dirty="0">
-                <a:hlinkClick r:id="rId2"/>
-              </a:rPr>
-              <a:t>https://github.com/dogat-ruby/CityStay</a:t>
-            </a:r>
-            <a:r>
-              <a:rPr lang="en-US" dirty="0"/>
-              <a:t> project members contributed into </a:t>
-            </a:r>
-            <a:r>
-              <a:rPr lang="en-US"/>
-              <a:t>the </a:t>
-            </a:r>
-            <a:r>
-              <a:rPr lang="en-US" smtClean="0"/>
-              <a:t>project</a:t>
-            </a:r>
-            <a:endParaRPr lang="en-US" dirty="0" smtClean="0"/>
-          </a:p>
-          <a:p>
-            <a:r>
-              <a:rPr lang="en-US" dirty="0" smtClean="0"/>
-              <a:t>Python v3.4</a:t>
-            </a:r>
-          </a:p>
-          <a:p>
-            <a:pPr lvl="1"/>
-            <a:r>
-              <a:rPr lang="en-US" dirty="0" smtClean="0"/>
-              <a:t>Httplib2</a:t>
-            </a:r>
-          </a:p>
-          <a:p>
-            <a:pPr lvl="1"/>
-            <a:r>
-              <a:rPr lang="en-US" dirty="0" err="1" smtClean="0"/>
-              <a:t>Gc</a:t>
-            </a:r>
-            <a:endParaRPr lang="en-US" dirty="0"/>
-          </a:p>
-          <a:p>
-            <a:pPr lvl="1"/>
-            <a:r>
-              <a:rPr lang="en-US" dirty="0" smtClean="0"/>
-              <a:t>Sys</a:t>
-            </a:r>
-          </a:p>
-          <a:p>
-            <a:pPr lvl="1"/>
-            <a:r>
-              <a:rPr lang="en-US" dirty="0" err="1" smtClean="0"/>
-              <a:t>Ttk</a:t>
-            </a:r>
-            <a:r>
-              <a:rPr lang="en-US" dirty="0" smtClean="0"/>
-              <a:t>, </a:t>
-            </a:r>
-            <a:r>
-              <a:rPr lang="en-US" dirty="0" err="1" smtClean="0"/>
-              <a:t>Tkinter</a:t>
-            </a:r>
-            <a:endParaRPr lang="en-US" dirty="0" smtClean="0"/>
-          </a:p>
-          <a:p>
-            <a:pPr lvl="1"/>
-            <a:r>
-              <a:rPr lang="en-US" dirty="0" smtClean="0"/>
-              <a:t>Re</a:t>
-            </a:r>
-          </a:p>
-          <a:p>
-            <a:pPr lvl="1"/>
-            <a:r>
-              <a:rPr lang="en-US" dirty="0" err="1" smtClean="0"/>
-              <a:t>Datatime</a:t>
-            </a:r>
-            <a:endParaRPr lang="en-US" dirty="0" smtClean="0"/>
-          </a:p>
-          <a:p>
-            <a:pPr lvl="1"/>
-            <a:r>
-              <a:rPr lang="en-US" dirty="0" err="1" smtClean="0"/>
-              <a:t>Os</a:t>
-            </a:r>
-            <a:endParaRPr lang="en-US" dirty="0" smtClean="0"/>
-          </a:p>
-          <a:p>
-            <a:pPr lvl="1"/>
-            <a:r>
-              <a:rPr lang="en-US" dirty="0" smtClean="0"/>
-              <a:t>Peewee</a:t>
-            </a:r>
-          </a:p>
-          <a:p>
-            <a:pPr marL="457200" lvl="1" indent="0">
-              <a:buNone/>
+            <a:pPr indent="-457200" marL="457200">
+              <a:buFont typeface="+mj-lt"/>
+              <a:buAutoNum type="arabicPeriod"/>
             </a:pPr>
-            <a:endParaRPr lang="en-US" dirty="0" smtClean="0"/>
-          </a:p>
-          <a:p>
-            <a:pPr lvl="1"/>
-            <a:endParaRPr lang="en-US" dirty="0"/>
+            <a:r>
+              <a:rPr dirty="0" lang="en-US" smtClean="0" sz="2800"/>
+              <a:t>Data gets pulled from the API</a:t>
+            </a:r>
+          </a:p>
+          <a:p>
+            <a:pPr indent="-457200" marL="457200">
+              <a:buFont typeface="+mj-lt"/>
+              <a:buAutoNum type="arabicPeriod"/>
+            </a:pPr>
+            <a:r>
+              <a:rPr dirty="0" lang="en-US" smtClean="0" sz="2800"/>
+              <a:t>Data gets saved into a dictionary</a:t>
+            </a:r>
+          </a:p>
+          <a:p>
+            <a:pPr indent="-457200" marL="457200">
+              <a:buFont typeface="+mj-lt"/>
+              <a:buAutoNum type="arabicPeriod"/>
+            </a:pPr>
+            <a:r>
+              <a:rPr dirty="0" lang="en-US" smtClean="0" sz="2800"/>
+              <a:t>Dictionary gets imported into a Sqlite3 database</a:t>
+            </a:r>
+          </a:p>
+          <a:p>
+            <a:pPr indent="-457200" marL="457200">
+              <a:buFont typeface="+mj-lt"/>
+              <a:buAutoNum type="arabicPeriod"/>
+            </a:pPr>
+            <a:r>
+              <a:rPr dirty="0" lang="en-US" smtClean="0" sz="2800"/>
+              <a:t>Run the queries on the data</a:t>
+            </a:r>
+          </a:p>
+          <a:p>
+            <a:pPr indent="-457200" marL="457200">
+              <a:buFont typeface="+mj-lt"/>
+              <a:buAutoNum type="arabicPeriod"/>
+            </a:pPr>
+            <a:r>
+              <a:rPr dirty="0" lang="en-US" smtClean="0" sz="2800"/>
+              <a:t>Return the result on the UI</a:t>
+            </a:r>
+            <a:endParaRPr dirty="0" lang="en-US" sz="2800"/>
           </a:p>
         </p:txBody>
       </p:sp>
     </p:spTree>
     <p:extLst>
       <p:ext uri="{BB962C8B-B14F-4D97-AF65-F5344CB8AC3E}">
-        <p14:creationId xmlns:p14="http://schemas.microsoft.com/office/powerpoint/2010/main" val="3613328842"/>
+        <p14:creationId xmlns:p14="http://schemas.microsoft.com/office/powerpoint/2010/main" val="2704460584"/>
       </p:ext>
     </p:extLst>
   </p:cSld>
@@ -6898,7 +6761,7 @@
   <p:timing>
     <p:tnLst>
       <p:par>
-        <p:cTn id="1" dur="indefinite" restart="never" nodeType="tmRoot"/>
+        <p:cTn dur="indefinite" id="1" nodeType="tmRoot" restart="never"/>
       </p:par>
     </p:tnLst>
   </p:timing>
@@ -6932,6 +6795,204 @@
             <p:ph type="title"/>
           </p:nvPr>
         </p:nvSpPr>
+        <p:spPr/>
+        <p:txBody>
+          <a:bodyPr numCol="1"/>
+          <a:lstStyle/>
+          <a:p>
+            <a:pPr algn="ctr"/>
+            <a:r>
+              <a:rPr dirty="0" lang="en-US" smtClean="0"/>
+              <a:t>The environment that we used</a:t>
+            </a:r>
+            <a:endParaRPr dirty="0" lang="en-US"/>
+          </a:p>
+        </p:txBody>
+      </p:sp>
+      <p:sp>
+        <p:nvSpPr>
+          <p:cNvPr id="3" name="Content Placeholder 2"/>
+          <p:cNvSpPr>
+            <a:spLocks noGrp="1"/>
+          </p:cNvSpPr>
+          <p:nvPr>
+            <p:ph idx="1"/>
+          </p:nvPr>
+        </p:nvSpPr>
+        <p:spPr/>
+        <p:txBody>
+          <a:bodyPr numCol="1">
+            <a:normAutofit fontScale="92500" lnSpcReduction="20000"/>
+          </a:bodyPr>
+          <a:lstStyle/>
+          <a:p>
+            <a:r>
+              <a:rPr dirty="0" lang="en-US" smtClean="0"/>
+              <a:t>Sqlite3</a:t>
+            </a:r>
+          </a:p>
+          <a:p>
+            <a:r>
+              <a:rPr dirty="0" err="1" lang="en-US"/>
+              <a:t>Github</a:t>
+            </a:r>
+            <a:r>
+              <a:rPr dirty="0" lang="en-US"/>
+              <a:t> : </a:t>
+            </a:r>
+            <a:r>
+              <a:rPr dirty="0" lang="en-US" u="sng">
+                <a:hlinkClick r:id="rId2"/>
+              </a:rPr>
+              <a:t>https://github.com/dogat-ruby/CityStay</a:t>
+            </a:r>
+            <a:r>
+              <a:rPr dirty="0" lang="en-US"/>
+              <a:t> project members contributed into </a:t>
+            </a:r>
+            <a:r>
+              <a:rPr lang="en-US"/>
+              <a:t>the </a:t>
+            </a:r>
+            <a:r>
+              <a:rPr lang="en-US" smtClean="0"/>
+              <a:t>project</a:t>
+            </a:r>
+            <a:endParaRPr dirty="0" lang="en-US" smtClean="0"/>
+          </a:p>
+          <a:p>
+            <a:r>
+              <a:rPr dirty="0" lang="en-US" smtClean="0"/>
+              <a:t>Python v3.4</a:t>
+            </a:r>
+          </a:p>
+          <a:p>
+            <a:pPr lvl="1"/>
+            <a:r>
+              <a:rPr dirty="0" lang="en-US" smtClean="0"/>
+              <a:t>Httplib2</a:t>
+            </a:r>
+          </a:p>
+          <a:p>
+            <a:pPr lvl="1"/>
+            <a:r>
+              <a:rPr dirty="0" err="1" lang="en-US" smtClean="0"/>
+              <a:t>Gc</a:t>
+            </a:r>
+            <a:endParaRPr dirty="0" lang="en-US"/>
+          </a:p>
+          <a:p>
+            <a:pPr lvl="1"/>
+            <a:r>
+              <a:rPr dirty="0" lang="en-US" smtClean="0"/>
+              <a:t>Sys</a:t>
+            </a:r>
+          </a:p>
+          <a:p>
+            <a:pPr lvl="1"/>
+            <a:r>
+              <a:rPr dirty="0" err="1" lang="en-US" smtClean="0"/>
+              <a:t>Ttk</a:t>
+            </a:r>
+            <a:r>
+              <a:rPr dirty="0" lang="en-US" smtClean="0"/>
+              <a:t>, </a:t>
+            </a:r>
+            <a:r>
+              <a:rPr dirty="0" err="1" lang="en-US" smtClean="0"/>
+              <a:t>Tkinter</a:t>
+            </a:r>
+            <a:endParaRPr dirty="0" lang="en-US" smtClean="0"/>
+          </a:p>
+          <a:p>
+            <a:pPr lvl="1"/>
+            <a:r>
+              <a:rPr dirty="0" lang="en-US" smtClean="0"/>
+              <a:t>Re</a:t>
+            </a:r>
+          </a:p>
+          <a:p>
+            <a:pPr lvl="1"/>
+            <a:r>
+              <a:rPr dirty="0" err="1" lang="en-US" smtClean="0"/>
+              <a:t>Datatime</a:t>
+            </a:r>
+            <a:endParaRPr dirty="0" lang="en-US" smtClean="0"/>
+          </a:p>
+          <a:p>
+            <a:pPr lvl="1"/>
+            <a:r>
+              <a:rPr dirty="0" err="1" lang="en-US" smtClean="0"/>
+              <a:t>Os</a:t>
+            </a:r>
+            <a:endParaRPr dirty="0" lang="en-US" smtClean="0"/>
+          </a:p>
+          <a:p>
+            <a:pPr lvl="1"/>
+            <a:r>
+              <a:rPr dirty="0" lang="en-US" smtClean="0"/>
+              <a:t>Peewee</a:t>
+            </a:r>
+          </a:p>
+          <a:p>
+            <a:pPr indent="0" lvl="1" marL="457200">
+              <a:buNone/>
+            </a:pPr>
+            <a:endParaRPr dirty="0" lang="en-US" smtClean="0"/>
+          </a:p>
+          <a:p>
+            <a:pPr lvl="1"/>
+            <a:endParaRPr dirty="0" lang="en-US"/>
+          </a:p>
+        </p:txBody>
+      </p:sp>
+    </p:spTree>
+    <p:extLst>
+      <p:ext uri="{BB962C8B-B14F-4D97-AF65-F5344CB8AC3E}">
+        <p14:creationId xmlns:p14="http://schemas.microsoft.com/office/powerpoint/2010/main" val="3613328842"/>
+      </p:ext>
+    </p:extLst>
+  </p:cSld>
+  <p:clrMapOvr>
+    <a:masterClrMapping/>
+  </p:clrMapOvr>
+  <p:timing>
+    <p:tnLst>
+      <p:par>
+        <p:cTn dur="indefinite" id="1" nodeType="tmRoot" restart="never"/>
+      </p:par>
+    </p:tnLst>
+  </p:timing>
+</p:sld>
+</file>
+
+<file path=ppt/slides/slide8.xml><?xml version="1.0" encoding="utf-8"?>
+<p:sld xmlns:a="http://schemas.openxmlformats.org/drawingml/2006/main" xmlns:r="http://schemas.openxmlformats.org/officeDocument/2006/relationships" xmlns:p="http://schemas.openxmlformats.org/presentationml/2006/main">
+  <p:cSld>
+    <p:spTree>
+      <p:nvGrpSpPr>
+        <p:cNvPr id="1" name=""/>
+        <p:cNvGrpSpPr/>
+        <p:nvPr/>
+      </p:nvGrpSpPr>
+      <p:grpSpPr>
+        <a:xfrm>
+          <a:off x="0" y="0"/>
+          <a:ext cx="0" cy="0"/>
+          <a:chOff x="0" y="0"/>
+          <a:chExt cx="0" cy="0"/>
+        </a:xfrm>
+      </p:grpSpPr>
+      <p:sp>
+        <p:nvSpPr>
+          <p:cNvPr id="2" name="Title 1"/>
+          <p:cNvSpPr>
+            <a:spLocks noGrp="1"/>
+          </p:cNvSpPr>
+          <p:nvPr>
+            <p:ph type="title"/>
+          </p:nvPr>
+        </p:nvSpPr>
         <p:spPr>
           <a:xfrm>
             <a:off x="1560511" y="1432431"/>
@@ -6939,22 +7000,22 @@
           </a:xfrm>
         </p:spPr>
         <p:txBody>
-          <a:bodyPr/>
+          <a:bodyPr numCol="1"/>
           <a:lstStyle/>
           <a:p>
             <a:pPr algn="ctr"/>
             <a:r>
-              <a:rPr lang="en-US" sz="8800" dirty="0" smtClean="0"/>
+              <a:rPr dirty="0" lang="en-US" smtClean="0" sz="8800"/>
               <a:t/>
             </a:r>
             <a:br>
-              <a:rPr lang="en-US" sz="8800" dirty="0" smtClean="0"/>
+              <a:rPr dirty="0" lang="en-US" smtClean="0" sz="8800"/>
             </a:br>
             <a:r>
-              <a:rPr lang="en-US" sz="8800" dirty="0" smtClean="0"/>
+              <a:rPr dirty="0" lang="en-US" smtClean="0" sz="8800"/>
               <a:t>DEMO </a:t>
             </a:r>
-            <a:endParaRPr lang="en-US" dirty="0"/>
+            <a:endParaRPr dirty="0" lang="en-US"/>
           </a:p>
         </p:txBody>
       </p:sp>
@@ -6971,7 +7032,7 @@
   <p:timing>
     <p:tnLst>
       <p:par>
-        <p:cTn id="1" dur="indefinite" restart="never" nodeType="tmRoot"/>
+        <p:cTn dur="indefinite" id="1" nodeType="tmRoot" restart="never"/>
       </p:par>
     </p:tnLst>
   </p:timing>
@@ -6983,10 +7044,10 @@
   <a:themeElements>
     <a:clrScheme name="Ion">
       <a:dk1>
-        <a:sysClr val="windowText" lastClr="000000"/>
+        <a:sysClr lastClr="000000" val="windowText"/>
       </a:dk1>
       <a:lt1>
-        <a:sysClr val="window" lastClr="FFFFFF"/>
+        <a:sysClr lastClr="FFFFFF" val="window"/>
       </a:lt1>
       <a:dk2>
         <a:srgbClr val="1E5155"/>
@@ -7021,7 +7082,7 @@
     </a:clrScheme>
     <a:fontScheme name="Ion">
       <a:majorFont>
-        <a:latin typeface="Century Gothic" panose="020B0502020202020204"/>
+        <a:latin panose="020B0502020202020204" typeface="Century Gothic"/>
         <a:ea typeface=""/>
         <a:cs typeface=""/>
         <a:font script="Jpan" typeface="メイリオ"/>
@@ -7056,7 +7117,7 @@
         <a:font script="Geor" typeface="Sylfaen"/>
       </a:majorFont>
       <a:minorFont>
-        <a:latin typeface="Century Gothic" panose="020B0502020202020204"/>
+        <a:latin panose="020B0502020202020204" typeface="Century Gothic"/>
         <a:ea typeface=""/>
         <a:cs typeface=""/>
         <a:font script="Jpan" typeface="メイリオ"/>
@@ -7133,19 +7194,19 @@
         </a:gradFill>
       </a:fillStyleLst>
       <a:lnStyleLst>
-        <a:ln w="9525" cap="rnd" cmpd="sng" algn="ctr">
+        <a:ln algn="ctr" cap="rnd" cmpd="sng" w="9525">
           <a:solidFill>
             <a:schemeClr val="phClr"/>
           </a:solidFill>
           <a:prstDash val="solid"/>
         </a:ln>
-        <a:ln w="19050" cap="rnd" cmpd="sng" algn="ctr">
+        <a:ln algn="ctr" cap="rnd" cmpd="sng" w="19050">
           <a:solidFill>
             <a:schemeClr val="phClr"/>
           </a:solidFill>
           <a:prstDash val="solid"/>
         </a:ln>
-        <a:ln w="28575" cap="rnd" cmpd="sng" algn="ctr">
+        <a:ln algn="ctr" cap="rnd" cmpd="sng" w="28575">
           <a:solidFill>
             <a:schemeClr val="phClr"/>
           </a:solidFill>
@@ -7158,7 +7219,7 @@
         </a:effectStyle>
         <a:effectStyle>
           <a:effectLst>
-            <a:outerShdw blurRad="38100" dist="25400" dir="5400000" rotWithShape="0">
+            <a:outerShdw blurRad="38100" dir="5400000" dist="25400" rotWithShape="0">
               <a:srgbClr val="000000">
                 <a:alpha val="45000"/>
               </a:srgbClr>
@@ -7167,7 +7228,7 @@
         </a:effectStyle>
         <a:effectStyle>
           <a:effectLst>
-            <a:outerShdw blurRad="63500" dist="38100" dir="5400000" rotWithShape="0">
+            <a:outerShdw blurRad="63500" dir="5400000" dist="38100" rotWithShape="0">
               <a:srgbClr val="000000">
                 <a:alpha val="60000"/>
               </a:srgbClr>
@@ -7177,10 +7238,10 @@
             <a:camera prst="orthographicFront">
               <a:rot lat="0" lon="0" rev="0"/>
             </a:camera>
-            <a:lightRig rig="threePt" dir="tl"/>
+            <a:lightRig dir="tl" rig="threePt"/>
           </a:scene3d>
           <a:sp3d prstMaterial="plastic">
-            <a:bevelT w="0" h="0"/>
+            <a:bevelT h="0" w="0"/>
           </a:sp3d>
         </a:effectStyle>
       </a:effectStyleLst>
@@ -7209,7 +7270,7 @@
             </a:gs>
           </a:gsLst>
           <a:path path="circle">
-            <a:fillToRect l="45000" t="65000" r="125000" b="100000"/>
+            <a:fillToRect b="100000" l="45000" r="125000" t="65000"/>
           </a:path>
         </a:gradFill>
         <a:blipFill rotWithShape="1">
@@ -7238,7 +7299,7 @@
   <a:extraClrSchemeLst/>
   <a:extLst>
     <a:ext uri="{05A4C25C-085E-4340-85A3-A5531E510DB2}">
-      <thm15:themeFamily xmlns:thm15="http://schemas.microsoft.com/office/thememl/2012/main" name="Ion" id="{B8441ADB-2E43-4AF7-B97A-BD870242C6A8}" vid="{292E63A9-BB86-4E3D-B92A-7223C6510D2E}"/>
+      <thm15:themeFamily xmlns:thm15="http://schemas.microsoft.com/office/thememl/2012/main" id="{B8441ADB-2E43-4AF7-B97A-BD870242C6A8}" name="Ion" vid="{292E63A9-BB86-4E3D-B92A-7223C6510D2E}"/>
     </a:ext>
   </a:extLst>
 </a:theme>
